--- a/cybersecurity-iacs/slides/delivery/12__Vault_configuration.pptx
+++ b/cybersecurity-iacs/slides/delivery/12__Vault_configuration.pptx
@@ -1,91 +1,91 @@
 
 <file path=ppt/presentation.xml><?xml version="1.0" encoding="utf-8"?>
-<p:presentation xmlns:a="http://schemas.openxmlformats.org/drawingml/2006/main" xmlns:r="http://schemas.openxmlformats.org/officeDocument/2006/relationships" xmlns:p="http://schemas.openxmlformats.org/presentationml/2006/main" showSpecialPlsOnTitleSld="0" saveSubsetFonts="1" autoCompressPictures="0">
+<p:presentation xmlns:a="http://schemas.openxmlformats.org/drawingml/2006/main" xmlns:r="http://schemas.openxmlformats.org/officeDocument/2006/relationships" xmlns:p="http://schemas.openxmlformats.org/presentationml/2006/main" showSpecialPlsOnTitleSld="0" autoCompressPictures="0">
   <p:sldMasterIdLst>
-    <p:sldMasterId id="2147483651" r:id="rId1"/>
+    <p:sldMasterId id="2147483648" r:id="rId1"/>
   </p:sldMasterIdLst>
   <p:notesMasterIdLst>
-    <p:notesMasterId r:id="rId2"/>
+    <p:notesMasterId r:id="rId7"/>
   </p:notesMasterIdLst>
   <p:handoutMasterIdLst>
-    <p:handoutMasterId r:id="rId3"/>
+    <p:handoutMasterId r:id="rId77"/>
   </p:handoutMasterIdLst>
   <p:sldIdLst>
-    <p:sldId id="256" r:id="rId9"/>
-    <p:sldId id="257" r:id="rId10"/>
-    <p:sldId id="258" r:id="rId11"/>
-    <p:sldId id="259" r:id="rId12"/>
-    <p:sldId id="260" r:id="rId13"/>
-    <p:sldId id="261" r:id="rId14"/>
-    <p:sldId id="262" r:id="rId15"/>
-    <p:sldId id="263" r:id="rId16"/>
-    <p:sldId id="264" r:id="rId17"/>
-    <p:sldId id="265" r:id="rId18"/>
-    <p:sldId id="266" r:id="rId19"/>
-    <p:sldId id="267" r:id="rId20"/>
-    <p:sldId id="268" r:id="rId21"/>
-    <p:sldId id="269" r:id="rId22"/>
-    <p:sldId id="270" r:id="rId23"/>
-    <p:sldId id="271" r:id="rId24"/>
-    <p:sldId id="272" r:id="rId25"/>
-    <p:sldId id="273" r:id="rId26"/>
-    <p:sldId id="274" r:id="rId27"/>
-    <p:sldId id="275" r:id="rId28"/>
-    <p:sldId id="276" r:id="rId29"/>
-    <p:sldId id="277" r:id="rId30"/>
-    <p:sldId id="278" r:id="rId31"/>
-    <p:sldId id="279" r:id="rId32"/>
-    <p:sldId id="280" r:id="rId33"/>
-    <p:sldId id="281" r:id="rId34"/>
-    <p:sldId id="282" r:id="rId35"/>
-    <p:sldId id="283" r:id="rId36"/>
-    <p:sldId id="284" r:id="rId37"/>
-    <p:sldId id="285" r:id="rId38"/>
-    <p:sldId id="286" r:id="rId39"/>
-    <p:sldId id="287" r:id="rId40"/>
-    <p:sldId id="288" r:id="rId41"/>
-    <p:sldId id="289" r:id="rId42"/>
-    <p:sldId id="290" r:id="rId43"/>
-    <p:sldId id="291" r:id="rId44"/>
-    <p:sldId id="292" r:id="rId45"/>
-    <p:sldId id="293" r:id="rId46"/>
-    <p:sldId id="294" r:id="rId47"/>
-    <p:sldId id="295" r:id="rId48"/>
-    <p:sldId id="296" r:id="rId49"/>
-    <p:sldId id="297" r:id="rId50"/>
-    <p:sldId id="298" r:id="rId51"/>
-    <p:sldId id="299" r:id="rId52"/>
-    <p:sldId id="300" r:id="rId53"/>
-    <p:sldId id="301" r:id="rId54"/>
-    <p:sldId id="302" r:id="rId55"/>
-    <p:sldId id="303" r:id="rId56"/>
-    <p:sldId id="304" r:id="rId57"/>
-    <p:sldId id="305" r:id="rId58"/>
-    <p:sldId id="306" r:id="rId59"/>
-    <p:sldId id="307" r:id="rId60"/>
-    <p:sldId id="308" r:id="rId61"/>
-    <p:sldId id="309" r:id="rId62"/>
-    <p:sldId id="310" r:id="rId63"/>
-    <p:sldId id="311" r:id="rId64"/>
-    <p:sldId id="312" r:id="rId65"/>
-    <p:sldId id="313" r:id="rId66"/>
-    <p:sldId id="314" r:id="rId67"/>
-    <p:sldId id="315" r:id="rId68"/>
-    <p:sldId id="316" r:id="rId69"/>
-    <p:sldId id="317" r:id="rId70"/>
-    <p:sldId id="318" r:id="rId71"/>
-    <p:sldId id="319" r:id="rId72"/>
-    <p:sldId id="320" r:id="rId73"/>
-    <p:sldId id="321" r:id="rId74"/>
-    <p:sldId id="322" r:id="rId75"/>
-    <p:sldId id="323" r:id="rId76"/>
-    <p:sldId id="324" r:id="rId77"/>
-    <p:sldId id="325" r:id="rId78"/>
-    <p:sldId id="326" r:id="rId79"/>
-    <p:sldId id="327" r:id="rId80"/>
-    <p:sldId id="328" r:id="rId81"/>
+    <p:sldId id="256" r:id="rId3"/>
+    <p:sldId id="257" r:id="rId4"/>
+    <p:sldId id="258" r:id="rId5"/>
+    <p:sldId id="259" r:id="rId6"/>
+    <p:sldId id="260" r:id="rId8"/>
+    <p:sldId id="261" r:id="rId9"/>
+    <p:sldId id="262" r:id="rId10"/>
+    <p:sldId id="263" r:id="rId11"/>
+    <p:sldId id="264" r:id="rId12"/>
+    <p:sldId id="265" r:id="rId13"/>
+    <p:sldId id="266" r:id="rId14"/>
+    <p:sldId id="267" r:id="rId15"/>
+    <p:sldId id="268" r:id="rId16"/>
+    <p:sldId id="269" r:id="rId17"/>
+    <p:sldId id="270" r:id="rId18"/>
+    <p:sldId id="271" r:id="rId19"/>
+    <p:sldId id="272" r:id="rId20"/>
+    <p:sldId id="273" r:id="rId21"/>
+    <p:sldId id="274" r:id="rId22"/>
+    <p:sldId id="275" r:id="rId23"/>
+    <p:sldId id="276" r:id="rId24"/>
+    <p:sldId id="277" r:id="rId25"/>
+    <p:sldId id="278" r:id="rId26"/>
+    <p:sldId id="279" r:id="rId27"/>
+    <p:sldId id="280" r:id="rId28"/>
+    <p:sldId id="281" r:id="rId29"/>
+    <p:sldId id="282" r:id="rId30"/>
+    <p:sldId id="283" r:id="rId31"/>
+    <p:sldId id="284" r:id="rId32"/>
+    <p:sldId id="285" r:id="rId33"/>
+    <p:sldId id="286" r:id="rId34"/>
+    <p:sldId id="287" r:id="rId35"/>
+    <p:sldId id="288" r:id="rId36"/>
+    <p:sldId id="289" r:id="rId37"/>
+    <p:sldId id="290" r:id="rId38"/>
+    <p:sldId id="291" r:id="rId39"/>
+    <p:sldId id="292" r:id="rId40"/>
+    <p:sldId id="293" r:id="rId41"/>
+    <p:sldId id="294" r:id="rId42"/>
+    <p:sldId id="295" r:id="rId43"/>
+    <p:sldId id="296" r:id="rId44"/>
+    <p:sldId id="297" r:id="rId45"/>
+    <p:sldId id="298" r:id="rId46"/>
+    <p:sldId id="299" r:id="rId47"/>
+    <p:sldId id="300" r:id="rId48"/>
+    <p:sldId id="301" r:id="rId49"/>
+    <p:sldId id="302" r:id="rId50"/>
+    <p:sldId id="303" r:id="rId51"/>
+    <p:sldId id="304" r:id="rId52"/>
+    <p:sldId id="305" r:id="rId53"/>
+    <p:sldId id="306" r:id="rId54"/>
+    <p:sldId id="307" r:id="rId55"/>
+    <p:sldId id="308" r:id="rId56"/>
+    <p:sldId id="309" r:id="rId57"/>
+    <p:sldId id="310" r:id="rId58"/>
+    <p:sldId id="311" r:id="rId59"/>
+    <p:sldId id="312" r:id="rId60"/>
+    <p:sldId id="313" r:id="rId61"/>
+    <p:sldId id="314" r:id="rId62"/>
+    <p:sldId id="315" r:id="rId63"/>
+    <p:sldId id="316" r:id="rId64"/>
+    <p:sldId id="317" r:id="rId65"/>
+    <p:sldId id="318" r:id="rId66"/>
+    <p:sldId id="319" r:id="rId67"/>
+    <p:sldId id="320" r:id="rId68"/>
+    <p:sldId id="321" r:id="rId69"/>
+    <p:sldId id="322" r:id="rId70"/>
+    <p:sldId id="323" r:id="rId71"/>
+    <p:sldId id="324" r:id="rId72"/>
+    <p:sldId id="325" r:id="rId73"/>
+    <p:sldId id="326" r:id="rId74"/>
+    <p:sldId id="327" r:id="rId75"/>
+    <p:sldId id="328" r:id="rId76"/>
   </p:sldIdLst>
-  <p:sldSz cx="9372600" cy="8297863"/>
+  <p:sldSz cx="9372600" cy="8297545"/>
   <p:notesSz cx="7315200" cy="9601200"/>
   <p:defaultTextStyle>
     <a:defPPr>
@@ -103,8 +103,8 @@
           <a:schemeClr val="tx1"/>
         </a:solidFill>
         <a:latin typeface="Garamond" pitchFamily="18" charset="0"/>
-        <a:ea typeface="ＭＳ Ｐゴシック"/>
-        <a:cs typeface="ＭＳ Ｐゴシック"/>
+        <a:ea typeface="MS PGothic"/>
+        <a:cs typeface="MS PGothic"/>
       </a:defRPr>
     </a:lvl1pPr>
     <a:lvl2pPr marL="457200" algn="l" rtl="0" fontAlgn="base">
@@ -119,8 +119,8 @@
           <a:schemeClr val="tx1"/>
         </a:solidFill>
         <a:latin typeface="Garamond" pitchFamily="18" charset="0"/>
-        <a:ea typeface="ＭＳ Ｐゴシック"/>
-        <a:cs typeface="ＭＳ Ｐゴシック"/>
+        <a:ea typeface="MS PGothic"/>
+        <a:cs typeface="MS PGothic"/>
       </a:defRPr>
     </a:lvl2pPr>
     <a:lvl3pPr marL="914400" algn="l" rtl="0" fontAlgn="base">
@@ -135,8 +135,8 @@
           <a:schemeClr val="tx1"/>
         </a:solidFill>
         <a:latin typeface="Garamond" pitchFamily="18" charset="0"/>
-        <a:ea typeface="ＭＳ Ｐゴシック"/>
-        <a:cs typeface="ＭＳ Ｐゴシック"/>
+        <a:ea typeface="MS PGothic"/>
+        <a:cs typeface="MS PGothic"/>
       </a:defRPr>
     </a:lvl3pPr>
     <a:lvl4pPr marL="1371600" algn="l" rtl="0" fontAlgn="base">
@@ -151,8 +151,8 @@
           <a:schemeClr val="tx1"/>
         </a:solidFill>
         <a:latin typeface="Garamond" pitchFamily="18" charset="0"/>
-        <a:ea typeface="ＭＳ Ｐゴシック"/>
-        <a:cs typeface="ＭＳ Ｐゴシック"/>
+        <a:ea typeface="MS PGothic"/>
+        <a:cs typeface="MS PGothic"/>
       </a:defRPr>
     </a:lvl4pPr>
     <a:lvl5pPr marL="1828800" algn="l" rtl="0" fontAlgn="base">
@@ -167,8 +167,8 @@
           <a:schemeClr val="tx1"/>
         </a:solidFill>
         <a:latin typeface="Garamond" pitchFamily="18" charset="0"/>
-        <a:ea typeface="ＭＳ Ｐゴシック"/>
-        <a:cs typeface="ＭＳ Ｐゴシック"/>
+        <a:ea typeface="MS PGothic"/>
+        <a:cs typeface="MS PGothic"/>
       </a:defRPr>
     </a:lvl5pPr>
     <a:lvl6pPr marL="2286000" algn="l" defTabSz="914400" rtl="0" eaLnBrk="1" latinLnBrk="0" hangingPunct="1">
@@ -177,8 +177,8 @@
           <a:schemeClr val="tx1"/>
         </a:solidFill>
         <a:latin typeface="Garamond" pitchFamily="18" charset="0"/>
-        <a:ea typeface="ＭＳ Ｐゴシック"/>
-        <a:cs typeface="ＭＳ Ｐゴシック"/>
+        <a:ea typeface="MS PGothic"/>
+        <a:cs typeface="MS PGothic"/>
       </a:defRPr>
     </a:lvl6pPr>
     <a:lvl7pPr marL="2743200" algn="l" defTabSz="914400" rtl="0" eaLnBrk="1" latinLnBrk="0" hangingPunct="1">
@@ -187,8 +187,8 @@
           <a:schemeClr val="tx1"/>
         </a:solidFill>
         <a:latin typeface="Garamond" pitchFamily="18" charset="0"/>
-        <a:ea typeface="ＭＳ Ｐゴシック"/>
-        <a:cs typeface="ＭＳ Ｐゴシック"/>
+        <a:ea typeface="MS PGothic"/>
+        <a:cs typeface="MS PGothic"/>
       </a:defRPr>
     </a:lvl7pPr>
     <a:lvl8pPr marL="3200400" algn="l" defTabSz="914400" rtl="0" eaLnBrk="1" latinLnBrk="0" hangingPunct="1">
@@ -197,8 +197,8 @@
           <a:schemeClr val="tx1"/>
         </a:solidFill>
         <a:latin typeface="Garamond" pitchFamily="18" charset="0"/>
-        <a:ea typeface="ＭＳ Ｐゴシック"/>
-        <a:cs typeface="ＭＳ Ｐゴシック"/>
+        <a:ea typeface="MS PGothic"/>
+        <a:cs typeface="MS PGothic"/>
       </a:defRPr>
     </a:lvl8pPr>
     <a:lvl9pPr marL="3657600" algn="l" defTabSz="914400" rtl="0" eaLnBrk="1" latinLnBrk="0" hangingPunct="1">
@@ -207,41 +207,11 @@
           <a:schemeClr val="tx1"/>
         </a:solidFill>
         <a:latin typeface="Garamond" pitchFamily="18" charset="0"/>
-        <a:ea typeface="ＭＳ Ｐゴシック"/>
-        <a:cs typeface="ＭＳ Ｐゴシック"/>
+        <a:ea typeface="MS PGothic"/>
+        <a:cs typeface="MS PGothic"/>
       </a:defRPr>
     </a:lvl9pPr>
   </p:defaultTextStyle>
-  <p:extLst>
-    <p:ext uri="{EFAFB233-063F-42B5-8137-9DF3F51BA10A}">
-      <p15:sldGuideLst xmlns:p15="http://schemas.microsoft.com/office/powerpoint/2012/main">
-        <p15:guide id="1" orient="horz" pos="2614" userDrawn="1">
-          <p15:clr>
-            <a:srgbClr val="A4A3A4"/>
-          </p15:clr>
-        </p15:guide>
-        <p15:guide id="2" pos="2952" userDrawn="1">
-          <p15:clr>
-            <a:srgbClr val="A4A3A4"/>
-          </p15:clr>
-        </p15:guide>
-      </p15:sldGuideLst>
-    </p:ext>
-    <p:ext uri="{2D200454-40CA-4A62-9FC3-DE9A4176ACB9}">
-      <p15:notesGuideLst xmlns:p15="http://schemas.microsoft.com/office/powerpoint/2012/main">
-        <p15:guide id="1" orient="horz" pos="3024">
-          <p15:clr>
-            <a:srgbClr val="A4A3A4"/>
-          </p15:clr>
-        </p15:guide>
-        <p15:guide id="2" pos="2308">
-          <p15:clr>
-            <a:srgbClr val="A4A3A4"/>
-          </p15:clr>
-        </p15:guide>
-      </p15:notesGuideLst>
-    </p:ext>
-  </p:extLst>
 </p:presentation>
 </file>
 
@@ -251,9 +221,7 @@
   <p:cmAuthor id="2" name="Mark Kerzner" initials="MK" lastIdx="6" clrIdx="1"/>
   <p:cmAuthor id="3" name="Mary Beth Conlee" initials="MBC" lastIdx="7" clrIdx="2"/>
   <p:cmAuthor id="4" name="Michelle" initials="M" lastIdx="5" clrIdx="3"/>
-  <p:cmAuthor id="5" name="Tricia Murphy" initials="TM" lastIdx="4" clrIdx="4">
-    <p:extLst/>
-  </p:cmAuthor>
+  <p:cmAuthor id="5" name="Tricia Murphy" initials="TM" lastIdx="4" clrIdx="4"/>
 </p:cmAuthorLst>
 </file>
 
@@ -304,20 +272,14 @@
           <a:ln w="9525">
             <a:noFill/>
             <a:miter lim="800000"/>
-            <a:headEnd/>
-            <a:tailEnd/>
           </a:ln>
         </p:spPr>
         <p:txBody>
-          <a:bodyPr vert="horz" wrap="square" lIns="96603" tIns="48303" rIns="96603" bIns="48303" numCol="1" anchor="b" anchorCtr="0" compatLnSpc="1">
-            <a:prstTxWarp prst="textNoShape">
-              <a:avLst/>
-            </a:prstTxWarp>
-          </a:bodyPr>
+          <a:bodyPr vert="horz" wrap="square" lIns="96603" tIns="48303" rIns="96603" bIns="48303" numCol="1" anchor="b" anchorCtr="0" compatLnSpc="1"/>
           <a:lstStyle>
             <a:lvl1pPr defTabSz="965200">
               <a:defRPr sz="1200">
-                <a:latin typeface="Times New Roman" pitchFamily="18" charset="0"/>
+                <a:latin typeface="Times New Roman" panose="02020603050405020304" pitchFamily="-110" charset="0"/>
               </a:defRPr>
             </a:lvl1pPr>
           </a:lstStyle>
@@ -329,6 +291,7 @@
               <a:rPr lang="en-US" dirty="0"/>
               <a:t>Copyright © 2017 Elephant Scale. All rights reserved.</a:t>
             </a:r>
+            <a:endParaRPr lang="en-US" dirty="0"/>
           </a:p>
         </p:txBody>
       </p:sp>
@@ -354,20 +317,14 @@
           <a:ln w="9525">
             <a:noFill/>
             <a:miter lim="800000"/>
-            <a:headEnd/>
-            <a:tailEnd/>
           </a:ln>
         </p:spPr>
         <p:txBody>
-          <a:bodyPr vert="horz" wrap="square" lIns="96603" tIns="48303" rIns="96603" bIns="48303" numCol="1" anchor="b" anchorCtr="0" compatLnSpc="1">
-            <a:prstTxWarp prst="textNoShape">
-              <a:avLst/>
-            </a:prstTxWarp>
-          </a:bodyPr>
+          <a:bodyPr vert="horz" wrap="square" lIns="96603" tIns="48303" rIns="96603" bIns="48303" numCol="1" anchor="b" anchorCtr="0" compatLnSpc="1"/>
           <a:lstStyle>
             <a:lvl1pPr algn="r" defTabSz="965200">
               <a:defRPr sz="1200">
-                <a:latin typeface="Times New Roman" pitchFamily="18" charset="0"/>
+                <a:latin typeface="Times New Roman" panose="02020603050405020304" pitchFamily="-110" charset="0"/>
               </a:defRPr>
             </a:lvl1pPr>
           </a:lstStyle>
@@ -377,21 +334,12 @@
             </a:pPr>
             <a:fld id="{97E62689-8C7D-4291-A094-4E689FEC4C3B}" type="slidenum">
               <a:rPr lang="en-US"/>
-              <a:pPr>
-                <a:defRPr/>
-              </a:pPr>
-              <a:t>‹#›</a:t>
             </a:fld>
             <a:endParaRPr lang="en-US" dirty="0"/>
           </a:p>
         </p:txBody>
       </p:sp>
     </p:spTree>
-    <p:extLst>
-      <p:ext uri="{BB962C8B-B14F-4D97-AF65-F5344CB8AC3E}">
-        <p14:creationId xmlns:p14="http://schemas.microsoft.com/office/powerpoint/2010/main" val="3239291525"/>
-      </p:ext>
-    </p:extLst>
   </p:cSld>
   <p:clrMap bg1="lt1" tx1="dk1" bg2="lt2" tx2="dk2" accent1="accent1" accent2="accent2" accent3="accent3" accent4="accent4" accent5="accent5" accent6="accent6" hlink="hlink" folHlink="folHlink"/>
   <p:hf hdr="0" ftr="0" dt="0"/>
@@ -447,8 +395,6 @@
               <a:srgbClr val="000000"/>
             </a:solidFill>
             <a:miter lim="800000"/>
-            <a:headEnd/>
-            <a:tailEnd/>
           </a:ln>
         </p:spPr>
       </p:sp>
@@ -474,21 +420,15 @@
           <a:ln w="9525">
             <a:noFill/>
             <a:miter lim="800000"/>
-            <a:headEnd/>
-            <a:tailEnd/>
           </a:ln>
           <a:effectLst/>
         </p:spPr>
         <p:txBody>
-          <a:bodyPr vert="horz" wrap="square" lIns="0" tIns="0" rIns="0" bIns="0" numCol="1" anchor="b" anchorCtr="1" compatLnSpc="1">
-            <a:prstTxWarp prst="textNoShape">
-              <a:avLst/>
-            </a:prstTxWarp>
-          </a:bodyPr>
+          <a:bodyPr vert="horz" wrap="square" lIns="0" tIns="0" rIns="0" bIns="0" numCol="1" anchor="b" anchorCtr="1" compatLnSpc="1"/>
           <a:lstStyle>
             <a:lvl1pPr algn="ctr" defTabSz="965200" eaLnBrk="0" hangingPunct="0">
               <a:defRPr sz="900">
-                <a:latin typeface="Arial" charset="0"/>
+                <a:latin typeface="Arial" panose="020B0604020202020204" pitchFamily="34" charset="0"/>
               </a:defRPr>
             </a:lvl1pPr>
           </a:lstStyle>
@@ -500,6 +440,7 @@
               <a:rPr lang="en-US" dirty="0"/>
               <a:t>Copyright © 2017 Elephant Scale. All rights reserved.</a:t>
             </a:r>
+            <a:endParaRPr lang="en-US" dirty="0"/>
           </a:p>
         </p:txBody>
       </p:sp>
@@ -525,21 +466,15 @@
           <a:ln w="9525">
             <a:noFill/>
             <a:miter lim="800000"/>
-            <a:headEnd/>
-            <a:tailEnd/>
           </a:ln>
           <a:effectLst/>
         </p:spPr>
         <p:txBody>
-          <a:bodyPr vert="horz" wrap="square" lIns="0" tIns="0" rIns="0" bIns="0" numCol="1" anchor="b" anchorCtr="0" compatLnSpc="1">
-            <a:prstTxWarp prst="textNoShape">
-              <a:avLst/>
-            </a:prstTxWarp>
-          </a:bodyPr>
+          <a:bodyPr vert="horz" wrap="square" lIns="0" tIns="0" rIns="0" bIns="0" numCol="1" anchor="b" anchorCtr="0" compatLnSpc="1"/>
           <a:lstStyle>
             <a:lvl1pPr algn="r" defTabSz="965200" eaLnBrk="0" hangingPunct="0">
               <a:defRPr b="1">
-                <a:latin typeface="Arial" charset="0"/>
+                <a:latin typeface="Arial" panose="020B0604020202020204" pitchFamily="34" charset="0"/>
               </a:defRPr>
             </a:lvl1pPr>
           </a:lstStyle>
@@ -549,10 +484,6 @@
             </a:pPr>
             <a:fld id="{EFAADD5D-AF76-45EE-AA5F-6DAC73BF167A}" type="slidenum">
               <a:rPr lang="en-US"/>
-              <a:pPr>
-                <a:defRPr/>
-              </a:pPr>
-              <a:t>‹#›</a:t>
             </a:fld>
             <a:endParaRPr lang="en-US" dirty="0"/>
           </a:p>
@@ -578,24 +509,26 @@
           <a:ln w="9525">
             <a:noFill/>
             <a:miter lim="800000"/>
-            <a:headEnd/>
-            <a:tailEnd/>
           </a:ln>
         </p:spPr>
         <p:txBody>
           <a:bodyPr wrap="none" lIns="96386" tIns="48194" rIns="96386" bIns="48194"/>
           <a:lstStyle/>
           <a:p>
-            <a:pPr defTabSz="960438">
+            <a:pPr defTabSz="960755">
               <a:defRPr/>
             </a:pPr>
             <a:r>
               <a:rPr lang="en-US" sz="1200" b="1" u="sng" dirty="0">
-                <a:latin typeface="Times New Roman" pitchFamily="18" charset="0"/>
-                <a:cs typeface="Times New Roman" pitchFamily="18" charset="0"/>
+                <a:latin typeface="Times New Roman" panose="02020603050405020304" pitchFamily="-110" charset="0"/>
+                <a:cs typeface="Times New Roman" panose="02020603050405020304" pitchFamily="-110" charset="0"/>
               </a:rPr>
               <a:t>Notes:</a:t>
             </a:r>
+            <a:endParaRPr lang="en-US" sz="1200" b="1" u="sng" dirty="0">
+              <a:latin typeface="Times New Roman" panose="02020603050405020304" pitchFamily="-110" charset="0"/>
+              <a:cs typeface="Times New Roman" panose="02020603050405020304" pitchFamily="-110" charset="0"/>
+            </a:endParaRPr>
           </a:p>
         </p:txBody>
       </p:sp>
@@ -621,16 +554,10 @@
           <a:ln w="9525">
             <a:noFill/>
             <a:miter lim="800000"/>
-            <a:headEnd/>
-            <a:tailEnd/>
           </a:ln>
         </p:spPr>
         <p:txBody>
-          <a:bodyPr vert="horz" wrap="square" lIns="91537" tIns="45768" rIns="91537" bIns="45768" numCol="1" anchor="t" anchorCtr="0" compatLnSpc="1">
-            <a:prstTxWarp prst="textNoShape">
-              <a:avLst/>
-            </a:prstTxWarp>
-          </a:bodyPr>
+          <a:bodyPr vert="horz" wrap="square" lIns="91537" tIns="45768" rIns="91537" bIns="45768" numCol="1" anchor="t" anchorCtr="0" compatLnSpc="1"/>
           <a:lstStyle/>
           <a:p>
             <a:pPr lvl="0"/>
@@ -660,8 +587,6 @@
               <a:srgbClr val="000000"/>
             </a:solidFill>
             <a:round/>
-            <a:headEnd/>
-            <a:tailEnd/>
           </a:ln>
           <a:effectLst/>
         </p:spPr>
@@ -676,7 +601,7 @@
               <a:defRPr/>
             </a:pPr>
             <a:endParaRPr lang="en-US" dirty="0">
-              <a:latin typeface="Garamond" pitchFamily="-110" charset="0"/>
+              <a:latin typeface="Garamond" pitchFamily="18" charset="0"/>
               <a:ea typeface="+mn-ea"/>
               <a:cs typeface="+mn-cs"/>
             </a:endParaRPr>
@@ -684,11 +609,6 @@
         </p:txBody>
       </p:sp>
     </p:spTree>
-    <p:extLst>
-      <p:ext uri="{BB962C8B-B14F-4D97-AF65-F5344CB8AC3E}">
-        <p14:creationId xmlns:p14="http://schemas.microsoft.com/office/powerpoint/2010/main" val="953744030"/>
-      </p:ext>
-    </p:extLst>
   </p:cSld>
   <p:clrMap bg1="lt1" tx1="dk1" bg2="lt2" tx2="dk2" accent1="accent1" accent2="accent2" accent3="accent3" accent4="accent4" accent5="accent5" accent6="accent6" hlink="hlink" folHlink="folHlink"/>
   <p:hf dt="0"/>
@@ -701,15 +621,15 @@
         <a:spcPct val="0"/>
       </a:spcAft>
       <a:buSzPct val="65000"/>
-      <a:buFont typeface="Wingdings" pitchFamily="2" charset="2"/>
+      <a:buFont typeface="Wingdings" panose="05000000000000000000" pitchFamily="2" charset="2"/>
       <a:buNone/>
       <a:defRPr sz="1200" kern="1200">
         <a:solidFill>
           <a:schemeClr val="tx1"/>
         </a:solidFill>
-        <a:latin typeface="Times New Roman" pitchFamily="-110" charset="0"/>
-        <a:ea typeface="ＭＳ Ｐゴシック" pitchFamily="-110" charset="-128"/>
-        <a:cs typeface="ＭＳ Ｐゴシック" pitchFamily="-110" charset="-128"/>
+        <a:latin typeface="Times New Roman" panose="02020603050405020304" pitchFamily="-110" charset="0"/>
+        <a:ea typeface="MS PGothic" pitchFamily="-110" charset="-128"/>
+        <a:cs typeface="MS PGothic" pitchFamily="-110" charset="-128"/>
       </a:defRPr>
     </a:lvl1pPr>
     <a:lvl2pPr marL="282575" indent="0" algn="l" rtl="0" eaLnBrk="0" fontAlgn="base" hangingPunct="0">
@@ -724,12 +644,12 @@
         <a:solidFill>
           <a:schemeClr val="tx1"/>
         </a:solidFill>
-        <a:latin typeface="Times New Roman" pitchFamily="-110" charset="0"/>
-        <a:ea typeface="ＭＳ Ｐゴシック" pitchFamily="-110" charset="-128"/>
-        <a:cs typeface="ＭＳ Ｐゴシック"/>
+        <a:latin typeface="Times New Roman" panose="02020603050405020304" pitchFamily="-110" charset="0"/>
+        <a:ea typeface="MS PGothic" pitchFamily="-110" charset="-128"/>
+        <a:cs typeface="MS PGothic"/>
       </a:defRPr>
     </a:lvl2pPr>
-    <a:lvl3pPr marL="744538" indent="-173038" algn="l" rtl="0" eaLnBrk="0" fontAlgn="base" hangingPunct="0">
+    <a:lvl3pPr marL="744855" indent="-173355" algn="l" rtl="0" eaLnBrk="0" fontAlgn="base" hangingPunct="0">
       <a:spcBef>
         <a:spcPct val="30000"/>
       </a:spcBef>
@@ -741,9 +661,9 @@
         <a:solidFill>
           <a:schemeClr val="tx1"/>
         </a:solidFill>
-        <a:latin typeface="Times New Roman" pitchFamily="-110" charset="0"/>
-        <a:ea typeface="ＭＳ Ｐゴシック" pitchFamily="-110" charset="-128"/>
-        <a:cs typeface="ＭＳ Ｐゴシック"/>
+        <a:latin typeface="Times New Roman" panose="02020603050405020304" pitchFamily="-110" charset="0"/>
+        <a:ea typeface="MS PGothic" pitchFamily="-110" charset="-128"/>
+        <a:cs typeface="MS PGothic"/>
       </a:defRPr>
     </a:lvl3pPr>
     <a:lvl4pPr marL="1600200" indent="-228600" algn="l" rtl="0" eaLnBrk="0" fontAlgn="base" hangingPunct="0">
@@ -757,9 +677,9 @@
         <a:solidFill>
           <a:schemeClr val="tx1"/>
         </a:solidFill>
-        <a:latin typeface="Times New Roman" pitchFamily="-110" charset="0"/>
-        <a:ea typeface="ＭＳ Ｐゴシック" pitchFamily="-110" charset="-128"/>
-        <a:cs typeface="ＭＳ Ｐゴシック"/>
+        <a:latin typeface="Times New Roman" panose="02020603050405020304" pitchFamily="-110" charset="0"/>
+        <a:ea typeface="MS PGothic" pitchFamily="-110" charset="-128"/>
+        <a:cs typeface="MS PGothic"/>
       </a:defRPr>
     </a:lvl4pPr>
     <a:lvl5pPr marL="2057400" indent="-228600" algn="l" rtl="0" eaLnBrk="0" fontAlgn="base" hangingPunct="0">
@@ -773,9 +693,9 @@
         <a:solidFill>
           <a:schemeClr val="tx1"/>
         </a:solidFill>
-        <a:latin typeface="Times New Roman" pitchFamily="-110" charset="0"/>
-        <a:ea typeface="ＭＳ Ｐゴシック" pitchFamily="-110" charset="-128"/>
-        <a:cs typeface="ＭＳ Ｐゴシック"/>
+        <a:latin typeface="Times New Roman" panose="02020603050405020304" pitchFamily="-110" charset="0"/>
+        <a:ea typeface="MS PGothic" pitchFamily="-110" charset="-128"/>
+        <a:cs typeface="MS PGothic"/>
       </a:defRPr>
     </a:lvl5pPr>
     <a:lvl6pPr marL="2286000" algn="l" defTabSz="457200" rtl="0" eaLnBrk="1" latinLnBrk="0" hangingPunct="1">
@@ -823,7 +743,7 @@
 </file>
 
 <file path=ppt/notesSlides/notesSlide1.xml><?xml version="1.0" encoding="utf-8"?>
-<p:notes xmlns:a="http://schemas.openxmlformats.org/drawingml/2006/main" xmlns:p="http://schemas.openxmlformats.org/presentationml/2006/main" xmlns:r="http://schemas.openxmlformats.org/officeDocument/2006/relationships">
+<p:notes xmlns:a="http://schemas.openxmlformats.org/drawingml/2006/main" xmlns:r="http://schemas.openxmlformats.org/officeDocument/2006/relationships" xmlns:p="http://schemas.openxmlformats.org/presentationml/2006/main">
   <p:cSld>
     <p:spTree>
       <p:nvGrpSpPr>
@@ -858,7 +778,7 @@
             <a:spLocks noGrp="1"/>
           </p:cNvSpPr>
           <p:nvPr>
-            <p:ph type="sldNum" idx="5" sz="quarter"/>
+            <p:ph type="sldNum" sz="quarter" idx="5"/>
           </p:nvPr>
         </p:nvSpPr>
         <p:spPr/>
@@ -870,7 +790,7 @@
             <a:spLocks noGrp="1"/>
           </p:cNvSpPr>
           <p:nvPr>
-            <p:ph type="body" idx="3" sz="quarter"/>
+            <p:ph type="body" sz="quarter" idx="3"/>
           </p:nvPr>
         </p:nvSpPr>
         <p:spPr/>
@@ -898,7 +818,7 @@
 </file>
 
 <file path=ppt/notesSlides/notesSlide10.xml><?xml version="1.0" encoding="utf-8"?>
-<p:notes xmlns:a="http://schemas.openxmlformats.org/drawingml/2006/main" xmlns:p="http://schemas.openxmlformats.org/presentationml/2006/main" xmlns:r="http://schemas.openxmlformats.org/officeDocument/2006/relationships">
+<p:notes xmlns:a="http://schemas.openxmlformats.org/drawingml/2006/main" xmlns:r="http://schemas.openxmlformats.org/officeDocument/2006/relationships" xmlns:p="http://schemas.openxmlformats.org/presentationml/2006/main">
   <p:cSld>
     <p:spTree>
       <p:nvGrpSpPr>
@@ -933,7 +853,7 @@
             <a:spLocks noGrp="1"/>
           </p:cNvSpPr>
           <p:nvPr>
-            <p:ph type="sldNum" idx="5" sz="quarter"/>
+            <p:ph type="sldNum" sz="quarter" idx="5"/>
           </p:nvPr>
         </p:nvSpPr>
         <p:spPr/>
@@ -945,7 +865,7 @@
             <a:spLocks noGrp="1"/>
           </p:cNvSpPr>
           <p:nvPr>
-            <p:ph type="body" idx="3" sz="quarter"/>
+            <p:ph type="body" sz="quarter" idx="3"/>
           </p:nvPr>
         </p:nvSpPr>
         <p:spPr/>
@@ -968,7 +888,7 @@
 </file>
 
 <file path=ppt/notesSlides/notesSlide11.xml><?xml version="1.0" encoding="utf-8"?>
-<p:notes xmlns:a="http://schemas.openxmlformats.org/drawingml/2006/main" xmlns:p="http://schemas.openxmlformats.org/presentationml/2006/main" xmlns:r="http://schemas.openxmlformats.org/officeDocument/2006/relationships">
+<p:notes xmlns:a="http://schemas.openxmlformats.org/drawingml/2006/main" xmlns:r="http://schemas.openxmlformats.org/officeDocument/2006/relationships" xmlns:p="http://schemas.openxmlformats.org/presentationml/2006/main">
   <p:cSld>
     <p:spTree>
       <p:nvGrpSpPr>
@@ -1003,7 +923,7 @@
             <a:spLocks noGrp="1"/>
           </p:cNvSpPr>
           <p:nvPr>
-            <p:ph type="sldNum" idx="5" sz="quarter"/>
+            <p:ph type="sldNum" sz="quarter" idx="5"/>
           </p:nvPr>
         </p:nvSpPr>
         <p:spPr/>
@@ -1015,7 +935,7 @@
             <a:spLocks noGrp="1"/>
           </p:cNvSpPr>
           <p:nvPr>
-            <p:ph type="body" idx="3" sz="quarter"/>
+            <p:ph type="body" sz="quarter" idx="3"/>
           </p:nvPr>
         </p:nvSpPr>
         <p:spPr/>
@@ -1053,7 +973,7 @@
 </file>
 
 <file path=ppt/notesSlides/notesSlide12.xml><?xml version="1.0" encoding="utf-8"?>
-<p:notes xmlns:a="http://schemas.openxmlformats.org/drawingml/2006/main" xmlns:p="http://schemas.openxmlformats.org/presentationml/2006/main" xmlns:r="http://schemas.openxmlformats.org/officeDocument/2006/relationships">
+<p:notes xmlns:a="http://schemas.openxmlformats.org/drawingml/2006/main" xmlns:r="http://schemas.openxmlformats.org/officeDocument/2006/relationships" xmlns:p="http://schemas.openxmlformats.org/presentationml/2006/main">
   <p:cSld>
     <p:spTree>
       <p:nvGrpSpPr>
@@ -1088,7 +1008,7 @@
             <a:spLocks noGrp="1"/>
           </p:cNvSpPr>
           <p:nvPr>
-            <p:ph type="sldNum" idx="5" sz="quarter"/>
+            <p:ph type="sldNum" sz="quarter" idx="5"/>
           </p:nvPr>
         </p:nvSpPr>
         <p:spPr/>
@@ -1100,7 +1020,7 @@
             <a:spLocks noGrp="1"/>
           </p:cNvSpPr>
           <p:nvPr>
-            <p:ph type="body" idx="3" sz="quarter"/>
+            <p:ph type="body" sz="quarter" idx="3"/>
           </p:nvPr>
         </p:nvSpPr>
         <p:spPr/>
@@ -1146,7 +1066,7 @@
 </file>
 
 <file path=ppt/notesSlides/notesSlide13.xml><?xml version="1.0" encoding="utf-8"?>
-<p:notes xmlns:a="http://schemas.openxmlformats.org/drawingml/2006/main" xmlns:p="http://schemas.openxmlformats.org/presentationml/2006/main" xmlns:r="http://schemas.openxmlformats.org/officeDocument/2006/relationships">
+<p:notes xmlns:a="http://schemas.openxmlformats.org/drawingml/2006/main" xmlns:r="http://schemas.openxmlformats.org/officeDocument/2006/relationships" xmlns:p="http://schemas.openxmlformats.org/presentationml/2006/main">
   <p:cSld>
     <p:spTree>
       <p:nvGrpSpPr>
@@ -1181,7 +1101,7 @@
             <a:spLocks noGrp="1"/>
           </p:cNvSpPr>
           <p:nvPr>
-            <p:ph type="sldNum" idx="5" sz="quarter"/>
+            <p:ph type="sldNum" sz="quarter" idx="5"/>
           </p:nvPr>
         </p:nvSpPr>
         <p:spPr/>
@@ -1193,7 +1113,7 @@
             <a:spLocks noGrp="1"/>
           </p:cNvSpPr>
           <p:nvPr>
-            <p:ph type="body" idx="3" sz="quarter"/>
+            <p:ph type="body" sz="quarter" idx="3"/>
           </p:nvPr>
         </p:nvSpPr>
         <p:spPr/>
@@ -1216,7 +1136,7 @@
 </file>
 
 <file path=ppt/notesSlides/notesSlide14.xml><?xml version="1.0" encoding="utf-8"?>
-<p:notes xmlns:a="http://schemas.openxmlformats.org/drawingml/2006/main" xmlns:p="http://schemas.openxmlformats.org/presentationml/2006/main" xmlns:r="http://schemas.openxmlformats.org/officeDocument/2006/relationships">
+<p:notes xmlns:a="http://schemas.openxmlformats.org/drawingml/2006/main" xmlns:r="http://schemas.openxmlformats.org/officeDocument/2006/relationships" xmlns:p="http://schemas.openxmlformats.org/presentationml/2006/main">
   <p:cSld>
     <p:spTree>
       <p:nvGrpSpPr>
@@ -1251,7 +1171,7 @@
             <a:spLocks noGrp="1"/>
           </p:cNvSpPr>
           <p:nvPr>
-            <p:ph type="sldNum" idx="5" sz="quarter"/>
+            <p:ph type="sldNum" sz="quarter" idx="5"/>
           </p:nvPr>
         </p:nvSpPr>
         <p:spPr/>
@@ -1263,7 +1183,7 @@
             <a:spLocks noGrp="1"/>
           </p:cNvSpPr>
           <p:nvPr>
-            <p:ph type="body" idx="3" sz="quarter"/>
+            <p:ph type="body" sz="quarter" idx="3"/>
           </p:nvPr>
         </p:nvSpPr>
         <p:spPr/>
@@ -1292,7 +1212,7 @@
 </file>
 
 <file path=ppt/notesSlides/notesSlide15.xml><?xml version="1.0" encoding="utf-8"?>
-<p:notes xmlns:a="http://schemas.openxmlformats.org/drawingml/2006/main" xmlns:p="http://schemas.openxmlformats.org/presentationml/2006/main" xmlns:r="http://schemas.openxmlformats.org/officeDocument/2006/relationships">
+<p:notes xmlns:a="http://schemas.openxmlformats.org/drawingml/2006/main" xmlns:r="http://schemas.openxmlformats.org/officeDocument/2006/relationships" xmlns:p="http://schemas.openxmlformats.org/presentationml/2006/main">
   <p:cSld>
     <p:spTree>
       <p:nvGrpSpPr>
@@ -1327,7 +1247,7 @@
             <a:spLocks noGrp="1"/>
           </p:cNvSpPr>
           <p:nvPr>
-            <p:ph type="sldNum" idx="5" sz="quarter"/>
+            <p:ph type="sldNum" sz="quarter" idx="5"/>
           </p:nvPr>
         </p:nvSpPr>
         <p:spPr/>
@@ -1339,7 +1259,7 @@
             <a:spLocks noGrp="1"/>
           </p:cNvSpPr>
           <p:nvPr>
-            <p:ph type="body" idx="3" sz="quarter"/>
+            <p:ph type="body" sz="quarter" idx="3"/>
           </p:nvPr>
         </p:nvSpPr>
         <p:spPr/>
@@ -1371,7 +1291,7 @@
 </file>
 
 <file path=ppt/notesSlides/notesSlide16.xml><?xml version="1.0" encoding="utf-8"?>
-<p:notes xmlns:a="http://schemas.openxmlformats.org/drawingml/2006/main" xmlns:p="http://schemas.openxmlformats.org/presentationml/2006/main" xmlns:r="http://schemas.openxmlformats.org/officeDocument/2006/relationships">
+<p:notes xmlns:a="http://schemas.openxmlformats.org/drawingml/2006/main" xmlns:r="http://schemas.openxmlformats.org/officeDocument/2006/relationships" xmlns:p="http://schemas.openxmlformats.org/presentationml/2006/main">
   <p:cSld>
     <p:spTree>
       <p:nvGrpSpPr>
@@ -1406,7 +1326,7 @@
             <a:spLocks noGrp="1"/>
           </p:cNvSpPr>
           <p:nvPr>
-            <p:ph type="sldNum" idx="5" sz="quarter"/>
+            <p:ph type="sldNum" sz="quarter" idx="5"/>
           </p:nvPr>
         </p:nvSpPr>
         <p:spPr/>
@@ -1418,7 +1338,7 @@
             <a:spLocks noGrp="1"/>
           </p:cNvSpPr>
           <p:nvPr>
-            <p:ph type="body" idx="3" sz="quarter"/>
+            <p:ph type="body" sz="quarter" idx="3"/>
           </p:nvPr>
         </p:nvSpPr>
         <p:spPr/>
@@ -1450,7 +1370,7 @@
 </file>
 
 <file path=ppt/notesSlides/notesSlide17.xml><?xml version="1.0" encoding="utf-8"?>
-<p:notes xmlns:a="http://schemas.openxmlformats.org/drawingml/2006/main" xmlns:p="http://schemas.openxmlformats.org/presentationml/2006/main" xmlns:r="http://schemas.openxmlformats.org/officeDocument/2006/relationships">
+<p:notes xmlns:a="http://schemas.openxmlformats.org/drawingml/2006/main" xmlns:r="http://schemas.openxmlformats.org/officeDocument/2006/relationships" xmlns:p="http://schemas.openxmlformats.org/presentationml/2006/main">
   <p:cSld>
     <p:spTree>
       <p:nvGrpSpPr>
@@ -1485,7 +1405,7 @@
             <a:spLocks noGrp="1"/>
           </p:cNvSpPr>
           <p:nvPr>
-            <p:ph type="sldNum" idx="5" sz="quarter"/>
+            <p:ph type="sldNum" sz="quarter" idx="5"/>
           </p:nvPr>
         </p:nvSpPr>
         <p:spPr/>
@@ -1497,7 +1417,7 @@
             <a:spLocks noGrp="1"/>
           </p:cNvSpPr>
           <p:nvPr>
-            <p:ph type="body" idx="3" sz="quarter"/>
+            <p:ph type="body" sz="quarter" idx="3"/>
           </p:nvPr>
         </p:nvSpPr>
         <p:spPr/>
@@ -1520,7 +1440,7 @@
 </file>
 
 <file path=ppt/notesSlides/notesSlide18.xml><?xml version="1.0" encoding="utf-8"?>
-<p:notes xmlns:a="http://schemas.openxmlformats.org/drawingml/2006/main" xmlns:p="http://schemas.openxmlformats.org/presentationml/2006/main" xmlns:r="http://schemas.openxmlformats.org/officeDocument/2006/relationships">
+<p:notes xmlns:a="http://schemas.openxmlformats.org/drawingml/2006/main" xmlns:r="http://schemas.openxmlformats.org/officeDocument/2006/relationships" xmlns:p="http://schemas.openxmlformats.org/presentationml/2006/main">
   <p:cSld>
     <p:spTree>
       <p:nvGrpSpPr>
@@ -1555,7 +1475,7 @@
             <a:spLocks noGrp="1"/>
           </p:cNvSpPr>
           <p:nvPr>
-            <p:ph type="sldNum" idx="5" sz="quarter"/>
+            <p:ph type="sldNum" sz="quarter" idx="5"/>
           </p:nvPr>
         </p:nvSpPr>
         <p:spPr/>
@@ -1567,7 +1487,7 @@
             <a:spLocks noGrp="1"/>
           </p:cNvSpPr>
           <p:nvPr>
-            <p:ph type="body" idx="3" sz="quarter"/>
+            <p:ph type="body" sz="quarter" idx="3"/>
           </p:nvPr>
         </p:nvSpPr>
         <p:spPr/>
@@ -1590,7 +1510,7 @@
 </file>
 
 <file path=ppt/notesSlides/notesSlide19.xml><?xml version="1.0" encoding="utf-8"?>
-<p:notes xmlns:a="http://schemas.openxmlformats.org/drawingml/2006/main" xmlns:p="http://schemas.openxmlformats.org/presentationml/2006/main" xmlns:r="http://schemas.openxmlformats.org/officeDocument/2006/relationships">
+<p:notes xmlns:a="http://schemas.openxmlformats.org/drawingml/2006/main" xmlns:r="http://schemas.openxmlformats.org/officeDocument/2006/relationships" xmlns:p="http://schemas.openxmlformats.org/presentationml/2006/main">
   <p:cSld>
     <p:spTree>
       <p:nvGrpSpPr>
@@ -1625,7 +1545,7 @@
             <a:spLocks noGrp="1"/>
           </p:cNvSpPr>
           <p:nvPr>
-            <p:ph type="sldNum" idx="5" sz="quarter"/>
+            <p:ph type="sldNum" sz="quarter" idx="5"/>
           </p:nvPr>
         </p:nvSpPr>
         <p:spPr/>
@@ -1637,7 +1557,7 @@
             <a:spLocks noGrp="1"/>
           </p:cNvSpPr>
           <p:nvPr>
-            <p:ph type="body" idx="3" sz="quarter"/>
+            <p:ph type="body" sz="quarter" idx="3"/>
           </p:nvPr>
         </p:nvSpPr>
         <p:spPr/>
@@ -1660,7 +1580,7 @@
 </file>
 
 <file path=ppt/notesSlides/notesSlide2.xml><?xml version="1.0" encoding="utf-8"?>
-<p:notes xmlns:a="http://schemas.openxmlformats.org/drawingml/2006/main" xmlns:p="http://schemas.openxmlformats.org/presentationml/2006/main" xmlns:r="http://schemas.openxmlformats.org/officeDocument/2006/relationships">
+<p:notes xmlns:a="http://schemas.openxmlformats.org/drawingml/2006/main" xmlns:r="http://schemas.openxmlformats.org/officeDocument/2006/relationships" xmlns:p="http://schemas.openxmlformats.org/presentationml/2006/main">
   <p:cSld>
     <p:spTree>
       <p:nvGrpSpPr>
@@ -1695,7 +1615,7 @@
             <a:spLocks noGrp="1"/>
           </p:cNvSpPr>
           <p:nvPr>
-            <p:ph type="sldNum" idx="5" sz="quarter"/>
+            <p:ph type="sldNum" sz="quarter" idx="5"/>
           </p:nvPr>
         </p:nvSpPr>
         <p:spPr/>
@@ -1707,7 +1627,7 @@
             <a:spLocks noGrp="1"/>
           </p:cNvSpPr>
           <p:nvPr>
-            <p:ph type="body" idx="3" sz="quarter"/>
+            <p:ph type="body" sz="quarter" idx="3"/>
           </p:nvPr>
         </p:nvSpPr>
         <p:spPr/>
@@ -1730,7 +1650,7 @@
 </file>
 
 <file path=ppt/notesSlides/notesSlide20.xml><?xml version="1.0" encoding="utf-8"?>
-<p:notes xmlns:a="http://schemas.openxmlformats.org/drawingml/2006/main" xmlns:p="http://schemas.openxmlformats.org/presentationml/2006/main" xmlns:r="http://schemas.openxmlformats.org/officeDocument/2006/relationships">
+<p:notes xmlns:a="http://schemas.openxmlformats.org/drawingml/2006/main" xmlns:r="http://schemas.openxmlformats.org/officeDocument/2006/relationships" xmlns:p="http://schemas.openxmlformats.org/presentationml/2006/main">
   <p:cSld>
     <p:spTree>
       <p:nvGrpSpPr>
@@ -1765,7 +1685,7 @@
             <a:spLocks noGrp="1"/>
           </p:cNvSpPr>
           <p:nvPr>
-            <p:ph type="sldNum" idx="5" sz="quarter"/>
+            <p:ph type="sldNum" sz="quarter" idx="5"/>
           </p:nvPr>
         </p:nvSpPr>
         <p:spPr/>
@@ -1777,7 +1697,7 @@
             <a:spLocks noGrp="1"/>
           </p:cNvSpPr>
           <p:nvPr>
-            <p:ph type="body" idx="3" sz="quarter"/>
+            <p:ph type="body" sz="quarter" idx="3"/>
           </p:nvPr>
         </p:nvSpPr>
         <p:spPr/>
@@ -1806,7 +1726,7 @@
 </file>
 
 <file path=ppt/notesSlides/notesSlide21.xml><?xml version="1.0" encoding="utf-8"?>
-<p:notes xmlns:a="http://schemas.openxmlformats.org/drawingml/2006/main" xmlns:p="http://schemas.openxmlformats.org/presentationml/2006/main" xmlns:r="http://schemas.openxmlformats.org/officeDocument/2006/relationships">
+<p:notes xmlns:a="http://schemas.openxmlformats.org/drawingml/2006/main" xmlns:r="http://schemas.openxmlformats.org/officeDocument/2006/relationships" xmlns:p="http://schemas.openxmlformats.org/presentationml/2006/main">
   <p:cSld>
     <p:spTree>
       <p:nvGrpSpPr>
@@ -1841,7 +1761,7 @@
             <a:spLocks noGrp="1"/>
           </p:cNvSpPr>
           <p:nvPr>
-            <p:ph type="sldNum" idx="5" sz="quarter"/>
+            <p:ph type="sldNum" sz="quarter" idx="5"/>
           </p:nvPr>
         </p:nvSpPr>
         <p:spPr/>
@@ -1853,7 +1773,7 @@
             <a:spLocks noGrp="1"/>
           </p:cNvSpPr>
           <p:nvPr>
-            <p:ph type="body" idx="3" sz="quarter"/>
+            <p:ph type="body" sz="quarter" idx="3"/>
           </p:nvPr>
         </p:nvSpPr>
         <p:spPr/>
@@ -1876,7 +1796,7 @@
 </file>
 
 <file path=ppt/notesSlides/notesSlide22.xml><?xml version="1.0" encoding="utf-8"?>
-<p:notes xmlns:a="http://schemas.openxmlformats.org/drawingml/2006/main" xmlns:p="http://schemas.openxmlformats.org/presentationml/2006/main" xmlns:r="http://schemas.openxmlformats.org/officeDocument/2006/relationships">
+<p:notes xmlns:a="http://schemas.openxmlformats.org/drawingml/2006/main" xmlns:r="http://schemas.openxmlformats.org/officeDocument/2006/relationships" xmlns:p="http://schemas.openxmlformats.org/presentationml/2006/main">
   <p:cSld>
     <p:spTree>
       <p:nvGrpSpPr>
@@ -1911,7 +1831,7 @@
             <a:spLocks noGrp="1"/>
           </p:cNvSpPr>
           <p:nvPr>
-            <p:ph type="sldNum" idx="5" sz="quarter"/>
+            <p:ph type="sldNum" sz="quarter" idx="5"/>
           </p:nvPr>
         </p:nvSpPr>
         <p:spPr/>
@@ -1923,7 +1843,7 @@
             <a:spLocks noGrp="1"/>
           </p:cNvSpPr>
           <p:nvPr>
-            <p:ph type="body" idx="3" sz="quarter"/>
+            <p:ph type="body" sz="quarter" idx="3"/>
           </p:nvPr>
         </p:nvSpPr>
         <p:spPr/>
@@ -1957,7 +1877,7 @@
 </file>
 
 <file path=ppt/notesSlides/notesSlide23.xml><?xml version="1.0" encoding="utf-8"?>
-<p:notes xmlns:a="http://schemas.openxmlformats.org/drawingml/2006/main" xmlns:p="http://schemas.openxmlformats.org/presentationml/2006/main" xmlns:r="http://schemas.openxmlformats.org/officeDocument/2006/relationships">
+<p:notes xmlns:a="http://schemas.openxmlformats.org/drawingml/2006/main" xmlns:r="http://schemas.openxmlformats.org/officeDocument/2006/relationships" xmlns:p="http://schemas.openxmlformats.org/presentationml/2006/main">
   <p:cSld>
     <p:spTree>
       <p:nvGrpSpPr>
@@ -1992,7 +1912,7 @@
             <a:spLocks noGrp="1"/>
           </p:cNvSpPr>
           <p:nvPr>
-            <p:ph type="sldNum" idx="5" sz="quarter"/>
+            <p:ph type="sldNum" sz="quarter" idx="5"/>
           </p:nvPr>
         </p:nvSpPr>
         <p:spPr/>
@@ -2004,7 +1924,7 @@
             <a:spLocks noGrp="1"/>
           </p:cNvSpPr>
           <p:nvPr>
-            <p:ph type="body" idx="3" sz="quarter"/>
+            <p:ph type="body" sz="quarter" idx="3"/>
           </p:nvPr>
         </p:nvSpPr>
         <p:spPr/>
@@ -2027,7 +1947,7 @@
 </file>
 
 <file path=ppt/notesSlides/notesSlide24.xml><?xml version="1.0" encoding="utf-8"?>
-<p:notes xmlns:a="http://schemas.openxmlformats.org/drawingml/2006/main" xmlns:p="http://schemas.openxmlformats.org/presentationml/2006/main" xmlns:r="http://schemas.openxmlformats.org/officeDocument/2006/relationships">
+<p:notes xmlns:a="http://schemas.openxmlformats.org/drawingml/2006/main" xmlns:r="http://schemas.openxmlformats.org/officeDocument/2006/relationships" xmlns:p="http://schemas.openxmlformats.org/presentationml/2006/main">
   <p:cSld>
     <p:spTree>
       <p:nvGrpSpPr>
@@ -2062,7 +1982,7 @@
             <a:spLocks noGrp="1"/>
           </p:cNvSpPr>
           <p:nvPr>
-            <p:ph type="sldNum" idx="5" sz="quarter"/>
+            <p:ph type="sldNum" sz="quarter" idx="5"/>
           </p:nvPr>
         </p:nvSpPr>
         <p:spPr/>
@@ -2074,7 +1994,7 @@
             <a:spLocks noGrp="1"/>
           </p:cNvSpPr>
           <p:nvPr>
-            <p:ph type="body" idx="3" sz="quarter"/>
+            <p:ph type="body" sz="quarter" idx="3"/>
           </p:nvPr>
         </p:nvSpPr>
         <p:spPr/>
@@ -2097,7 +2017,7 @@
 </file>
 
 <file path=ppt/notesSlides/notesSlide25.xml><?xml version="1.0" encoding="utf-8"?>
-<p:notes xmlns:a="http://schemas.openxmlformats.org/drawingml/2006/main" xmlns:p="http://schemas.openxmlformats.org/presentationml/2006/main" xmlns:r="http://schemas.openxmlformats.org/officeDocument/2006/relationships">
+<p:notes xmlns:a="http://schemas.openxmlformats.org/drawingml/2006/main" xmlns:r="http://schemas.openxmlformats.org/officeDocument/2006/relationships" xmlns:p="http://schemas.openxmlformats.org/presentationml/2006/main">
   <p:cSld>
     <p:spTree>
       <p:nvGrpSpPr>
@@ -2132,7 +2052,7 @@
             <a:spLocks noGrp="1"/>
           </p:cNvSpPr>
           <p:nvPr>
-            <p:ph type="sldNum" idx="5" sz="quarter"/>
+            <p:ph type="sldNum" sz="quarter" idx="5"/>
           </p:nvPr>
         </p:nvSpPr>
         <p:spPr/>
@@ -2144,7 +2064,7 @@
             <a:spLocks noGrp="1"/>
           </p:cNvSpPr>
           <p:nvPr>
-            <p:ph type="body" idx="3" sz="quarter"/>
+            <p:ph type="body" sz="quarter" idx="3"/>
           </p:nvPr>
         </p:nvSpPr>
         <p:spPr/>
@@ -2167,7 +2087,7 @@
 </file>
 
 <file path=ppt/notesSlides/notesSlide26.xml><?xml version="1.0" encoding="utf-8"?>
-<p:notes xmlns:a="http://schemas.openxmlformats.org/drawingml/2006/main" xmlns:p="http://schemas.openxmlformats.org/presentationml/2006/main" xmlns:r="http://schemas.openxmlformats.org/officeDocument/2006/relationships">
+<p:notes xmlns:a="http://schemas.openxmlformats.org/drawingml/2006/main" xmlns:r="http://schemas.openxmlformats.org/officeDocument/2006/relationships" xmlns:p="http://schemas.openxmlformats.org/presentationml/2006/main">
   <p:cSld>
     <p:spTree>
       <p:nvGrpSpPr>
@@ -2202,7 +2122,7 @@
             <a:spLocks noGrp="1"/>
           </p:cNvSpPr>
           <p:nvPr>
-            <p:ph type="sldNum" idx="5" sz="quarter"/>
+            <p:ph type="sldNum" sz="quarter" idx="5"/>
           </p:nvPr>
         </p:nvSpPr>
         <p:spPr/>
@@ -2214,7 +2134,7 @@
             <a:spLocks noGrp="1"/>
           </p:cNvSpPr>
           <p:nvPr>
-            <p:ph type="body" idx="3" sz="quarter"/>
+            <p:ph type="body" sz="quarter" idx="3"/>
           </p:nvPr>
         </p:nvSpPr>
         <p:spPr/>
@@ -2237,7 +2157,7 @@
 </file>
 
 <file path=ppt/notesSlides/notesSlide27.xml><?xml version="1.0" encoding="utf-8"?>
-<p:notes xmlns:a="http://schemas.openxmlformats.org/drawingml/2006/main" xmlns:p="http://schemas.openxmlformats.org/presentationml/2006/main" xmlns:r="http://schemas.openxmlformats.org/officeDocument/2006/relationships">
+<p:notes xmlns:a="http://schemas.openxmlformats.org/drawingml/2006/main" xmlns:r="http://schemas.openxmlformats.org/officeDocument/2006/relationships" xmlns:p="http://schemas.openxmlformats.org/presentationml/2006/main">
   <p:cSld>
     <p:spTree>
       <p:nvGrpSpPr>
@@ -2272,7 +2192,7 @@
             <a:spLocks noGrp="1"/>
           </p:cNvSpPr>
           <p:nvPr>
-            <p:ph type="sldNum" idx="5" sz="quarter"/>
+            <p:ph type="sldNum" sz="quarter" idx="5"/>
           </p:nvPr>
         </p:nvSpPr>
         <p:spPr/>
@@ -2284,7 +2204,7 @@
             <a:spLocks noGrp="1"/>
           </p:cNvSpPr>
           <p:nvPr>
-            <p:ph type="body" idx="3" sz="quarter"/>
+            <p:ph type="body" sz="quarter" idx="3"/>
           </p:nvPr>
         </p:nvSpPr>
         <p:spPr/>
@@ -2307,7 +2227,7 @@
 </file>
 
 <file path=ppt/notesSlides/notesSlide28.xml><?xml version="1.0" encoding="utf-8"?>
-<p:notes xmlns:a="http://schemas.openxmlformats.org/drawingml/2006/main" xmlns:p="http://schemas.openxmlformats.org/presentationml/2006/main" xmlns:r="http://schemas.openxmlformats.org/officeDocument/2006/relationships">
+<p:notes xmlns:a="http://schemas.openxmlformats.org/drawingml/2006/main" xmlns:r="http://schemas.openxmlformats.org/officeDocument/2006/relationships" xmlns:p="http://schemas.openxmlformats.org/presentationml/2006/main">
   <p:cSld>
     <p:spTree>
       <p:nvGrpSpPr>
@@ -2342,7 +2262,7 @@
             <a:spLocks noGrp="1"/>
           </p:cNvSpPr>
           <p:nvPr>
-            <p:ph type="sldNum" idx="5" sz="quarter"/>
+            <p:ph type="sldNum" sz="quarter" idx="5"/>
           </p:nvPr>
         </p:nvSpPr>
         <p:spPr/>
@@ -2354,7 +2274,7 @@
             <a:spLocks noGrp="1"/>
           </p:cNvSpPr>
           <p:nvPr>
-            <p:ph type="body" idx="3" sz="quarter"/>
+            <p:ph type="body" sz="quarter" idx="3"/>
           </p:nvPr>
         </p:nvSpPr>
         <p:spPr/>
@@ -2377,7 +2297,7 @@
 </file>
 
 <file path=ppt/notesSlides/notesSlide29.xml><?xml version="1.0" encoding="utf-8"?>
-<p:notes xmlns:a="http://schemas.openxmlformats.org/drawingml/2006/main" xmlns:p="http://schemas.openxmlformats.org/presentationml/2006/main" xmlns:r="http://schemas.openxmlformats.org/officeDocument/2006/relationships">
+<p:notes xmlns:a="http://schemas.openxmlformats.org/drawingml/2006/main" xmlns:r="http://schemas.openxmlformats.org/officeDocument/2006/relationships" xmlns:p="http://schemas.openxmlformats.org/presentationml/2006/main">
   <p:cSld>
     <p:spTree>
       <p:nvGrpSpPr>
@@ -2412,7 +2332,7 @@
             <a:spLocks noGrp="1"/>
           </p:cNvSpPr>
           <p:nvPr>
-            <p:ph type="sldNum" idx="5" sz="quarter"/>
+            <p:ph type="sldNum" sz="quarter" idx="5"/>
           </p:nvPr>
         </p:nvSpPr>
         <p:spPr/>
@@ -2424,7 +2344,7 @@
             <a:spLocks noGrp="1"/>
           </p:cNvSpPr>
           <p:nvPr>
-            <p:ph type="body" idx="3" sz="quarter"/>
+            <p:ph type="body" sz="quarter" idx="3"/>
           </p:nvPr>
         </p:nvSpPr>
         <p:spPr/>
@@ -2447,7 +2367,7 @@
 </file>
 
 <file path=ppt/notesSlides/notesSlide3.xml><?xml version="1.0" encoding="utf-8"?>
-<p:notes xmlns:a="http://schemas.openxmlformats.org/drawingml/2006/main" xmlns:p="http://schemas.openxmlformats.org/presentationml/2006/main" xmlns:r="http://schemas.openxmlformats.org/officeDocument/2006/relationships">
+<p:notes xmlns:a="http://schemas.openxmlformats.org/drawingml/2006/main" xmlns:r="http://schemas.openxmlformats.org/officeDocument/2006/relationships" xmlns:p="http://schemas.openxmlformats.org/presentationml/2006/main">
   <p:cSld>
     <p:spTree>
       <p:nvGrpSpPr>
@@ -2482,7 +2402,7 @@
             <a:spLocks noGrp="1"/>
           </p:cNvSpPr>
           <p:nvPr>
-            <p:ph type="sldNum" idx="5" sz="quarter"/>
+            <p:ph type="sldNum" sz="quarter" idx="5"/>
           </p:nvPr>
         </p:nvSpPr>
         <p:spPr/>
@@ -2494,7 +2414,7 @@
             <a:spLocks noGrp="1"/>
           </p:cNvSpPr>
           <p:nvPr>
-            <p:ph type="body" idx="3" sz="quarter"/>
+            <p:ph type="body" sz="quarter" idx="3"/>
           </p:nvPr>
         </p:nvSpPr>
         <p:spPr/>
@@ -2517,7 +2437,7 @@
 </file>
 
 <file path=ppt/notesSlides/notesSlide30.xml><?xml version="1.0" encoding="utf-8"?>
-<p:notes xmlns:a="http://schemas.openxmlformats.org/drawingml/2006/main" xmlns:p="http://schemas.openxmlformats.org/presentationml/2006/main" xmlns:r="http://schemas.openxmlformats.org/officeDocument/2006/relationships">
+<p:notes xmlns:a="http://schemas.openxmlformats.org/drawingml/2006/main" xmlns:r="http://schemas.openxmlformats.org/officeDocument/2006/relationships" xmlns:p="http://schemas.openxmlformats.org/presentationml/2006/main">
   <p:cSld>
     <p:spTree>
       <p:nvGrpSpPr>
@@ -2552,7 +2472,7 @@
             <a:spLocks noGrp="1"/>
           </p:cNvSpPr>
           <p:nvPr>
-            <p:ph type="sldNum" idx="5" sz="quarter"/>
+            <p:ph type="sldNum" sz="quarter" idx="5"/>
           </p:nvPr>
         </p:nvSpPr>
         <p:spPr/>
@@ -2564,7 +2484,7 @@
             <a:spLocks noGrp="1"/>
           </p:cNvSpPr>
           <p:nvPr>
-            <p:ph type="body" idx="3" sz="quarter"/>
+            <p:ph type="body" sz="quarter" idx="3"/>
           </p:nvPr>
         </p:nvSpPr>
         <p:spPr/>
@@ -2587,7 +2507,7 @@
 </file>
 
 <file path=ppt/notesSlides/notesSlide31.xml><?xml version="1.0" encoding="utf-8"?>
-<p:notes xmlns:a="http://schemas.openxmlformats.org/drawingml/2006/main" xmlns:p="http://schemas.openxmlformats.org/presentationml/2006/main" xmlns:r="http://schemas.openxmlformats.org/officeDocument/2006/relationships">
+<p:notes xmlns:a="http://schemas.openxmlformats.org/drawingml/2006/main" xmlns:r="http://schemas.openxmlformats.org/officeDocument/2006/relationships" xmlns:p="http://schemas.openxmlformats.org/presentationml/2006/main">
   <p:cSld>
     <p:spTree>
       <p:nvGrpSpPr>
@@ -2622,7 +2542,7 @@
             <a:spLocks noGrp="1"/>
           </p:cNvSpPr>
           <p:nvPr>
-            <p:ph type="sldNum" idx="5" sz="quarter"/>
+            <p:ph type="sldNum" sz="quarter" idx="5"/>
           </p:nvPr>
         </p:nvSpPr>
         <p:spPr/>
@@ -2634,7 +2554,7 @@
             <a:spLocks noGrp="1"/>
           </p:cNvSpPr>
           <p:nvPr>
-            <p:ph type="body" idx="3" sz="quarter"/>
+            <p:ph type="body" sz="quarter" idx="3"/>
           </p:nvPr>
         </p:nvSpPr>
         <p:spPr/>
@@ -2657,7 +2577,7 @@
 </file>
 
 <file path=ppt/notesSlides/notesSlide32.xml><?xml version="1.0" encoding="utf-8"?>
-<p:notes xmlns:a="http://schemas.openxmlformats.org/drawingml/2006/main" xmlns:p="http://schemas.openxmlformats.org/presentationml/2006/main" xmlns:r="http://schemas.openxmlformats.org/officeDocument/2006/relationships">
+<p:notes xmlns:a="http://schemas.openxmlformats.org/drawingml/2006/main" xmlns:r="http://schemas.openxmlformats.org/officeDocument/2006/relationships" xmlns:p="http://schemas.openxmlformats.org/presentationml/2006/main">
   <p:cSld>
     <p:spTree>
       <p:nvGrpSpPr>
@@ -2692,7 +2612,7 @@
             <a:spLocks noGrp="1"/>
           </p:cNvSpPr>
           <p:nvPr>
-            <p:ph type="sldNum" idx="5" sz="quarter"/>
+            <p:ph type="sldNum" sz="quarter" idx="5"/>
           </p:nvPr>
         </p:nvSpPr>
         <p:spPr/>
@@ -2704,7 +2624,7 @@
             <a:spLocks noGrp="1"/>
           </p:cNvSpPr>
           <p:nvPr>
-            <p:ph type="body" idx="3" sz="quarter"/>
+            <p:ph type="body" sz="quarter" idx="3"/>
           </p:nvPr>
         </p:nvSpPr>
         <p:spPr/>
@@ -2732,7 +2652,7 @@
 </file>
 
 <file path=ppt/notesSlides/notesSlide33.xml><?xml version="1.0" encoding="utf-8"?>
-<p:notes xmlns:a="http://schemas.openxmlformats.org/drawingml/2006/main" xmlns:p="http://schemas.openxmlformats.org/presentationml/2006/main" xmlns:r="http://schemas.openxmlformats.org/officeDocument/2006/relationships">
+<p:notes xmlns:a="http://schemas.openxmlformats.org/drawingml/2006/main" xmlns:r="http://schemas.openxmlformats.org/officeDocument/2006/relationships" xmlns:p="http://schemas.openxmlformats.org/presentationml/2006/main">
   <p:cSld>
     <p:spTree>
       <p:nvGrpSpPr>
@@ -2767,7 +2687,7 @@
             <a:spLocks noGrp="1"/>
           </p:cNvSpPr>
           <p:nvPr>
-            <p:ph type="sldNum" idx="5" sz="quarter"/>
+            <p:ph type="sldNum" sz="quarter" idx="5"/>
           </p:nvPr>
         </p:nvSpPr>
         <p:spPr/>
@@ -2779,7 +2699,7 @@
             <a:spLocks noGrp="1"/>
           </p:cNvSpPr>
           <p:nvPr>
-            <p:ph type="body" idx="3" sz="quarter"/>
+            <p:ph type="body" sz="quarter" idx="3"/>
           </p:nvPr>
         </p:nvSpPr>
         <p:spPr/>
@@ -2837,7 +2757,7 @@
 </file>
 
 <file path=ppt/notesSlides/notesSlide34.xml><?xml version="1.0" encoding="utf-8"?>
-<p:notes xmlns:a="http://schemas.openxmlformats.org/drawingml/2006/main" xmlns:p="http://schemas.openxmlformats.org/presentationml/2006/main" xmlns:r="http://schemas.openxmlformats.org/officeDocument/2006/relationships">
+<p:notes xmlns:a="http://schemas.openxmlformats.org/drawingml/2006/main" xmlns:r="http://schemas.openxmlformats.org/officeDocument/2006/relationships" xmlns:p="http://schemas.openxmlformats.org/presentationml/2006/main">
   <p:cSld>
     <p:spTree>
       <p:nvGrpSpPr>
@@ -2872,7 +2792,7 @@
             <a:spLocks noGrp="1"/>
           </p:cNvSpPr>
           <p:nvPr>
-            <p:ph type="sldNum" idx="5" sz="quarter"/>
+            <p:ph type="sldNum" sz="quarter" idx="5"/>
           </p:nvPr>
         </p:nvSpPr>
         <p:spPr/>
@@ -2884,7 +2804,7 @@
             <a:spLocks noGrp="1"/>
           </p:cNvSpPr>
           <p:nvPr>
-            <p:ph type="body" idx="3" sz="quarter"/>
+            <p:ph type="body" sz="quarter" idx="3"/>
           </p:nvPr>
         </p:nvSpPr>
         <p:spPr/>
@@ -2940,7 +2860,7 @@
 </file>
 
 <file path=ppt/notesSlides/notesSlide35.xml><?xml version="1.0" encoding="utf-8"?>
-<p:notes xmlns:a="http://schemas.openxmlformats.org/drawingml/2006/main" xmlns:p="http://schemas.openxmlformats.org/presentationml/2006/main" xmlns:r="http://schemas.openxmlformats.org/officeDocument/2006/relationships">
+<p:notes xmlns:a="http://schemas.openxmlformats.org/drawingml/2006/main" xmlns:r="http://schemas.openxmlformats.org/officeDocument/2006/relationships" xmlns:p="http://schemas.openxmlformats.org/presentationml/2006/main">
   <p:cSld>
     <p:spTree>
       <p:nvGrpSpPr>
@@ -2975,7 +2895,7 @@
             <a:spLocks noGrp="1"/>
           </p:cNvSpPr>
           <p:nvPr>
-            <p:ph type="sldNum" idx="5" sz="quarter"/>
+            <p:ph type="sldNum" sz="quarter" idx="5"/>
           </p:nvPr>
         </p:nvSpPr>
         <p:spPr/>
@@ -2987,7 +2907,7 @@
             <a:spLocks noGrp="1"/>
           </p:cNvSpPr>
           <p:nvPr>
-            <p:ph type="body" idx="3" sz="quarter"/>
+            <p:ph type="body" sz="quarter" idx="3"/>
           </p:nvPr>
         </p:nvSpPr>
         <p:spPr/>
@@ -3030,7 +2950,7 @@
 </file>
 
 <file path=ppt/notesSlides/notesSlide36.xml><?xml version="1.0" encoding="utf-8"?>
-<p:notes xmlns:a="http://schemas.openxmlformats.org/drawingml/2006/main" xmlns:p="http://schemas.openxmlformats.org/presentationml/2006/main" xmlns:r="http://schemas.openxmlformats.org/officeDocument/2006/relationships">
+<p:notes xmlns:a="http://schemas.openxmlformats.org/drawingml/2006/main" xmlns:r="http://schemas.openxmlformats.org/officeDocument/2006/relationships" xmlns:p="http://schemas.openxmlformats.org/presentationml/2006/main">
   <p:cSld>
     <p:spTree>
       <p:nvGrpSpPr>
@@ -3065,7 +2985,7 @@
             <a:spLocks noGrp="1"/>
           </p:cNvSpPr>
           <p:nvPr>
-            <p:ph type="sldNum" idx="5" sz="quarter"/>
+            <p:ph type="sldNum" sz="quarter" idx="5"/>
           </p:nvPr>
         </p:nvSpPr>
         <p:spPr/>
@@ -3077,7 +2997,7 @@
             <a:spLocks noGrp="1"/>
           </p:cNvSpPr>
           <p:nvPr>
-            <p:ph type="body" idx="3" sz="quarter"/>
+            <p:ph type="body" sz="quarter" idx="3"/>
           </p:nvPr>
         </p:nvSpPr>
         <p:spPr/>
@@ -3110,7 +3030,7 @@
 </file>
 
 <file path=ppt/notesSlides/notesSlide37.xml><?xml version="1.0" encoding="utf-8"?>
-<p:notes xmlns:a="http://schemas.openxmlformats.org/drawingml/2006/main" xmlns:p="http://schemas.openxmlformats.org/presentationml/2006/main" xmlns:r="http://schemas.openxmlformats.org/officeDocument/2006/relationships">
+<p:notes xmlns:a="http://schemas.openxmlformats.org/drawingml/2006/main" xmlns:r="http://schemas.openxmlformats.org/officeDocument/2006/relationships" xmlns:p="http://schemas.openxmlformats.org/presentationml/2006/main">
   <p:cSld>
     <p:spTree>
       <p:nvGrpSpPr>
@@ -3145,7 +3065,7 @@
             <a:spLocks noGrp="1"/>
           </p:cNvSpPr>
           <p:nvPr>
-            <p:ph type="sldNum" idx="5" sz="quarter"/>
+            <p:ph type="sldNum" sz="quarter" idx="5"/>
           </p:nvPr>
         </p:nvSpPr>
         <p:spPr/>
@@ -3157,7 +3077,7 @@
             <a:spLocks noGrp="1"/>
           </p:cNvSpPr>
           <p:nvPr>
-            <p:ph type="body" idx="3" sz="quarter"/>
+            <p:ph type="body" sz="quarter" idx="3"/>
           </p:nvPr>
         </p:nvSpPr>
         <p:spPr/>
@@ -3185,7 +3105,7 @@
 </file>
 
 <file path=ppt/notesSlides/notesSlide38.xml><?xml version="1.0" encoding="utf-8"?>
-<p:notes xmlns:a="http://schemas.openxmlformats.org/drawingml/2006/main" xmlns:p="http://schemas.openxmlformats.org/presentationml/2006/main" xmlns:r="http://schemas.openxmlformats.org/officeDocument/2006/relationships">
+<p:notes xmlns:a="http://schemas.openxmlformats.org/drawingml/2006/main" xmlns:r="http://schemas.openxmlformats.org/officeDocument/2006/relationships" xmlns:p="http://schemas.openxmlformats.org/presentationml/2006/main">
   <p:cSld>
     <p:spTree>
       <p:nvGrpSpPr>
@@ -3220,7 +3140,7 @@
             <a:spLocks noGrp="1"/>
           </p:cNvSpPr>
           <p:nvPr>
-            <p:ph type="sldNum" idx="5" sz="quarter"/>
+            <p:ph type="sldNum" sz="quarter" idx="5"/>
           </p:nvPr>
         </p:nvSpPr>
         <p:spPr/>
@@ -3232,7 +3152,7 @@
             <a:spLocks noGrp="1"/>
           </p:cNvSpPr>
           <p:nvPr>
-            <p:ph type="body" idx="3" sz="quarter"/>
+            <p:ph type="body" sz="quarter" idx="3"/>
           </p:nvPr>
         </p:nvSpPr>
         <p:spPr/>
@@ -3260,7 +3180,7 @@
 </file>
 
 <file path=ppt/notesSlides/notesSlide39.xml><?xml version="1.0" encoding="utf-8"?>
-<p:notes xmlns:a="http://schemas.openxmlformats.org/drawingml/2006/main" xmlns:p="http://schemas.openxmlformats.org/presentationml/2006/main" xmlns:r="http://schemas.openxmlformats.org/officeDocument/2006/relationships">
+<p:notes xmlns:a="http://schemas.openxmlformats.org/drawingml/2006/main" xmlns:r="http://schemas.openxmlformats.org/officeDocument/2006/relationships" xmlns:p="http://schemas.openxmlformats.org/presentationml/2006/main">
   <p:cSld>
     <p:spTree>
       <p:nvGrpSpPr>
@@ -3295,7 +3215,7 @@
             <a:spLocks noGrp="1"/>
           </p:cNvSpPr>
           <p:nvPr>
-            <p:ph type="sldNum" idx="5" sz="quarter"/>
+            <p:ph type="sldNum" sz="quarter" idx="5"/>
           </p:nvPr>
         </p:nvSpPr>
         <p:spPr/>
@@ -3307,7 +3227,7 @@
             <a:spLocks noGrp="1"/>
           </p:cNvSpPr>
           <p:nvPr>
-            <p:ph type="body" idx="3" sz="quarter"/>
+            <p:ph type="body" sz="quarter" idx="3"/>
           </p:nvPr>
         </p:nvSpPr>
         <p:spPr/>
@@ -3330,7 +3250,7 @@
 </file>
 
 <file path=ppt/notesSlides/notesSlide4.xml><?xml version="1.0" encoding="utf-8"?>
-<p:notes xmlns:a="http://schemas.openxmlformats.org/drawingml/2006/main" xmlns:p="http://schemas.openxmlformats.org/presentationml/2006/main" xmlns:r="http://schemas.openxmlformats.org/officeDocument/2006/relationships">
+<p:notes xmlns:a="http://schemas.openxmlformats.org/drawingml/2006/main" xmlns:r="http://schemas.openxmlformats.org/officeDocument/2006/relationships" xmlns:p="http://schemas.openxmlformats.org/presentationml/2006/main">
   <p:cSld>
     <p:spTree>
       <p:nvGrpSpPr>
@@ -3365,7 +3285,7 @@
             <a:spLocks noGrp="1"/>
           </p:cNvSpPr>
           <p:nvPr>
-            <p:ph type="sldNum" idx="5" sz="quarter"/>
+            <p:ph type="sldNum" sz="quarter" idx="5"/>
           </p:nvPr>
         </p:nvSpPr>
         <p:spPr/>
@@ -3377,7 +3297,7 @@
             <a:spLocks noGrp="1"/>
           </p:cNvSpPr>
           <p:nvPr>
-            <p:ph type="body" idx="3" sz="quarter"/>
+            <p:ph type="body" sz="quarter" idx="3"/>
           </p:nvPr>
         </p:nvSpPr>
         <p:spPr/>
@@ -3400,7 +3320,7 @@
 </file>
 
 <file path=ppt/notesSlides/notesSlide40.xml><?xml version="1.0" encoding="utf-8"?>
-<p:notes xmlns:a="http://schemas.openxmlformats.org/drawingml/2006/main" xmlns:p="http://schemas.openxmlformats.org/presentationml/2006/main" xmlns:r="http://schemas.openxmlformats.org/officeDocument/2006/relationships">
+<p:notes xmlns:a="http://schemas.openxmlformats.org/drawingml/2006/main" xmlns:r="http://schemas.openxmlformats.org/officeDocument/2006/relationships" xmlns:p="http://schemas.openxmlformats.org/presentationml/2006/main">
   <p:cSld>
     <p:spTree>
       <p:nvGrpSpPr>
@@ -3435,7 +3355,7 @@
             <a:spLocks noGrp="1"/>
           </p:cNvSpPr>
           <p:nvPr>
-            <p:ph type="sldNum" idx="5" sz="quarter"/>
+            <p:ph type="sldNum" sz="quarter" idx="5"/>
           </p:nvPr>
         </p:nvSpPr>
         <p:spPr/>
@@ -3447,7 +3367,7 @@
             <a:spLocks noGrp="1"/>
           </p:cNvSpPr>
           <p:nvPr>
-            <p:ph type="body" idx="3" sz="quarter"/>
+            <p:ph type="body" sz="quarter" idx="3"/>
           </p:nvPr>
         </p:nvSpPr>
         <p:spPr/>
@@ -3470,7 +3390,7 @@
 </file>
 
 <file path=ppt/notesSlides/notesSlide41.xml><?xml version="1.0" encoding="utf-8"?>
-<p:notes xmlns:a="http://schemas.openxmlformats.org/drawingml/2006/main" xmlns:p="http://schemas.openxmlformats.org/presentationml/2006/main" xmlns:r="http://schemas.openxmlformats.org/officeDocument/2006/relationships">
+<p:notes xmlns:a="http://schemas.openxmlformats.org/drawingml/2006/main" xmlns:r="http://schemas.openxmlformats.org/officeDocument/2006/relationships" xmlns:p="http://schemas.openxmlformats.org/presentationml/2006/main">
   <p:cSld>
     <p:spTree>
       <p:nvGrpSpPr>
@@ -3505,7 +3425,7 @@
             <a:spLocks noGrp="1"/>
           </p:cNvSpPr>
           <p:nvPr>
-            <p:ph type="sldNum" idx="5" sz="quarter"/>
+            <p:ph type="sldNum" sz="quarter" idx="5"/>
           </p:nvPr>
         </p:nvSpPr>
         <p:spPr/>
@@ -3517,7 +3437,7 @@
             <a:spLocks noGrp="1"/>
           </p:cNvSpPr>
           <p:nvPr>
-            <p:ph type="body" idx="3" sz="quarter"/>
+            <p:ph type="body" sz="quarter" idx="3"/>
           </p:nvPr>
         </p:nvSpPr>
         <p:spPr/>
@@ -3540,7 +3460,7 @@
 </file>
 
 <file path=ppt/notesSlides/notesSlide5.xml><?xml version="1.0" encoding="utf-8"?>
-<p:notes xmlns:a="http://schemas.openxmlformats.org/drawingml/2006/main" xmlns:p="http://schemas.openxmlformats.org/presentationml/2006/main" xmlns:r="http://schemas.openxmlformats.org/officeDocument/2006/relationships">
+<p:notes xmlns:a="http://schemas.openxmlformats.org/drawingml/2006/main" xmlns:r="http://schemas.openxmlformats.org/officeDocument/2006/relationships" xmlns:p="http://schemas.openxmlformats.org/presentationml/2006/main">
   <p:cSld>
     <p:spTree>
       <p:nvGrpSpPr>
@@ -3575,7 +3495,7 @@
             <a:spLocks noGrp="1"/>
           </p:cNvSpPr>
           <p:nvPr>
-            <p:ph type="sldNum" idx="5" sz="quarter"/>
+            <p:ph type="sldNum" sz="quarter" idx="5"/>
           </p:nvPr>
         </p:nvSpPr>
         <p:spPr/>
@@ -3587,7 +3507,7 @@
             <a:spLocks noGrp="1"/>
           </p:cNvSpPr>
           <p:nvPr>
-            <p:ph type="body" idx="3" sz="quarter"/>
+            <p:ph type="body" sz="quarter" idx="3"/>
           </p:nvPr>
         </p:nvSpPr>
         <p:spPr/>
@@ -3610,7 +3530,7 @@
 </file>
 
 <file path=ppt/notesSlides/notesSlide6.xml><?xml version="1.0" encoding="utf-8"?>
-<p:notes xmlns:a="http://schemas.openxmlformats.org/drawingml/2006/main" xmlns:p="http://schemas.openxmlformats.org/presentationml/2006/main" xmlns:r="http://schemas.openxmlformats.org/officeDocument/2006/relationships">
+<p:notes xmlns:a="http://schemas.openxmlformats.org/drawingml/2006/main" xmlns:r="http://schemas.openxmlformats.org/officeDocument/2006/relationships" xmlns:p="http://schemas.openxmlformats.org/presentationml/2006/main">
   <p:cSld>
     <p:spTree>
       <p:nvGrpSpPr>
@@ -3645,7 +3565,7 @@
             <a:spLocks noGrp="1"/>
           </p:cNvSpPr>
           <p:nvPr>
-            <p:ph type="sldNum" idx="5" sz="quarter"/>
+            <p:ph type="sldNum" sz="quarter" idx="5"/>
           </p:nvPr>
         </p:nvSpPr>
         <p:spPr/>
@@ -3657,7 +3577,7 @@
             <a:spLocks noGrp="1"/>
           </p:cNvSpPr>
           <p:nvPr>
-            <p:ph type="body" idx="3" sz="quarter"/>
+            <p:ph type="body" sz="quarter" idx="3"/>
           </p:nvPr>
         </p:nvSpPr>
         <p:spPr/>
@@ -3680,7 +3600,7 @@
 </file>
 
 <file path=ppt/notesSlides/notesSlide7.xml><?xml version="1.0" encoding="utf-8"?>
-<p:notes xmlns:a="http://schemas.openxmlformats.org/drawingml/2006/main" xmlns:p="http://schemas.openxmlformats.org/presentationml/2006/main" xmlns:r="http://schemas.openxmlformats.org/officeDocument/2006/relationships">
+<p:notes xmlns:a="http://schemas.openxmlformats.org/drawingml/2006/main" xmlns:r="http://schemas.openxmlformats.org/officeDocument/2006/relationships" xmlns:p="http://schemas.openxmlformats.org/presentationml/2006/main">
   <p:cSld>
     <p:spTree>
       <p:nvGrpSpPr>
@@ -3715,7 +3635,7 @@
             <a:spLocks noGrp="1"/>
           </p:cNvSpPr>
           <p:nvPr>
-            <p:ph type="sldNum" idx="5" sz="quarter"/>
+            <p:ph type="sldNum" sz="quarter" idx="5"/>
           </p:nvPr>
         </p:nvSpPr>
         <p:spPr/>
@@ -3727,7 +3647,7 @@
             <a:spLocks noGrp="1"/>
           </p:cNvSpPr>
           <p:nvPr>
-            <p:ph type="body" idx="3" sz="quarter"/>
+            <p:ph type="body" sz="quarter" idx="3"/>
           </p:nvPr>
         </p:nvSpPr>
         <p:spPr/>
@@ -3750,7 +3670,7 @@
 </file>
 
 <file path=ppt/notesSlides/notesSlide8.xml><?xml version="1.0" encoding="utf-8"?>
-<p:notes xmlns:a="http://schemas.openxmlformats.org/drawingml/2006/main" xmlns:p="http://schemas.openxmlformats.org/presentationml/2006/main" xmlns:r="http://schemas.openxmlformats.org/officeDocument/2006/relationships">
+<p:notes xmlns:a="http://schemas.openxmlformats.org/drawingml/2006/main" xmlns:r="http://schemas.openxmlformats.org/officeDocument/2006/relationships" xmlns:p="http://schemas.openxmlformats.org/presentationml/2006/main">
   <p:cSld>
     <p:spTree>
       <p:nvGrpSpPr>
@@ -3785,7 +3705,7 @@
             <a:spLocks noGrp="1"/>
           </p:cNvSpPr>
           <p:nvPr>
-            <p:ph type="sldNum" idx="5" sz="quarter"/>
+            <p:ph type="sldNum" sz="quarter" idx="5"/>
           </p:nvPr>
         </p:nvSpPr>
         <p:spPr/>
@@ -3797,7 +3717,7 @@
             <a:spLocks noGrp="1"/>
           </p:cNvSpPr>
           <p:nvPr>
-            <p:ph type="body" idx="3" sz="quarter"/>
+            <p:ph type="body" sz="quarter" idx="3"/>
           </p:nvPr>
         </p:nvSpPr>
         <p:spPr/>
@@ -3820,7 +3740,7 @@
 </file>
 
 <file path=ppt/notesSlides/notesSlide9.xml><?xml version="1.0" encoding="utf-8"?>
-<p:notes xmlns:a="http://schemas.openxmlformats.org/drawingml/2006/main" xmlns:p="http://schemas.openxmlformats.org/presentationml/2006/main" xmlns:r="http://schemas.openxmlformats.org/officeDocument/2006/relationships">
+<p:notes xmlns:a="http://schemas.openxmlformats.org/drawingml/2006/main" xmlns:r="http://schemas.openxmlformats.org/officeDocument/2006/relationships" xmlns:p="http://schemas.openxmlformats.org/presentationml/2006/main">
   <p:cSld>
     <p:spTree>
       <p:nvGrpSpPr>
@@ -3855,7 +3775,7 @@
             <a:spLocks noGrp="1"/>
           </p:cNvSpPr>
           <p:nvPr>
-            <p:ph type="sldNum" idx="5" sz="quarter"/>
+            <p:ph type="sldNum" sz="quarter" idx="5"/>
           </p:nvPr>
         </p:nvSpPr>
         <p:spPr/>
@@ -3867,7 +3787,7 @@
             <a:spLocks noGrp="1"/>
           </p:cNvSpPr>
           <p:nvPr>
-            <p:ph type="body" idx="3" sz="quarter"/>
+            <p:ph type="body" sz="quarter" idx="3"/>
           </p:nvPr>
         </p:nvSpPr>
         <p:spPr/>
@@ -3890,7 +3810,7 @@
 </file>
 
 <file path=ppt/slideLayouts/slideLayout1.xml><?xml version="1.0" encoding="utf-8"?>
-<p:sldLayout xmlns:a="http://schemas.openxmlformats.org/drawingml/2006/main" xmlns:r="http://schemas.openxmlformats.org/officeDocument/2006/relationships" xmlns:p="http://schemas.openxmlformats.org/presentationml/2006/main" showMasterSp="0" type="title" preserve="1">
+<p:sldLayout xmlns:a="http://schemas.openxmlformats.org/drawingml/2006/main" xmlns:r="http://schemas.openxmlformats.org/officeDocument/2006/relationships" xmlns:p="http://schemas.openxmlformats.org/presentationml/2006/main" type="title" preserve="1" showMasterSp="0">
   <p:cSld name="Title Slide">
     <p:bg>
       <p:bgPr>
@@ -3925,7 +3845,9 @@
         <p:blipFill rotWithShape="1">
           <a:blip r:embed="rId2"/>
           <a:srcRect t="19473"/>
-          <a:stretch/>
+          <a:stretch>
+            <a:fillRect/>
+          </a:stretch>
         </p:blipFill>
         <p:spPr bwMode="auto">
           <a:xfrm>
@@ -3976,6 +3898,7 @@
               <a:rPr lang="en-US"/>
               <a:t>Click to edit Master subtitle style</a:t>
             </a:r>
+            <a:endParaRPr lang="en-US"/>
           </a:p>
         </p:txBody>
       </p:sp>
@@ -4007,6 +3930,7 @@
               <a:rPr lang="en-US"/>
               <a:t>Click to edit Master title style</a:t>
             </a:r>
+            <a:endParaRPr lang="en-US"/>
           </a:p>
         </p:txBody>
       </p:sp>
@@ -4056,6 +3980,7 @@
               <a:rPr lang="en-US" dirty="0"/>
               <a:t>Click to edit Master title style</a:t>
             </a:r>
+            <a:endParaRPr lang="en-US" dirty="0"/>
           </a:p>
         </p:txBody>
       </p:sp>
@@ -4079,6 +4004,7 @@
               <a:rPr lang="en-US" dirty="0"/>
               <a:t>Click to edit Master text styles</a:t>
             </a:r>
+            <a:endParaRPr lang="en-US" dirty="0"/>
           </a:p>
           <a:p>
             <a:pPr lvl="1"/>
@@ -4086,6 +4012,7 @@
               <a:rPr lang="en-US" dirty="0"/>
               <a:t>Second level</a:t>
             </a:r>
+            <a:endParaRPr lang="en-US" dirty="0"/>
           </a:p>
           <a:p>
             <a:pPr lvl="2"/>
@@ -4093,6 +4020,7 @@
               <a:rPr lang="en-US" dirty="0"/>
               <a:t>Third level</a:t>
             </a:r>
+            <a:endParaRPr lang="en-US" dirty="0"/>
           </a:p>
           <a:p>
             <a:pPr lvl="3"/>
@@ -4100,6 +4028,7 @@
               <a:rPr lang="en-US" dirty="0"/>
               <a:t>Fourth level</a:t>
             </a:r>
+            <a:endParaRPr lang="en-US" dirty="0"/>
           </a:p>
           <a:p>
             <a:pPr lvl="4"/>
@@ -4107,6 +4036,7 @@
               <a:rPr lang="en-US" dirty="0"/>
               <a:t>Fifth level</a:t>
             </a:r>
+            <a:endParaRPr lang="en-US" dirty="0"/>
           </a:p>
         </p:txBody>
       </p:sp>
@@ -4132,6 +4062,7 @@
               <a:rPr lang="en-US" dirty="0"/>
               <a:t>Copyright © 2017 Elephant Scale. All rights reserved.</a:t>
             </a:r>
+            <a:endParaRPr lang="en-US" dirty="0"/>
           </a:p>
         </p:txBody>
       </p:sp>
@@ -4155,10 +4086,6 @@
             </a:pPr>
             <a:fld id="{77EF9825-4C23-4085-A4E3-B5565466BD91}" type="slidenum">
               <a:rPr lang="en-US" smtClean="0"/>
-              <a:pPr>
-                <a:defRPr/>
-              </a:pPr>
-              <a:t>‹#›</a:t>
             </a:fld>
             <a:endParaRPr lang="en-US" dirty="0"/>
           </a:p>
@@ -4213,6 +4140,7 @@
               <a:rPr lang="en-US"/>
               <a:t>Click to edit Master title style</a:t>
             </a:r>
+            <a:endParaRPr lang="en-US"/>
           </a:p>
         </p:txBody>
       </p:sp>
@@ -4241,6 +4169,7 @@
               <a:rPr lang="en-US"/>
               <a:t>Click to edit Master text styles</a:t>
             </a:r>
+            <a:endParaRPr lang="en-US"/>
           </a:p>
           <a:p>
             <a:pPr lvl="1"/>
@@ -4248,6 +4177,7 @@
               <a:rPr lang="en-US"/>
               <a:t>Second level</a:t>
             </a:r>
+            <a:endParaRPr lang="en-US"/>
           </a:p>
           <a:p>
             <a:pPr lvl="2"/>
@@ -4255,6 +4185,7 @@
               <a:rPr lang="en-US"/>
               <a:t>Third level</a:t>
             </a:r>
+            <a:endParaRPr lang="en-US"/>
           </a:p>
           <a:p>
             <a:pPr lvl="3"/>
@@ -4262,6 +4193,7 @@
               <a:rPr lang="en-US"/>
               <a:t>Fourth level</a:t>
             </a:r>
+            <a:endParaRPr lang="en-US"/>
           </a:p>
           <a:p>
             <a:pPr lvl="4"/>
@@ -4269,6 +4201,7 @@
               <a:rPr lang="en-US"/>
               <a:t>Fifth level</a:t>
             </a:r>
+            <a:endParaRPr lang="en-US"/>
           </a:p>
         </p:txBody>
       </p:sp>
@@ -4297,6 +4230,7 @@
               <a:rPr lang="en-US"/>
               <a:t>Click to edit Master text styles</a:t>
             </a:r>
+            <a:endParaRPr lang="en-US"/>
           </a:p>
           <a:p>
             <a:pPr lvl="1"/>
@@ -4304,6 +4238,7 @@
               <a:rPr lang="en-US"/>
               <a:t>Second level</a:t>
             </a:r>
+            <a:endParaRPr lang="en-US"/>
           </a:p>
           <a:p>
             <a:pPr lvl="2"/>
@@ -4311,6 +4246,7 @@
               <a:rPr lang="en-US"/>
               <a:t>Third level</a:t>
             </a:r>
+            <a:endParaRPr lang="en-US"/>
           </a:p>
           <a:p>
             <a:pPr lvl="3"/>
@@ -4318,6 +4254,7 @@
               <a:rPr lang="en-US"/>
               <a:t>Fourth level</a:t>
             </a:r>
+            <a:endParaRPr lang="en-US"/>
           </a:p>
           <a:p>
             <a:pPr lvl="4"/>
@@ -4325,6 +4262,7 @@
               <a:rPr lang="en-US"/>
               <a:t>Fifth level</a:t>
             </a:r>
+            <a:endParaRPr lang="en-US"/>
           </a:p>
         </p:txBody>
       </p:sp>
@@ -4353,6 +4291,7 @@
               <a:rPr lang="en-US"/>
               <a:t>Click to edit Master text styles</a:t>
             </a:r>
+            <a:endParaRPr lang="en-US"/>
           </a:p>
           <a:p>
             <a:pPr lvl="1"/>
@@ -4360,6 +4299,7 @@
               <a:rPr lang="en-US"/>
               <a:t>Second level</a:t>
             </a:r>
+            <a:endParaRPr lang="en-US"/>
           </a:p>
           <a:p>
             <a:pPr lvl="2"/>
@@ -4367,6 +4307,7 @@
               <a:rPr lang="en-US"/>
               <a:t>Third level</a:t>
             </a:r>
+            <a:endParaRPr lang="en-US"/>
           </a:p>
           <a:p>
             <a:pPr lvl="3"/>
@@ -4374,6 +4315,7 @@
               <a:rPr lang="en-US"/>
               <a:t>Fourth level</a:t>
             </a:r>
+            <a:endParaRPr lang="en-US"/>
           </a:p>
           <a:p>
             <a:pPr lvl="4"/>
@@ -4381,6 +4323,7 @@
               <a:rPr lang="en-US"/>
               <a:t>Fifth level</a:t>
             </a:r>
+            <a:endParaRPr lang="en-US"/>
           </a:p>
         </p:txBody>
       </p:sp>
@@ -4394,9 +4337,7 @@
             <p:ph type="sldNum" sz="quarter" idx="11"/>
           </p:nvPr>
         </p:nvSpPr>
-        <p:spPr>
-          <a:ln/>
-        </p:spPr>
+        <p:spPr/>
         <p:txBody>
           <a:bodyPr/>
           <a:lstStyle>
@@ -4410,10 +4351,6 @@
             </a:pPr>
             <a:fld id="{040E4B02-67B9-4228-B08B-2561CEE6B946}" type="slidenum">
               <a:rPr lang="en-US"/>
-              <a:pPr>
-                <a:defRPr/>
-              </a:pPr>
-              <a:t>‹#›</a:t>
             </a:fld>
             <a:endParaRPr lang="en-US" dirty="0"/>
           </a:p>
@@ -4429,9 +4366,7 @@
             <p:ph type="ftr" sz="quarter" idx="12"/>
           </p:nvPr>
         </p:nvSpPr>
-        <p:spPr>
-          <a:ln/>
-        </p:spPr>
+        <p:spPr/>
         <p:txBody>
           <a:bodyPr/>
           <a:lstStyle>
@@ -4447,6 +4382,7 @@
               <a:rPr lang="en-US" dirty="0"/>
               <a:t>Copyright © 2017 Elephant Scale. All rights reserved.</a:t>
             </a:r>
+            <a:endParaRPr lang="en-US" dirty="0"/>
           </a:p>
         </p:txBody>
       </p:sp>
@@ -4499,6 +4435,7 @@
               <a:rPr lang="en-US"/>
               <a:t>Click to edit Master title style</a:t>
             </a:r>
+            <a:endParaRPr lang="en-US"/>
           </a:p>
         </p:txBody>
       </p:sp>
@@ -4527,6 +4464,7 @@
               <a:rPr lang="en-US"/>
               <a:t>Click to edit Master text styles</a:t>
             </a:r>
+            <a:endParaRPr lang="en-US"/>
           </a:p>
           <a:p>
             <a:pPr lvl="1"/>
@@ -4534,6 +4472,7 @@
               <a:rPr lang="en-US"/>
               <a:t>Second level</a:t>
             </a:r>
+            <a:endParaRPr lang="en-US"/>
           </a:p>
           <a:p>
             <a:pPr lvl="2"/>
@@ -4541,6 +4480,7 @@
               <a:rPr lang="en-US"/>
               <a:t>Third level</a:t>
             </a:r>
+            <a:endParaRPr lang="en-US"/>
           </a:p>
           <a:p>
             <a:pPr lvl="3"/>
@@ -4548,6 +4488,7 @@
               <a:rPr lang="en-US"/>
               <a:t>Fourth level</a:t>
             </a:r>
+            <a:endParaRPr lang="en-US"/>
           </a:p>
           <a:p>
             <a:pPr lvl="4"/>
@@ -4555,6 +4496,7 @@
               <a:rPr lang="en-US"/>
               <a:t>Fifth level</a:t>
             </a:r>
+            <a:endParaRPr lang="en-US"/>
           </a:p>
         </p:txBody>
       </p:sp>
@@ -4583,6 +4525,7 @@
               <a:rPr lang="en-US"/>
               <a:t>Click to edit Master text styles</a:t>
             </a:r>
+            <a:endParaRPr lang="en-US"/>
           </a:p>
           <a:p>
             <a:pPr lvl="1"/>
@@ -4590,6 +4533,7 @@
               <a:rPr lang="en-US"/>
               <a:t>Second level</a:t>
             </a:r>
+            <a:endParaRPr lang="en-US"/>
           </a:p>
           <a:p>
             <a:pPr lvl="2"/>
@@ -4597,6 +4541,7 @@
               <a:rPr lang="en-US"/>
               <a:t>Third level</a:t>
             </a:r>
+            <a:endParaRPr lang="en-US"/>
           </a:p>
           <a:p>
             <a:pPr lvl="3"/>
@@ -4604,6 +4549,7 @@
               <a:rPr lang="en-US"/>
               <a:t>Fourth level</a:t>
             </a:r>
+            <a:endParaRPr lang="en-US"/>
           </a:p>
           <a:p>
             <a:pPr lvl="4"/>
@@ -4611,6 +4557,7 @@
               <a:rPr lang="en-US"/>
               <a:t>Fifth level</a:t>
             </a:r>
+            <a:endParaRPr lang="en-US"/>
           </a:p>
         </p:txBody>
       </p:sp>
@@ -4624,9 +4571,7 @@
             <p:ph type="sldNum" sz="quarter" idx="11"/>
           </p:nvPr>
         </p:nvSpPr>
-        <p:spPr>
-          <a:ln/>
-        </p:spPr>
+        <p:spPr/>
         <p:txBody>
           <a:bodyPr/>
           <a:lstStyle>
@@ -4640,10 +4585,6 @@
             </a:pPr>
             <a:fld id="{A86CC632-9864-46F1-8EAB-FCD3BB9CEC9A}" type="slidenum">
               <a:rPr lang="en-US"/>
-              <a:pPr>
-                <a:defRPr/>
-              </a:pPr>
-              <a:t>‹#›</a:t>
             </a:fld>
             <a:endParaRPr lang="en-US" dirty="0"/>
           </a:p>
@@ -4659,9 +4600,7 @@
             <p:ph type="ftr" sz="quarter" idx="12"/>
           </p:nvPr>
         </p:nvSpPr>
-        <p:spPr>
-          <a:ln/>
-        </p:spPr>
+        <p:spPr/>
         <p:txBody>
           <a:bodyPr/>
           <a:lstStyle>
@@ -4677,6 +4616,7 @@
               <a:rPr lang="en-US" dirty="0"/>
               <a:t>Copyright © 2017 Elephant Scale. All rights reserved.</a:t>
             </a:r>
+            <a:endParaRPr lang="en-US" dirty="0"/>
           </a:p>
         </p:txBody>
       </p:sp>
@@ -4735,15 +4675,10 @@
           <a:ln w="9525">
             <a:noFill/>
             <a:miter lim="800000"/>
-            <a:headEnd/>
-            <a:tailEnd/>
           </a:ln>
         </p:spPr>
         <p:txBody>
           <a:bodyPr vert="horz" wrap="square" lIns="92007" tIns="46005" rIns="92007" bIns="46005" numCol="1" anchor="t" anchorCtr="0" compatLnSpc="1">
-            <a:prstTxWarp prst="textNoShape">
-              <a:avLst/>
-            </a:prstTxWarp>
             <a:normAutofit/>
           </a:bodyPr>
           <a:lstStyle/>
@@ -4753,6 +4688,7 @@
               <a:rPr lang="en-US" dirty="0"/>
               <a:t>Click to edit Master text styles</a:t>
             </a:r>
+            <a:endParaRPr lang="en-US" dirty="0"/>
           </a:p>
           <a:p>
             <a:pPr lvl="1"/>
@@ -4760,6 +4696,7 @@
               <a:rPr lang="en-US" dirty="0"/>
               <a:t>Second level</a:t>
             </a:r>
+            <a:endParaRPr lang="en-US" dirty="0"/>
           </a:p>
           <a:p>
             <a:pPr lvl="2"/>
@@ -4767,6 +4704,7 @@
               <a:rPr lang="en-US" dirty="0"/>
               <a:t>Third level</a:t>
             </a:r>
+            <a:endParaRPr lang="en-US" dirty="0"/>
           </a:p>
           <a:p>
             <a:pPr lvl="3"/>
@@ -4774,6 +4712,7 @@
               <a:rPr lang="en-US" dirty="0"/>
               <a:t>Fourth level</a:t>
             </a:r>
+            <a:endParaRPr lang="en-US" dirty="0"/>
           </a:p>
           <a:p>
             <a:pPr lvl="4"/>
@@ -4781,6 +4720,7 @@
               <a:rPr lang="en-US" dirty="0"/>
               <a:t>Fifth level</a:t>
             </a:r>
+            <a:endParaRPr lang="en-US" dirty="0"/>
           </a:p>
         </p:txBody>
       </p:sp>
@@ -4806,26 +4746,20 @@
           <a:ln w="9525">
             <a:noFill/>
             <a:miter lim="800000"/>
-            <a:headEnd/>
-            <a:tailEnd/>
           </a:ln>
           <a:effectLst/>
         </p:spPr>
         <p:txBody>
-          <a:bodyPr vert="horz" wrap="square" lIns="0" tIns="0" rIns="0" bIns="0" numCol="1" anchor="b" anchorCtr="0" compatLnSpc="1">
-            <a:prstTxWarp prst="textNoShape">
-              <a:avLst/>
-            </a:prstTxWarp>
-          </a:bodyPr>
+          <a:bodyPr vert="horz" wrap="square" lIns="0" tIns="0" rIns="0" bIns="0" numCol="1" anchor="b" anchorCtr="0" compatLnSpc="1"/>
           <a:lstStyle>
             <a:lvl1pPr algn="r" eaLnBrk="0" hangingPunct="0">
               <a:defRPr b="1">
                 <a:solidFill>
                   <a:srgbClr val="000000"/>
                 </a:solidFill>
-                <a:latin typeface="Arial" charset="0"/>
-                <a:ea typeface="ＭＳ Ｐゴシック" charset="0"/>
-                <a:cs typeface="ＭＳ Ｐゴシック" charset="0"/>
+                <a:latin typeface="Arial" panose="020B0604020202020204" pitchFamily="34" charset="0"/>
+                <a:ea typeface="MS PGothic" charset="0"/>
+                <a:cs typeface="MS PGothic" charset="0"/>
               </a:defRPr>
             </a:lvl1pPr>
           </a:lstStyle>
@@ -4835,10 +4769,6 @@
             </a:pPr>
             <a:fld id="{77EF9825-4C23-4085-A4E3-B5565466BD91}" type="slidenum">
               <a:rPr lang="en-US"/>
-              <a:pPr>
-                <a:defRPr/>
-              </a:pPr>
-              <a:t>‹#›</a:t>
             </a:fld>
             <a:endParaRPr lang="en-US" dirty="0"/>
           </a:p>
@@ -4866,16 +4796,11 @@
           <a:ln w="9525">
             <a:noFill/>
             <a:miter lim="800000"/>
-            <a:headEnd/>
-            <a:tailEnd/>
           </a:ln>
           <a:effectLst/>
         </p:spPr>
         <p:txBody>
           <a:bodyPr vert="horz" wrap="square" lIns="0" tIns="0" rIns="0" bIns="0" numCol="1" anchor="t" anchorCtr="0" compatLnSpc="1">
-            <a:prstTxWarp prst="textNoShape">
-              <a:avLst/>
-            </a:prstTxWarp>
             <a:spAutoFit/>
           </a:bodyPr>
           <a:lstStyle>
@@ -4901,6 +4826,7 @@
               <a:rPr lang="en-US" dirty="0"/>
               <a:t>Copyright © 2017 Elephant Scale. All rights reserved.</a:t>
             </a:r>
+            <a:endParaRPr lang="en-US" dirty="0"/>
           </a:p>
         </p:txBody>
       </p:sp>
@@ -4913,7 +4839,7 @@
           <p:nvPr/>
         </p:nvPicPr>
         <p:blipFill>
-          <a:blip r:embed="rId6"/>
+          <a:blip r:embed="rId5"/>
           <a:srcRect/>
           <a:stretch>
             <a:fillRect/>
@@ -4960,16 +4886,10 @@
           <a:ln w="9525">
             <a:noFill/>
             <a:miter lim="800000"/>
-            <a:headEnd/>
-            <a:tailEnd/>
           </a:ln>
         </p:spPr>
         <p:txBody>
-          <a:bodyPr vert="horz" wrap="square" lIns="92007" tIns="46005" rIns="92007" bIns="46005" numCol="1" anchor="b" anchorCtr="0" compatLnSpc="1">
-            <a:prstTxWarp prst="textNoShape">
-              <a:avLst/>
-            </a:prstTxWarp>
-          </a:bodyPr>
+          <a:bodyPr vert="horz" wrap="square" lIns="92007" tIns="46005" rIns="92007" bIns="46005" numCol="1" anchor="b" anchorCtr="0" compatLnSpc="1"/>
           <a:lstStyle/>
           <a:p>
             <a:pPr lvl="0"/>
@@ -4977,6 +4897,7 @@
               <a:rPr lang="en-US" dirty="0"/>
               <a:t>Click to edit Master title style</a:t>
             </a:r>
+            <a:endParaRPr lang="en-US" dirty="0"/>
           </a:p>
         </p:txBody>
       </p:sp>
@@ -4984,10 +4905,10 @@
   </p:cSld>
   <p:clrMap bg1="dk2" tx1="lt1" bg2="dk1" tx2="lt2" accent1="accent1" accent2="accent2" accent3="accent3" accent4="accent4" accent5="accent5" accent6="accent6" hlink="hlink" folHlink="folHlink"/>
   <p:sldLayoutIdLst>
-    <p:sldLayoutId id="2147483656" r:id="rId1"/>
-    <p:sldLayoutId id="2147483655" r:id="rId2"/>
-    <p:sldLayoutId id="2147483654" r:id="rId3"/>
-    <p:sldLayoutId id="2147483653" r:id="rId4"/>
+    <p:sldLayoutId id="2147483649" r:id="rId1"/>
+    <p:sldLayoutId id="2147483650" r:id="rId2"/>
+    <p:sldLayoutId id="2147483651" r:id="rId3"/>
+    <p:sldLayoutId id="2147483652" r:id="rId4"/>
   </p:sldLayoutIdLst>
   <p:hf hdr="0" dt="0"/>
   <p:txStyles>
@@ -5004,8 +4925,8 @@
             <a:schemeClr val="tx1"/>
           </a:solidFill>
           <a:latin typeface="+mj-lt"/>
-          <a:ea typeface="ＭＳ Ｐゴシック" pitchFamily="-110" charset="-128"/>
-          <a:cs typeface="ＭＳ Ｐゴシック" pitchFamily="-110" charset="-128"/>
+          <a:ea typeface="MS PGothic" pitchFamily="-110" charset="-128"/>
+          <a:cs typeface="MS PGothic" pitchFamily="-110" charset="-128"/>
         </a:defRPr>
       </a:lvl1pPr>
       <a:lvl2pPr algn="l" rtl="0" eaLnBrk="0" fontAlgn="base" hangingPunct="0">
@@ -5019,9 +4940,9 @@
           <a:solidFill>
             <a:schemeClr val="tx1"/>
           </a:solidFill>
-          <a:latin typeface="Verdana" pitchFamily="-110" charset="0"/>
-          <a:ea typeface="ＭＳ Ｐゴシック" pitchFamily="-110" charset="-128"/>
-          <a:cs typeface="ＭＳ Ｐゴシック" pitchFamily="-110" charset="-128"/>
+          <a:latin typeface="Verdana" panose="020B0604030504040204" pitchFamily="-110" charset="0"/>
+          <a:ea typeface="MS PGothic" pitchFamily="-110" charset="-128"/>
+          <a:cs typeface="MS PGothic" pitchFamily="-110" charset="-128"/>
         </a:defRPr>
       </a:lvl2pPr>
       <a:lvl3pPr algn="l" rtl="0" eaLnBrk="0" fontAlgn="base" hangingPunct="0">
@@ -5035,9 +4956,9 @@
           <a:solidFill>
             <a:schemeClr val="tx1"/>
           </a:solidFill>
-          <a:latin typeface="Verdana" pitchFamily="-110" charset="0"/>
-          <a:ea typeface="ＭＳ Ｐゴシック" pitchFamily="-110" charset="-128"/>
-          <a:cs typeface="ＭＳ Ｐゴシック" pitchFamily="-110" charset="-128"/>
+          <a:latin typeface="Verdana" panose="020B0604030504040204" pitchFamily="-110" charset="0"/>
+          <a:ea typeface="MS PGothic" pitchFamily="-110" charset="-128"/>
+          <a:cs typeface="MS PGothic" pitchFamily="-110" charset="-128"/>
         </a:defRPr>
       </a:lvl3pPr>
       <a:lvl4pPr algn="l" rtl="0" eaLnBrk="0" fontAlgn="base" hangingPunct="0">
@@ -5051,9 +4972,9 @@
           <a:solidFill>
             <a:schemeClr val="tx1"/>
           </a:solidFill>
-          <a:latin typeface="Verdana" pitchFamily="-110" charset="0"/>
-          <a:ea typeface="ＭＳ Ｐゴシック" pitchFamily="-110" charset="-128"/>
-          <a:cs typeface="ＭＳ Ｐゴシック" pitchFamily="-110" charset="-128"/>
+          <a:latin typeface="Verdana" panose="020B0604030504040204" pitchFamily="-110" charset="0"/>
+          <a:ea typeface="MS PGothic" pitchFamily="-110" charset="-128"/>
+          <a:cs typeface="MS PGothic" pitchFamily="-110" charset="-128"/>
         </a:defRPr>
       </a:lvl4pPr>
       <a:lvl5pPr algn="l" rtl="0" eaLnBrk="0" fontAlgn="base" hangingPunct="0">
@@ -5067,9 +4988,9 @@
           <a:solidFill>
             <a:schemeClr val="tx1"/>
           </a:solidFill>
-          <a:latin typeface="Verdana" pitchFamily="-110" charset="0"/>
-          <a:ea typeface="ＭＳ Ｐゴシック" pitchFamily="-110" charset="-128"/>
-          <a:cs typeface="ＭＳ Ｐゴシック" pitchFamily="-110" charset="-128"/>
+          <a:latin typeface="Verdana" panose="020B0604030504040204" pitchFamily="-110" charset="0"/>
+          <a:ea typeface="MS PGothic" pitchFamily="-110" charset="-128"/>
+          <a:cs typeface="MS PGothic" pitchFamily="-110" charset="-128"/>
         </a:defRPr>
       </a:lvl5pPr>
       <a:lvl6pPr marL="457200" algn="l" rtl="0" eaLnBrk="0" fontAlgn="base" hangingPunct="0">
@@ -5083,7 +5004,7 @@
           <a:solidFill>
             <a:schemeClr val="tx1"/>
           </a:solidFill>
-          <a:latin typeface="Verdana" pitchFamily="-110" charset="0"/>
+          <a:latin typeface="Verdana" panose="020B0604030504040204" pitchFamily="-110" charset="0"/>
         </a:defRPr>
       </a:lvl6pPr>
       <a:lvl7pPr marL="914400" algn="l" rtl="0" eaLnBrk="0" fontAlgn="base" hangingPunct="0">
@@ -5097,7 +5018,7 @@
           <a:solidFill>
             <a:schemeClr val="tx1"/>
           </a:solidFill>
-          <a:latin typeface="Verdana" pitchFamily="-110" charset="0"/>
+          <a:latin typeface="Verdana" panose="020B0604030504040204" pitchFamily="-110" charset="0"/>
         </a:defRPr>
       </a:lvl7pPr>
       <a:lvl8pPr marL="1371600" algn="l" rtl="0" eaLnBrk="0" fontAlgn="base" hangingPunct="0">
@@ -5111,7 +5032,7 @@
           <a:solidFill>
             <a:schemeClr val="tx1"/>
           </a:solidFill>
-          <a:latin typeface="Verdana" pitchFamily="-110" charset="0"/>
+          <a:latin typeface="Verdana" panose="020B0604030504040204" pitchFamily="-110" charset="0"/>
         </a:defRPr>
       </a:lvl8pPr>
       <a:lvl9pPr marL="1828800" algn="l" rtl="0" eaLnBrk="0" fontAlgn="base" hangingPunct="0">
@@ -5125,12 +5046,12 @@
           <a:solidFill>
             <a:schemeClr val="tx1"/>
           </a:solidFill>
-          <a:latin typeface="Verdana" pitchFamily="-110" charset="0"/>
+          <a:latin typeface="Verdana" panose="020B0604030504040204" pitchFamily="-110" charset="0"/>
         </a:defRPr>
       </a:lvl9pPr>
     </p:titleStyle>
     <p:bodyStyle>
-      <a:lvl1pPr marL="290513" indent="-290513" algn="l" rtl="0" eaLnBrk="0" fontAlgn="base" hangingPunct="0">
+      <a:lvl1pPr marL="290830" indent="-290830" algn="l" rtl="0" eaLnBrk="0" fontAlgn="base" hangingPunct="0">
         <a:spcBef>
           <a:spcPct val="20000"/>
         </a:spcBef>
@@ -5141,18 +5062,18 @@
           <a:schemeClr val="tx2"/>
         </a:buClr>
         <a:buSzPct val="65000"/>
-        <a:buFont typeface="Wingdings" pitchFamily="2" charset="2"/>
+        <a:buFont typeface="Wingdings" panose="05000000000000000000" pitchFamily="2" charset="2"/>
         <a:buChar char=""/>
         <a:defRPr sz="2400">
           <a:solidFill>
             <a:srgbClr val="000000"/>
           </a:solidFill>
           <a:latin typeface="+mn-lt"/>
-          <a:ea typeface="ＭＳ Ｐゴシック" pitchFamily="-110" charset="-128"/>
-          <a:cs typeface="ＭＳ Ｐゴシック" pitchFamily="-110" charset="-128"/>
+          <a:ea typeface="MS PGothic" pitchFamily="-110" charset="-128"/>
+          <a:cs typeface="MS PGothic" pitchFamily="-110" charset="-128"/>
         </a:defRPr>
       </a:lvl1pPr>
-      <a:lvl2pPr marL="633413" indent="-228600" algn="l" rtl="0" eaLnBrk="0" fontAlgn="base" hangingPunct="0">
+      <a:lvl2pPr marL="633730" indent="-228600" algn="l" rtl="0" eaLnBrk="0" fontAlgn="base" hangingPunct="0">
         <a:spcBef>
           <a:spcPct val="20000"/>
         </a:spcBef>
@@ -5168,11 +5089,11 @@
             <a:srgbClr val="000000"/>
           </a:solidFill>
           <a:latin typeface="+mn-lt"/>
-          <a:ea typeface="ＭＳ Ｐゴシック" pitchFamily="-110" charset="-128"/>
-          <a:cs typeface="ＭＳ Ｐゴシック"/>
+          <a:ea typeface="MS PGothic" pitchFamily="-110" charset="-128"/>
+          <a:cs typeface="MS PGothic"/>
         </a:defRPr>
       </a:lvl2pPr>
-      <a:lvl3pPr marL="969963" indent="-222250" algn="l" rtl="0" eaLnBrk="0" fontAlgn="base" hangingPunct="0">
+      <a:lvl3pPr marL="970280" indent="-222250" algn="l" rtl="0" eaLnBrk="0" fontAlgn="base" hangingPunct="0">
         <a:spcBef>
           <a:spcPct val="20000"/>
         </a:spcBef>
@@ -5185,11 +5106,11 @@
             <a:srgbClr val="000000"/>
           </a:solidFill>
           <a:latin typeface="+mn-lt"/>
-          <a:ea typeface="ＭＳ Ｐゴシック" pitchFamily="-110" charset="-128"/>
-          <a:cs typeface="ＭＳ Ｐゴシック"/>
+          <a:ea typeface="MS PGothic" pitchFamily="-110" charset="-128"/>
+          <a:cs typeface="MS PGothic"/>
         </a:defRPr>
       </a:lvl3pPr>
-      <a:lvl4pPr marL="1258888" indent="-228600" algn="l" rtl="0" eaLnBrk="0" fontAlgn="base" hangingPunct="0">
+      <a:lvl4pPr marL="1259205" indent="-228600" algn="l" rtl="0" eaLnBrk="0" fontAlgn="base" hangingPunct="0">
         <a:spcBef>
           <a:spcPct val="0"/>
         </a:spcBef>
@@ -5207,11 +5128,11 @@
             <a:srgbClr val="000000"/>
           </a:solidFill>
           <a:latin typeface="+mn-lt"/>
-          <a:ea typeface="ＭＳ Ｐゴシック" pitchFamily="-110" charset="-128"/>
-          <a:cs typeface="ＭＳ Ｐゴシック"/>
+          <a:ea typeface="MS PGothic" pitchFamily="-110" charset="-128"/>
+          <a:cs typeface="MS PGothic"/>
         </a:defRPr>
       </a:lvl4pPr>
-      <a:lvl5pPr marL="2055813" indent="-230188" algn="l" rtl="0" eaLnBrk="0" fontAlgn="base" hangingPunct="0">
+      <a:lvl5pPr marL="2056130" indent="-230505" algn="l" rtl="0" eaLnBrk="0" fontAlgn="base" hangingPunct="0">
         <a:spcBef>
           <a:spcPct val="20000"/>
         </a:spcBef>
@@ -5225,12 +5146,12 @@
           <a:solidFill>
             <a:schemeClr val="tx1"/>
           </a:solidFill>
-          <a:latin typeface="Times New Roman" pitchFamily="-110" charset="0"/>
-          <a:ea typeface="ＭＳ Ｐゴシック" pitchFamily="-110" charset="-128"/>
-          <a:cs typeface="ＭＳ Ｐゴシック"/>
+          <a:latin typeface="Times New Roman" panose="02020603050405020304" pitchFamily="-110" charset="0"/>
+          <a:ea typeface="MS PGothic" pitchFamily="-110" charset="-128"/>
+          <a:cs typeface="MS PGothic"/>
         </a:defRPr>
       </a:lvl5pPr>
-      <a:lvl6pPr marL="2513013" indent="-230188" algn="l" rtl="0" eaLnBrk="0" fontAlgn="base" hangingPunct="0">
+      <a:lvl6pPr marL="2513330" indent="-230505" algn="l" rtl="0" eaLnBrk="0" fontAlgn="base" hangingPunct="0">
         <a:spcBef>
           <a:spcPct val="20000"/>
         </a:spcBef>
@@ -5244,11 +5165,11 @@
           <a:solidFill>
             <a:schemeClr val="tx1"/>
           </a:solidFill>
-          <a:latin typeface="Times New Roman" pitchFamily="-110" charset="0"/>
-          <a:ea typeface="ＭＳ Ｐゴシック" pitchFamily="-110" charset="-128"/>
+          <a:latin typeface="Times New Roman" panose="02020603050405020304" pitchFamily="-110" charset="0"/>
+          <a:ea typeface="MS PGothic" pitchFamily="-110" charset="-128"/>
         </a:defRPr>
       </a:lvl6pPr>
-      <a:lvl7pPr marL="2970213" indent="-230188" algn="l" rtl="0" eaLnBrk="0" fontAlgn="base" hangingPunct="0">
+      <a:lvl7pPr marL="2970530" indent="-230505" algn="l" rtl="0" eaLnBrk="0" fontAlgn="base" hangingPunct="0">
         <a:spcBef>
           <a:spcPct val="20000"/>
         </a:spcBef>
@@ -5262,11 +5183,11 @@
           <a:solidFill>
             <a:schemeClr val="tx1"/>
           </a:solidFill>
-          <a:latin typeface="Times New Roman" pitchFamily="-110" charset="0"/>
-          <a:ea typeface="ＭＳ Ｐゴシック" pitchFamily="-110" charset="-128"/>
+          <a:latin typeface="Times New Roman" panose="02020603050405020304" pitchFamily="-110" charset="0"/>
+          <a:ea typeface="MS PGothic" pitchFamily="-110" charset="-128"/>
         </a:defRPr>
       </a:lvl7pPr>
-      <a:lvl8pPr marL="3427413" indent="-230188" algn="l" rtl="0" eaLnBrk="0" fontAlgn="base" hangingPunct="0">
+      <a:lvl8pPr marL="3427730" indent="-230505" algn="l" rtl="0" eaLnBrk="0" fontAlgn="base" hangingPunct="0">
         <a:spcBef>
           <a:spcPct val="20000"/>
         </a:spcBef>
@@ -5280,11 +5201,11 @@
           <a:solidFill>
             <a:schemeClr val="tx1"/>
           </a:solidFill>
-          <a:latin typeface="Times New Roman" pitchFamily="-110" charset="0"/>
-          <a:ea typeface="ＭＳ Ｐゴシック" pitchFamily="-110" charset="-128"/>
+          <a:latin typeface="Times New Roman" panose="02020603050405020304" pitchFamily="-110" charset="0"/>
+          <a:ea typeface="MS PGothic" pitchFamily="-110" charset="-128"/>
         </a:defRPr>
       </a:lvl8pPr>
-      <a:lvl9pPr marL="3884613" indent="-230188" algn="l" rtl="0" eaLnBrk="0" fontAlgn="base" hangingPunct="0">
+      <a:lvl9pPr marL="3884930" indent="-230505" algn="l" rtl="0" eaLnBrk="0" fontAlgn="base" hangingPunct="0">
         <a:spcBef>
           <a:spcPct val="20000"/>
         </a:spcBef>
@@ -5298,8 +5219,8 @@
           <a:solidFill>
             <a:schemeClr val="tx1"/>
           </a:solidFill>
-          <a:latin typeface="Times New Roman" pitchFamily="-110" charset="0"/>
-          <a:ea typeface="ＭＳ Ｐゴシック" pitchFamily="-110" charset="-128"/>
+          <a:latin typeface="Times New Roman" panose="02020603050405020304" pitchFamily="-110" charset="0"/>
+          <a:ea typeface="MS PGothic" pitchFamily="-110" charset="-128"/>
         </a:defRPr>
       </a:lvl9pPr>
     </p:bodyStyle>
@@ -5403,7 +5324,7 @@
 </file>
 
 <file path=ppt/slides/slide1.xml><?xml version="1.0" encoding="utf-8"?>
-<p:sld xmlns:a="http://schemas.openxmlformats.org/drawingml/2006/main" xmlns:p="http://schemas.openxmlformats.org/presentationml/2006/main" xmlns:r="http://schemas.openxmlformats.org/officeDocument/2006/relationships">
+<p:sld xmlns:a="http://schemas.openxmlformats.org/drawingml/2006/main" xmlns:r="http://schemas.openxmlformats.org/officeDocument/2006/relationships" xmlns:p="http://schemas.openxmlformats.org/presentationml/2006/main">
   <p:cSld>
     <p:spTree>
       <p:nvGrpSpPr>
@@ -5419,7 +5340,7 @@
             <a:spLocks noGrp="1"/>
           </p:cNvSpPr>
           <p:nvPr>
-            <p:ph type="subTitle" idx="1" sz="quarter"/>
+            <p:ph type="subTitle" sz="quarter" idx="1"/>
           </p:nvPr>
         </p:nvSpPr>
         <p:spPr/>
@@ -5463,20 +5384,12 @@
         </p:nvSpPr>
         <p:spPr/>
         <p:txBody>
-          <a:bodyPr wrap="square">
-            <a:noAutofit/>
-          </a:bodyPr>
-          <a:lstStyle/>
-          <a:p>
-            <a:r>
-              <a:rPr sz="4200" b="1" i="0">
-                <a:latin typeface="Times New Roman"/>
-              </a:rPr>
+          <a:bodyPr/>
+          <a:lstStyle/>
+          <a:p>
+            <a:r>
               <a:t>Vault Configuration</a:t>
             </a:r>
-            <a:endParaRPr sz="4200" b="1" i="0">
-              <a:latin typeface="Times New Roman"/>
-            </a:endParaRPr>
           </a:p>
         </p:txBody>
       </p:sp>
@@ -5510,6 +5423,11 @@
               </a:rPr>
               <a:t>Copyright © 2021 by Elephant Scale, All Rights Reserved</a:t>
             </a:r>
+            <a:endParaRPr sz="800">
+              <a:solidFill>
+                <a:srgbClr val="000000"/>
+              </a:solidFill>
+            </a:endParaRPr>
           </a:p>
         </p:txBody>
       </p:sp>
@@ -5522,7 +5440,7 @@
 </file>
 
 <file path=ppt/slides/slide10.xml><?xml version="1.0" encoding="utf-8"?>
-<p:sld xmlns:a="http://schemas.openxmlformats.org/drawingml/2006/main" xmlns:p="http://schemas.openxmlformats.org/presentationml/2006/main" xmlns:r="http://schemas.openxmlformats.org/officeDocument/2006/relationships">
+<p:sld xmlns:a="http://schemas.openxmlformats.org/drawingml/2006/main" xmlns:r="http://schemas.openxmlformats.org/officeDocument/2006/relationships" xmlns:p="http://schemas.openxmlformats.org/presentationml/2006/main">
   <p:cSld>
     <p:spTree>
       <p:nvGrpSpPr>
@@ -5621,6 +5539,11 @@
               </a:rPr>
               <a:t>Copyright © 2021 by Elephant Scale, All Rights Reserved</a:t>
             </a:r>
+            <a:endParaRPr sz="800">
+              <a:solidFill>
+                <a:srgbClr val="000000"/>
+              </a:solidFill>
+            </a:endParaRPr>
           </a:p>
         </p:txBody>
       </p:sp>
@@ -5633,7 +5556,7 @@
 </file>
 
 <file path=ppt/slides/slide11.xml><?xml version="1.0" encoding="utf-8"?>
-<p:sld xmlns:a="http://schemas.openxmlformats.org/drawingml/2006/main" xmlns:p="http://schemas.openxmlformats.org/presentationml/2006/main" xmlns:r="http://schemas.openxmlformats.org/officeDocument/2006/relationships">
+<p:sld xmlns:a="http://schemas.openxmlformats.org/drawingml/2006/main" xmlns:r="http://schemas.openxmlformats.org/officeDocument/2006/relationships" xmlns:p="http://schemas.openxmlformats.org/presentationml/2006/main">
   <p:cSld>
     <p:spTree>
       <p:nvGrpSpPr>
@@ -5750,6 +5673,11 @@
               </a:rPr>
               <a:t>Copyright © 2021 by Elephant Scale, All Rights Reserved</a:t>
             </a:r>
+            <a:endParaRPr sz="800">
+              <a:solidFill>
+                <a:srgbClr val="000000"/>
+              </a:solidFill>
+            </a:endParaRPr>
           </a:p>
         </p:txBody>
       </p:sp>
@@ -5762,7 +5690,7 @@
 </file>
 
 <file path=ppt/slides/slide12.xml><?xml version="1.0" encoding="utf-8"?>
-<p:sld xmlns:a="http://schemas.openxmlformats.org/drawingml/2006/main" xmlns:p="http://schemas.openxmlformats.org/presentationml/2006/main" xmlns:r="http://schemas.openxmlformats.org/officeDocument/2006/relationships">
+<p:sld xmlns:a="http://schemas.openxmlformats.org/drawingml/2006/main" xmlns:r="http://schemas.openxmlformats.org/officeDocument/2006/relationships" xmlns:p="http://schemas.openxmlformats.org/presentationml/2006/main">
   <p:cSld>
     <p:spTree>
       <p:nvGrpSpPr>
@@ -5860,6 +5788,11 @@
               </a:rPr>
               <a:t>Copyright © 2021 by Elephant Scale, All Rights Reserved</a:t>
             </a:r>
+            <a:endParaRPr sz="800">
+              <a:solidFill>
+                <a:srgbClr val="000000"/>
+              </a:solidFill>
+            </a:endParaRPr>
           </a:p>
         </p:txBody>
       </p:sp>
@@ -5872,7 +5805,7 @@
 </file>
 
 <file path=ppt/slides/slide13.xml><?xml version="1.0" encoding="utf-8"?>
-<p:sld xmlns:a="http://schemas.openxmlformats.org/drawingml/2006/main" xmlns:p="http://schemas.openxmlformats.org/presentationml/2006/main" xmlns:r="http://schemas.openxmlformats.org/officeDocument/2006/relationships">
+<p:sld xmlns:a="http://schemas.openxmlformats.org/drawingml/2006/main" xmlns:r="http://schemas.openxmlformats.org/officeDocument/2006/relationships" xmlns:p="http://schemas.openxmlformats.org/presentationml/2006/main">
   <p:cSld>
     <p:spTree>
       <p:nvGrpSpPr>
@@ -5888,7 +5821,7 @@
             <a:spLocks noGrp="1"/>
           </p:cNvSpPr>
           <p:nvPr>
-            <p:ph type="subTitle" idx="1" sz="quarter"/>
+            <p:ph type="subTitle" sz="quarter" idx="1"/>
           </p:nvPr>
         </p:nvSpPr>
         <p:spPr/>
@@ -5931,20 +5864,12 @@
         </p:nvSpPr>
         <p:spPr/>
         <p:txBody>
-          <a:bodyPr wrap="square">
-            <a:noAutofit/>
-          </a:bodyPr>
-          <a:lstStyle/>
-          <a:p>
-            <a:r>
-              <a:rPr sz="4200" b="1" i="0">
-                <a:latin typeface="Times New Roman"/>
-              </a:rPr>
+          <a:bodyPr/>
+          <a:lstStyle/>
+          <a:p>
+            <a:r>
               <a:t>Static secrets</a:t>
             </a:r>
-            <a:endParaRPr sz="4200" b="1" i="0">
-              <a:latin typeface="Times New Roman"/>
-            </a:endParaRPr>
           </a:p>
         </p:txBody>
       </p:sp>
@@ -5978,6 +5903,11 @@
               </a:rPr>
               <a:t>Copyright © 2021 by Elephant Scale, All Rights Reserved</a:t>
             </a:r>
+            <a:endParaRPr sz="800">
+              <a:solidFill>
+                <a:srgbClr val="000000"/>
+              </a:solidFill>
+            </a:endParaRPr>
           </a:p>
         </p:txBody>
       </p:sp>
@@ -5990,7 +5920,7 @@
 </file>
 
 <file path=ppt/slides/slide14.xml><?xml version="1.0" encoding="utf-8"?>
-<p:sld xmlns:a="http://schemas.openxmlformats.org/drawingml/2006/main" xmlns:p="http://schemas.openxmlformats.org/presentationml/2006/main" xmlns:r="http://schemas.openxmlformats.org/officeDocument/2006/relationships">
+<p:sld xmlns:a="http://schemas.openxmlformats.org/drawingml/2006/main" xmlns:r="http://schemas.openxmlformats.org/officeDocument/2006/relationships" xmlns:p="http://schemas.openxmlformats.org/presentationml/2006/main">
   <p:cSld>
     <p:spTree>
       <p:nvGrpSpPr>
@@ -6093,6 +6023,11 @@
               </a:rPr>
               <a:t>Copyright © 2021 by Elephant Scale, All Rights Reserved</a:t>
             </a:r>
+            <a:endParaRPr sz="800">
+              <a:solidFill>
+                <a:srgbClr val="000000"/>
+              </a:solidFill>
+            </a:endParaRPr>
           </a:p>
         </p:txBody>
       </p:sp>
@@ -6105,7 +6040,7 @@
 </file>
 
 <file path=ppt/slides/slide15.xml><?xml version="1.0" encoding="utf-8"?>
-<p:sld xmlns:a="http://schemas.openxmlformats.org/drawingml/2006/main" xmlns:p="http://schemas.openxmlformats.org/presentationml/2006/main" xmlns:r="http://schemas.openxmlformats.org/officeDocument/2006/relationships">
+<p:sld xmlns:a="http://schemas.openxmlformats.org/drawingml/2006/main" xmlns:r="http://schemas.openxmlformats.org/officeDocument/2006/relationships" xmlns:p="http://schemas.openxmlformats.org/presentationml/2006/main">
   <p:cSld>
     <p:spTree>
       <p:nvGrpSpPr>
@@ -6235,6 +6170,11 @@
               </a:rPr>
               <a:t>Copyright © 2021 by Elephant Scale, All Rights Reserved</a:t>
             </a:r>
+            <a:endParaRPr sz="800">
+              <a:solidFill>
+                <a:srgbClr val="000000"/>
+              </a:solidFill>
+            </a:endParaRPr>
           </a:p>
         </p:txBody>
       </p:sp>
@@ -6247,7 +6187,7 @@
 </file>
 
 <file path=ppt/slides/slide16.xml><?xml version="1.0" encoding="utf-8"?>
-<p:sld xmlns:a="http://schemas.openxmlformats.org/drawingml/2006/main" xmlns:p="http://schemas.openxmlformats.org/presentationml/2006/main" xmlns:r="http://schemas.openxmlformats.org/officeDocument/2006/relationships">
+<p:sld xmlns:a="http://schemas.openxmlformats.org/drawingml/2006/main" xmlns:r="http://schemas.openxmlformats.org/officeDocument/2006/relationships" xmlns:p="http://schemas.openxmlformats.org/presentationml/2006/main">
   <p:cSld>
     <p:spTree>
       <p:nvGrpSpPr>
@@ -6363,6 +6303,11 @@
               </a:rPr>
               <a:t>Copyright © 2021 by Elephant Scale, All Rights Reserved</a:t>
             </a:r>
+            <a:endParaRPr sz="800">
+              <a:solidFill>
+                <a:srgbClr val="000000"/>
+              </a:solidFill>
+            </a:endParaRPr>
           </a:p>
         </p:txBody>
       </p:sp>
@@ -6375,7 +6320,7 @@
 </file>
 
 <file path=ppt/slides/slide17.xml><?xml version="1.0" encoding="utf-8"?>
-<p:sld xmlns:a="http://schemas.openxmlformats.org/drawingml/2006/main" xmlns:p="http://schemas.openxmlformats.org/presentationml/2006/main" xmlns:r="http://schemas.openxmlformats.org/officeDocument/2006/relationships">
+<p:sld xmlns:a="http://schemas.openxmlformats.org/drawingml/2006/main" xmlns:r="http://schemas.openxmlformats.org/officeDocument/2006/relationships" xmlns:p="http://schemas.openxmlformats.org/presentationml/2006/main">
   <p:cSld>
     <p:spTree>
       <p:nvGrpSpPr>
@@ -6453,10 +6398,13 @@
           <a:p>
             <a:r>
               <a:rPr>
-                <a:hlinkClick r:id="rId2"/>
+                <a:hlinkClick r:id="rId1"/>
               </a:rPr>
               <a:t> https://github.com/elephantscale/vault-consul-labs-answers/tree/main/lab21</a:t>
             </a:r>
+            <a:endParaRPr>
+              <a:hlinkClick r:id="rId1"/>
+            </a:endParaRPr>
           </a:p>
         </p:txBody>
       </p:sp>
@@ -6490,6 +6438,11 @@
               </a:rPr>
               <a:t>Copyright © 2021 by Elephant Scale, All Rights Reserved</a:t>
             </a:r>
+            <a:endParaRPr sz="800">
+              <a:solidFill>
+                <a:srgbClr val="000000"/>
+              </a:solidFill>
+            </a:endParaRPr>
           </a:p>
         </p:txBody>
       </p:sp>
@@ -6502,7 +6455,7 @@
 </file>
 
 <file path=ppt/slides/slide18.xml><?xml version="1.0" encoding="utf-8"?>
-<p:sld xmlns:a="http://schemas.openxmlformats.org/drawingml/2006/main" xmlns:p="http://schemas.openxmlformats.org/presentationml/2006/main" xmlns:r="http://schemas.openxmlformats.org/officeDocument/2006/relationships">
+<p:sld xmlns:a="http://schemas.openxmlformats.org/drawingml/2006/main" xmlns:r="http://schemas.openxmlformats.org/officeDocument/2006/relationships" xmlns:p="http://schemas.openxmlformats.org/presentationml/2006/main">
   <p:cSld>
     <p:spTree>
       <p:nvGrpSpPr>
@@ -6518,7 +6471,7 @@
             <a:spLocks noGrp="1"/>
           </p:cNvSpPr>
           <p:nvPr>
-            <p:ph type="subTitle" idx="1" sz="quarter"/>
+            <p:ph type="subTitle" sz="quarter" idx="1"/>
           </p:nvPr>
         </p:nvSpPr>
         <p:spPr/>
@@ -6561,20 +6514,12 @@
         </p:nvSpPr>
         <p:spPr/>
         <p:txBody>
-          <a:bodyPr wrap="square">
-            <a:noAutofit/>
-          </a:bodyPr>
-          <a:lstStyle/>
-          <a:p>
-            <a:r>
-              <a:rPr sz="4200" b="1" i="0">
-                <a:latin typeface="Times New Roman"/>
-              </a:rPr>
+          <a:bodyPr/>
+          <a:lstStyle/>
+          <a:p>
+            <a:r>
               <a:t>Dynamic secrets</a:t>
             </a:r>
-            <a:endParaRPr sz="4200" b="1" i="0">
-              <a:latin typeface="Times New Roman"/>
-            </a:endParaRPr>
           </a:p>
         </p:txBody>
       </p:sp>
@@ -6608,6 +6553,11 @@
               </a:rPr>
               <a:t>Copyright © 2021 by Elephant Scale, All Rights Reserved</a:t>
             </a:r>
+            <a:endParaRPr sz="800">
+              <a:solidFill>
+                <a:srgbClr val="000000"/>
+              </a:solidFill>
+            </a:endParaRPr>
           </a:p>
         </p:txBody>
       </p:sp>
@@ -6620,7 +6570,7 @@
 </file>
 
 <file path=ppt/slides/slide19.xml><?xml version="1.0" encoding="utf-8"?>
-<p:sld xmlns:a="http://schemas.openxmlformats.org/drawingml/2006/main" xmlns:p="http://schemas.openxmlformats.org/presentationml/2006/main" xmlns:r="http://schemas.openxmlformats.org/officeDocument/2006/relationships">
+<p:sld xmlns:a="http://schemas.openxmlformats.org/drawingml/2006/main" xmlns:r="http://schemas.openxmlformats.org/officeDocument/2006/relationships" xmlns:p="http://schemas.openxmlformats.org/presentationml/2006/main">
   <p:cSld>
     <p:spTree>
       <p:nvGrpSpPr>
@@ -6718,6 +6668,11 @@
               </a:rPr>
               <a:t>Copyright © 2021 by Elephant Scale, All Rights Reserved</a:t>
             </a:r>
+            <a:endParaRPr sz="800">
+              <a:solidFill>
+                <a:srgbClr val="000000"/>
+              </a:solidFill>
+            </a:endParaRPr>
           </a:p>
         </p:txBody>
       </p:sp>
@@ -6730,7 +6685,7 @@
 </file>
 
 <file path=ppt/slides/slide2.xml><?xml version="1.0" encoding="utf-8"?>
-<p:sld xmlns:a="http://schemas.openxmlformats.org/drawingml/2006/main" xmlns:p="http://schemas.openxmlformats.org/presentationml/2006/main" xmlns:r="http://schemas.openxmlformats.org/officeDocument/2006/relationships">
+<p:sld xmlns:a="http://schemas.openxmlformats.org/drawingml/2006/main" xmlns:r="http://schemas.openxmlformats.org/officeDocument/2006/relationships" xmlns:p="http://schemas.openxmlformats.org/presentationml/2006/main">
   <p:cSld>
     <p:spTree>
       <p:nvGrpSpPr>
@@ -6746,7 +6701,7 @@
             <a:spLocks noGrp="1"/>
           </p:cNvSpPr>
           <p:nvPr>
-            <p:ph type="subTitle" idx="1" sz="quarter"/>
+            <p:ph type="subTitle" sz="quarter" idx="1"/>
           </p:nvPr>
         </p:nvSpPr>
         <p:spPr/>
@@ -6789,20 +6744,12 @@
         </p:nvSpPr>
         <p:spPr/>
         <p:txBody>
-          <a:bodyPr wrap="square">
-            <a:noAutofit/>
-          </a:bodyPr>
-          <a:lstStyle/>
-          <a:p>
-            <a:r>
-              <a:rPr sz="4200" b="1" i="0">
-                <a:latin typeface="Times New Roman"/>
-              </a:rPr>
+          <a:bodyPr/>
+          <a:lstStyle/>
+          <a:p>
+            <a:r>
               <a:t>How does Vault encrypt data?</a:t>
             </a:r>
-            <a:endParaRPr sz="4200" b="1" i="0">
-              <a:latin typeface="Times New Roman"/>
-            </a:endParaRPr>
           </a:p>
         </p:txBody>
       </p:sp>
@@ -6836,6 +6783,11 @@
               </a:rPr>
               <a:t>Copyright © 2021 by Elephant Scale, All Rights Reserved</a:t>
             </a:r>
+            <a:endParaRPr sz="800">
+              <a:solidFill>
+                <a:srgbClr val="000000"/>
+              </a:solidFill>
+            </a:endParaRPr>
           </a:p>
         </p:txBody>
       </p:sp>
@@ -6848,7 +6800,7 @@
 </file>
 
 <file path=ppt/slides/slide20.xml><?xml version="1.0" encoding="utf-8"?>
-<p:sld xmlns:a="http://schemas.openxmlformats.org/drawingml/2006/main" xmlns:p="http://schemas.openxmlformats.org/presentationml/2006/main" xmlns:r="http://schemas.openxmlformats.org/officeDocument/2006/relationships">
+<p:sld xmlns:a="http://schemas.openxmlformats.org/drawingml/2006/main" xmlns:r="http://schemas.openxmlformats.org/officeDocument/2006/relationships" xmlns:p="http://schemas.openxmlformats.org/presentationml/2006/main">
   <p:cSld>
     <p:spTree>
       <p:nvGrpSpPr>
@@ -6932,6 +6884,11 @@
               </a:rPr>
               <a:t>Copyright © 2021 by Elephant Scale, All Rights Reserved</a:t>
             </a:r>
+            <a:endParaRPr sz="800">
+              <a:solidFill>
+                <a:srgbClr val="000000"/>
+              </a:solidFill>
+            </a:endParaRPr>
           </a:p>
         </p:txBody>
       </p:sp>
@@ -6944,15 +6901,15 @@
           <p:nvPr/>
         </p:nvPicPr>
         <p:blipFill>
-          <a:blip r:embed="rId2"/>
+          <a:blip r:embed="rId1"/>
           <a:stretch>
             <a:fillRect/>
           </a:stretch>
         </p:blipFill>
         <p:spPr>
           <a:xfrm>
-            <a:off x="704088" y="914400"/>
-            <a:ext cx="11074400" cy="4546600"/>
+            <a:off x="704215" y="1940560"/>
+            <a:ext cx="8575040" cy="3520440"/>
           </a:xfrm>
           <a:prstGeom prst="rect">
             <a:avLst/>
@@ -6968,7 +6925,7 @@
 </file>
 
 <file path=ppt/slides/slide21.xml><?xml version="1.0" encoding="utf-8"?>
-<p:sld xmlns:a="http://schemas.openxmlformats.org/drawingml/2006/main" xmlns:p="http://schemas.openxmlformats.org/presentationml/2006/main" xmlns:r="http://schemas.openxmlformats.org/officeDocument/2006/relationships">
+<p:sld xmlns:a="http://schemas.openxmlformats.org/drawingml/2006/main" xmlns:r="http://schemas.openxmlformats.org/officeDocument/2006/relationships" xmlns:p="http://schemas.openxmlformats.org/presentationml/2006/main">
   <p:cSld>
     <p:spTree>
       <p:nvGrpSpPr>
@@ -7030,7 +6987,7 @@
             </a:r>
             <a:r>
               <a:rPr>
-                <a:latin typeface="Courier New"/>
+                <a:latin typeface="Courier New" panose="02070309020205020404"/>
               </a:rPr>
               <a:t> docker</a:t>
             </a:r>
@@ -7071,6 +7028,11 @@
               </a:rPr>
               <a:t>Copyright © 2021 by Elephant Scale, All Rights Reserved</a:t>
             </a:r>
+            <a:endParaRPr sz="800">
+              <a:solidFill>
+                <a:srgbClr val="000000"/>
+              </a:solidFill>
+            </a:endParaRPr>
           </a:p>
         </p:txBody>
       </p:sp>
@@ -7083,7 +7045,7 @@
           <p:nvPr/>
         </p:nvPicPr>
         <p:blipFill>
-          <a:blip r:embed="rId2"/>
+          <a:blip r:embed="rId1"/>
           <a:stretch>
             <a:fillRect/>
           </a:stretch>
@@ -7107,7 +7069,7 @@
 </file>
 
 <file path=ppt/slides/slide22.xml><?xml version="1.0" encoding="utf-8"?>
-<p:sld xmlns:a="http://schemas.openxmlformats.org/drawingml/2006/main" xmlns:p="http://schemas.openxmlformats.org/presentationml/2006/main" xmlns:r="http://schemas.openxmlformats.org/officeDocument/2006/relationships">
+<p:sld xmlns:a="http://schemas.openxmlformats.org/drawingml/2006/main" xmlns:r="http://schemas.openxmlformats.org/officeDocument/2006/relationships" xmlns:p="http://schemas.openxmlformats.org/presentationml/2006/main">
   <p:cSld>
     <p:spTree>
       <p:nvGrpSpPr>
@@ -7191,6 +7153,11 @@
               </a:rPr>
               <a:t>Copyright © 2021 by Elephant Scale, All Rights Reserved</a:t>
             </a:r>
+            <a:endParaRPr sz="800">
+              <a:solidFill>
+                <a:srgbClr val="000000"/>
+              </a:solidFill>
+            </a:endParaRPr>
           </a:p>
         </p:txBody>
       </p:sp>
@@ -7203,7 +7170,7 @@
           <p:nvPr/>
         </p:nvPicPr>
         <p:blipFill>
-          <a:blip r:embed="rId2"/>
+          <a:blip r:embed="rId1"/>
           <a:stretch>
             <a:fillRect/>
           </a:stretch>
@@ -7227,7 +7194,7 @@
 </file>
 
 <file path=ppt/slides/slide23.xml><?xml version="1.0" encoding="utf-8"?>
-<p:sld xmlns:a="http://schemas.openxmlformats.org/drawingml/2006/main" xmlns:p="http://schemas.openxmlformats.org/presentationml/2006/main" xmlns:r="http://schemas.openxmlformats.org/officeDocument/2006/relationships">
+<p:sld xmlns:a="http://schemas.openxmlformats.org/drawingml/2006/main" xmlns:r="http://schemas.openxmlformats.org/officeDocument/2006/relationships" xmlns:p="http://schemas.openxmlformats.org/presentationml/2006/main">
   <p:cSld>
     <p:spTree>
       <p:nvGrpSpPr>
@@ -7326,6 +7293,11 @@
               </a:rPr>
               <a:t>Copyright © 2021 by Elephant Scale, All Rights Reserved</a:t>
             </a:r>
+            <a:endParaRPr sz="800">
+              <a:solidFill>
+                <a:srgbClr val="000000"/>
+              </a:solidFill>
+            </a:endParaRPr>
           </a:p>
         </p:txBody>
       </p:sp>
@@ -7338,14 +7310,14 @@
           <p:nvPr/>
         </p:nvPicPr>
         <p:blipFill>
-          <a:blip r:embed="rId2"/>
+          <a:blip r:embed="rId1"/>
           <a:stretch>
             <a:fillRect/>
           </a:stretch>
         </p:blipFill>
         <p:spPr>
           <a:xfrm>
-            <a:off x="0" y="3108960"/>
+            <a:off x="38100" y="2929890"/>
             <a:ext cx="5130800" cy="520700"/>
           </a:xfrm>
           <a:prstGeom prst="rect">
@@ -7362,14 +7334,14 @@
           <p:nvPr/>
         </p:nvPicPr>
         <p:blipFill>
-          <a:blip r:embed="rId3"/>
+          <a:blip r:embed="rId2"/>
           <a:stretch>
             <a:fillRect/>
           </a:stretch>
         </p:blipFill>
         <p:spPr>
           <a:xfrm>
-            <a:off x="0" y="3986783"/>
+            <a:off x="38100" y="3844543"/>
             <a:ext cx="4521200" cy="520700"/>
           </a:xfrm>
           <a:prstGeom prst="rect">
@@ -7386,14 +7358,14 @@
           <p:nvPr/>
         </p:nvPicPr>
         <p:blipFill>
-          <a:blip r:embed="rId4"/>
+          <a:blip r:embed="rId3"/>
           <a:stretch>
             <a:fillRect/>
           </a:stretch>
         </p:blipFill>
         <p:spPr>
           <a:xfrm>
-            <a:off x="0" y="5303520"/>
+            <a:off x="-38100" y="4987290"/>
             <a:ext cx="9550400" cy="520700"/>
           </a:xfrm>
           <a:prstGeom prst="rect">
@@ -7410,7 +7382,7 @@
 </file>
 
 <file path=ppt/slides/slide24.xml><?xml version="1.0" encoding="utf-8"?>
-<p:sld xmlns:a="http://schemas.openxmlformats.org/drawingml/2006/main" xmlns:p="http://schemas.openxmlformats.org/presentationml/2006/main" xmlns:r="http://schemas.openxmlformats.org/officeDocument/2006/relationships">
+<p:sld xmlns:a="http://schemas.openxmlformats.org/drawingml/2006/main" xmlns:r="http://schemas.openxmlformats.org/officeDocument/2006/relationships" xmlns:p="http://schemas.openxmlformats.org/presentationml/2006/main">
   <p:cSld>
     <p:spTree>
       <p:nvGrpSpPr>
@@ -7492,6 +7464,11 @@
               </a:rPr>
               <a:t>Copyright © 2021 by Elephant Scale, All Rights Reserved</a:t>
             </a:r>
+            <a:endParaRPr sz="800">
+              <a:solidFill>
+                <a:srgbClr val="000000"/>
+              </a:solidFill>
+            </a:endParaRPr>
           </a:p>
         </p:txBody>
       </p:sp>
@@ -7504,7 +7481,7 @@
           <p:nvPr/>
         </p:nvPicPr>
         <p:blipFill>
-          <a:blip r:embed="rId2"/>
+          <a:blip r:embed="rId1"/>
           <a:stretch>
             <a:fillRect/>
           </a:stretch>
@@ -7528,7 +7505,7 @@
 </file>
 
 <file path=ppt/slides/slide25.xml><?xml version="1.0" encoding="utf-8"?>
-<p:sld xmlns:a="http://schemas.openxmlformats.org/drawingml/2006/main" xmlns:p="http://schemas.openxmlformats.org/presentationml/2006/main" xmlns:r="http://schemas.openxmlformats.org/officeDocument/2006/relationships">
+<p:sld xmlns:a="http://schemas.openxmlformats.org/drawingml/2006/main" xmlns:r="http://schemas.openxmlformats.org/officeDocument/2006/relationships" xmlns:p="http://schemas.openxmlformats.org/presentationml/2006/main">
   <p:cSld>
     <p:spTree>
       <p:nvGrpSpPr>
@@ -7611,6 +7588,11 @@
               </a:rPr>
               <a:t>Copyright © 2021 by Elephant Scale, All Rights Reserved</a:t>
             </a:r>
+            <a:endParaRPr sz="800">
+              <a:solidFill>
+                <a:srgbClr val="000000"/>
+              </a:solidFill>
+            </a:endParaRPr>
           </a:p>
         </p:txBody>
       </p:sp>
@@ -7623,7 +7605,7 @@
           <p:nvPr/>
         </p:nvPicPr>
         <p:blipFill>
-          <a:blip r:embed="rId2"/>
+          <a:blip r:embed="rId1"/>
           <a:stretch>
             <a:fillRect/>
           </a:stretch>
@@ -7631,7 +7613,7 @@
         <p:spPr>
           <a:xfrm>
             <a:off x="0" y="914400"/>
-            <a:ext cx="6667500" cy="520700"/>
+            <a:ext cx="6654800" cy="520700"/>
           </a:xfrm>
           <a:prstGeom prst="rect">
             <a:avLst/>
@@ -7647,7 +7629,7 @@
           <p:nvPr/>
         </p:nvPicPr>
         <p:blipFill>
-          <a:blip r:embed="rId3"/>
+          <a:blip r:embed="rId2"/>
           <a:stretch>
             <a:fillRect/>
           </a:stretch>
@@ -7671,7 +7653,7 @@
 </file>
 
 <file path=ppt/slides/slide26.xml><?xml version="1.0" encoding="utf-8"?>
-<p:sld xmlns:a="http://schemas.openxmlformats.org/drawingml/2006/main" xmlns:p="http://schemas.openxmlformats.org/presentationml/2006/main" xmlns:r="http://schemas.openxmlformats.org/officeDocument/2006/relationships">
+<p:sld xmlns:a="http://schemas.openxmlformats.org/drawingml/2006/main" xmlns:r="http://schemas.openxmlformats.org/officeDocument/2006/relationships" xmlns:p="http://schemas.openxmlformats.org/presentationml/2006/main">
   <p:cSld>
     <p:spTree>
       <p:nvGrpSpPr>
@@ -7794,6 +7776,11 @@
               </a:rPr>
               <a:t>Copyright © 2021 by Elephant Scale, All Rights Reserved</a:t>
             </a:r>
+            <a:endParaRPr sz="800">
+              <a:solidFill>
+                <a:srgbClr val="000000"/>
+              </a:solidFill>
+            </a:endParaRPr>
           </a:p>
         </p:txBody>
       </p:sp>
@@ -7806,7 +7793,7 @@
 </file>
 
 <file path=ppt/slides/slide27.xml><?xml version="1.0" encoding="utf-8"?>
-<p:sld xmlns:a="http://schemas.openxmlformats.org/drawingml/2006/main" xmlns:p="http://schemas.openxmlformats.org/presentationml/2006/main" xmlns:r="http://schemas.openxmlformats.org/officeDocument/2006/relationships">
+<p:sld xmlns:a="http://schemas.openxmlformats.org/drawingml/2006/main" xmlns:r="http://schemas.openxmlformats.org/officeDocument/2006/relationships" xmlns:p="http://schemas.openxmlformats.org/presentationml/2006/main">
   <p:cSld>
     <p:spTree>
       <p:nvGrpSpPr>
@@ -7888,6 +7875,11 @@
               </a:rPr>
               <a:t>Copyright © 2021 by Elephant Scale, All Rights Reserved</a:t>
             </a:r>
+            <a:endParaRPr sz="800">
+              <a:solidFill>
+                <a:srgbClr val="000000"/>
+              </a:solidFill>
+            </a:endParaRPr>
           </a:p>
         </p:txBody>
       </p:sp>
@@ -7900,7 +7892,7 @@
           <p:nvPr/>
         </p:nvPicPr>
         <p:blipFill>
-          <a:blip r:embed="rId2"/>
+          <a:blip r:embed="rId1"/>
           <a:stretch>
             <a:fillRect/>
           </a:stretch>
@@ -7924,7 +7916,7 @@
 </file>
 
 <file path=ppt/slides/slide28.xml><?xml version="1.0" encoding="utf-8"?>
-<p:sld xmlns:a="http://schemas.openxmlformats.org/drawingml/2006/main" xmlns:p="http://schemas.openxmlformats.org/presentationml/2006/main" xmlns:r="http://schemas.openxmlformats.org/officeDocument/2006/relationships">
+<p:sld xmlns:a="http://schemas.openxmlformats.org/drawingml/2006/main" xmlns:r="http://schemas.openxmlformats.org/officeDocument/2006/relationships" xmlns:p="http://schemas.openxmlformats.org/presentationml/2006/main">
   <p:cSld>
     <p:spTree>
       <p:nvGrpSpPr>
@@ -8018,6 +8010,11 @@
               </a:rPr>
               <a:t>Copyright © 2021 by Elephant Scale, All Rights Reserved</a:t>
             </a:r>
+            <a:endParaRPr sz="800">
+              <a:solidFill>
+                <a:srgbClr val="000000"/>
+              </a:solidFill>
+            </a:endParaRPr>
           </a:p>
         </p:txBody>
       </p:sp>
@@ -8030,7 +8027,7 @@
           <p:nvPr/>
         </p:nvPicPr>
         <p:blipFill>
-          <a:blip r:embed="rId2"/>
+          <a:blip r:embed="rId1"/>
           <a:stretch>
             <a:fillRect/>
           </a:stretch>
@@ -8054,7 +8051,7 @@
 </file>
 
 <file path=ppt/slides/slide29.xml><?xml version="1.0" encoding="utf-8"?>
-<p:sld xmlns:a="http://schemas.openxmlformats.org/drawingml/2006/main" xmlns:p="http://schemas.openxmlformats.org/presentationml/2006/main" xmlns:r="http://schemas.openxmlformats.org/officeDocument/2006/relationships">
+<p:sld xmlns:a="http://schemas.openxmlformats.org/drawingml/2006/main" xmlns:r="http://schemas.openxmlformats.org/officeDocument/2006/relationships" xmlns:p="http://schemas.openxmlformats.org/presentationml/2006/main">
   <p:cSld>
     <p:spTree>
       <p:nvGrpSpPr>
@@ -8147,6 +8144,11 @@
               </a:rPr>
               <a:t>Copyright © 2021 by Elephant Scale, All Rights Reserved</a:t>
             </a:r>
+            <a:endParaRPr sz="800">
+              <a:solidFill>
+                <a:srgbClr val="000000"/>
+              </a:solidFill>
+            </a:endParaRPr>
           </a:p>
         </p:txBody>
       </p:sp>
@@ -8159,7 +8161,7 @@
           <p:nvPr/>
         </p:nvPicPr>
         <p:blipFill>
-          <a:blip r:embed="rId2"/>
+          <a:blip r:embed="rId1"/>
           <a:stretch>
             <a:fillRect/>
           </a:stretch>
@@ -8183,7 +8185,7 @@
 </file>
 
 <file path=ppt/slides/slide3.xml><?xml version="1.0" encoding="utf-8"?>
-<p:sld xmlns:a="http://schemas.openxmlformats.org/drawingml/2006/main" xmlns:p="http://schemas.openxmlformats.org/presentationml/2006/main" xmlns:r="http://schemas.openxmlformats.org/officeDocument/2006/relationships">
+<p:sld xmlns:a="http://schemas.openxmlformats.org/drawingml/2006/main" xmlns:r="http://schemas.openxmlformats.org/officeDocument/2006/relationships" xmlns:p="http://schemas.openxmlformats.org/presentationml/2006/main">
   <p:cSld>
     <p:spTree>
       <p:nvGrpSpPr>
@@ -8290,6 +8292,11 @@
               </a:rPr>
               <a:t>Copyright © 2021 by Elephant Scale, All Rights Reserved</a:t>
             </a:r>
+            <a:endParaRPr sz="800">
+              <a:solidFill>
+                <a:srgbClr val="000000"/>
+              </a:solidFill>
+            </a:endParaRPr>
           </a:p>
         </p:txBody>
       </p:sp>
@@ -8302,7 +8309,7 @@
           <p:nvPr/>
         </p:nvPicPr>
         <p:blipFill>
-          <a:blip r:embed="rId2"/>
+          <a:blip r:embed="rId1"/>
           <a:stretch>
             <a:fillRect/>
           </a:stretch>
@@ -8326,7 +8333,7 @@
 </file>
 
 <file path=ppt/slides/slide30.xml><?xml version="1.0" encoding="utf-8"?>
-<p:sld xmlns:a="http://schemas.openxmlformats.org/drawingml/2006/main" xmlns:p="http://schemas.openxmlformats.org/presentationml/2006/main" xmlns:r="http://schemas.openxmlformats.org/officeDocument/2006/relationships">
+<p:sld xmlns:a="http://schemas.openxmlformats.org/drawingml/2006/main" xmlns:r="http://schemas.openxmlformats.org/officeDocument/2006/relationships" xmlns:p="http://schemas.openxmlformats.org/presentationml/2006/main">
   <p:cSld>
     <p:spTree>
       <p:nvGrpSpPr>
@@ -8404,6 +8411,11 @@
               </a:rPr>
               <a:t>Copyright © 2021 by Elephant Scale, All Rights Reserved</a:t>
             </a:r>
+            <a:endParaRPr sz="800">
+              <a:solidFill>
+                <a:srgbClr val="000000"/>
+              </a:solidFill>
+            </a:endParaRPr>
           </a:p>
         </p:txBody>
       </p:sp>
@@ -8416,7 +8428,7 @@
           <p:nvPr/>
         </p:nvPicPr>
         <p:blipFill>
-          <a:blip r:embed="rId2"/>
+          <a:blip r:embed="rId1"/>
           <a:stretch>
             <a:fillRect/>
           </a:stretch>
@@ -8440,7 +8452,7 @@
 </file>
 
 <file path=ppt/slides/slide31.xml><?xml version="1.0" encoding="utf-8"?>
-<p:sld xmlns:a="http://schemas.openxmlformats.org/drawingml/2006/main" xmlns:p="http://schemas.openxmlformats.org/presentationml/2006/main" xmlns:r="http://schemas.openxmlformats.org/officeDocument/2006/relationships">
+<p:sld xmlns:a="http://schemas.openxmlformats.org/drawingml/2006/main" xmlns:r="http://schemas.openxmlformats.org/officeDocument/2006/relationships" xmlns:p="http://schemas.openxmlformats.org/presentationml/2006/main">
   <p:cSld>
     <p:spTree>
       <p:nvGrpSpPr>
@@ -8532,6 +8544,11 @@
               </a:rPr>
               <a:t>Copyright © 2021 by Elephant Scale, All Rights Reserved</a:t>
             </a:r>
+            <a:endParaRPr sz="800">
+              <a:solidFill>
+                <a:srgbClr val="000000"/>
+              </a:solidFill>
+            </a:endParaRPr>
           </a:p>
         </p:txBody>
       </p:sp>
@@ -8544,7 +8561,7 @@
           <p:nvPr/>
         </p:nvPicPr>
         <p:blipFill>
-          <a:blip r:embed="rId2"/>
+          <a:blip r:embed="rId1"/>
           <a:stretch>
             <a:fillRect/>
           </a:stretch>
@@ -8568,7 +8585,7 @@
 </file>
 
 <file path=ppt/slides/slide32.xml><?xml version="1.0" encoding="utf-8"?>
-<p:sld xmlns:a="http://schemas.openxmlformats.org/drawingml/2006/main" xmlns:p="http://schemas.openxmlformats.org/presentationml/2006/main" xmlns:r="http://schemas.openxmlformats.org/officeDocument/2006/relationships">
+<p:sld xmlns:a="http://schemas.openxmlformats.org/drawingml/2006/main" xmlns:r="http://schemas.openxmlformats.org/officeDocument/2006/relationships" xmlns:p="http://schemas.openxmlformats.org/presentationml/2006/main">
   <p:cSld>
     <p:spTree>
       <p:nvGrpSpPr>
@@ -8653,6 +8670,11 @@
               </a:rPr>
               <a:t>Copyright © 2021 by Elephant Scale, All Rights Reserved</a:t>
             </a:r>
+            <a:endParaRPr sz="800">
+              <a:solidFill>
+                <a:srgbClr val="000000"/>
+              </a:solidFill>
+            </a:endParaRPr>
           </a:p>
         </p:txBody>
       </p:sp>
@@ -8665,7 +8687,7 @@
           <p:nvPr/>
         </p:nvPicPr>
         <p:blipFill>
-          <a:blip r:embed="rId2"/>
+          <a:blip r:embed="rId1"/>
           <a:stretch>
             <a:fillRect/>
           </a:stretch>
@@ -8689,7 +8711,7 @@
 </file>
 
 <file path=ppt/slides/slide33.xml><?xml version="1.0" encoding="utf-8"?>
-<p:sld xmlns:a="http://schemas.openxmlformats.org/drawingml/2006/main" xmlns:p="http://schemas.openxmlformats.org/presentationml/2006/main" xmlns:r="http://schemas.openxmlformats.org/officeDocument/2006/relationships">
+<p:sld xmlns:a="http://schemas.openxmlformats.org/drawingml/2006/main" xmlns:r="http://schemas.openxmlformats.org/officeDocument/2006/relationships" xmlns:p="http://schemas.openxmlformats.org/presentationml/2006/main">
   <p:cSld>
     <p:spTree>
       <p:nvGrpSpPr>
@@ -8781,6 +8803,11 @@
               </a:rPr>
               <a:t>Copyright © 2021 by Elephant Scale, All Rights Reserved</a:t>
             </a:r>
+            <a:endParaRPr sz="800">
+              <a:solidFill>
+                <a:srgbClr val="000000"/>
+              </a:solidFill>
+            </a:endParaRPr>
           </a:p>
         </p:txBody>
       </p:sp>
@@ -8793,7 +8820,7 @@
           <p:nvPr/>
         </p:nvPicPr>
         <p:blipFill>
-          <a:blip r:embed="rId2"/>
+          <a:blip r:embed="rId1"/>
           <a:stretch>
             <a:fillRect/>
           </a:stretch>
@@ -8817,7 +8844,7 @@
 </file>
 
 <file path=ppt/slides/slide34.xml><?xml version="1.0" encoding="utf-8"?>
-<p:sld xmlns:a="http://schemas.openxmlformats.org/drawingml/2006/main" xmlns:p="http://schemas.openxmlformats.org/presentationml/2006/main" xmlns:r="http://schemas.openxmlformats.org/officeDocument/2006/relationships">
+<p:sld xmlns:a="http://schemas.openxmlformats.org/drawingml/2006/main" xmlns:r="http://schemas.openxmlformats.org/officeDocument/2006/relationships" xmlns:p="http://schemas.openxmlformats.org/presentationml/2006/main">
   <p:cSld>
     <p:spTree>
       <p:nvGrpSpPr>
@@ -8901,6 +8928,11 @@
               </a:rPr>
               <a:t>Copyright © 2021 by Elephant Scale, All Rights Reserved</a:t>
             </a:r>
+            <a:endParaRPr sz="800">
+              <a:solidFill>
+                <a:srgbClr val="000000"/>
+              </a:solidFill>
+            </a:endParaRPr>
           </a:p>
         </p:txBody>
       </p:sp>
@@ -8913,7 +8945,7 @@
           <p:nvPr/>
         </p:nvPicPr>
         <p:blipFill>
-          <a:blip r:embed="rId2"/>
+          <a:blip r:embed="rId1"/>
           <a:stretch>
             <a:fillRect/>
           </a:stretch>
@@ -8937,7 +8969,7 @@
 </file>
 
 <file path=ppt/slides/slide35.xml><?xml version="1.0" encoding="utf-8"?>
-<p:sld xmlns:a="http://schemas.openxmlformats.org/drawingml/2006/main" xmlns:p="http://schemas.openxmlformats.org/presentationml/2006/main" xmlns:r="http://schemas.openxmlformats.org/officeDocument/2006/relationships">
+<p:sld xmlns:a="http://schemas.openxmlformats.org/drawingml/2006/main" xmlns:r="http://schemas.openxmlformats.org/officeDocument/2006/relationships" xmlns:p="http://schemas.openxmlformats.org/presentationml/2006/main">
   <p:cSld>
     <p:spTree>
       <p:nvGrpSpPr>
@@ -9029,6 +9061,11 @@
               </a:rPr>
               <a:t>Copyright © 2021 by Elephant Scale, All Rights Reserved</a:t>
             </a:r>
+            <a:endParaRPr sz="800">
+              <a:solidFill>
+                <a:srgbClr val="000000"/>
+              </a:solidFill>
+            </a:endParaRPr>
           </a:p>
         </p:txBody>
       </p:sp>
@@ -9041,7 +9078,7 @@
           <p:nvPr/>
         </p:nvPicPr>
         <p:blipFill>
-          <a:blip r:embed="rId2"/>
+          <a:blip r:embed="rId1"/>
           <a:stretch>
             <a:fillRect/>
           </a:stretch>
@@ -9065,7 +9102,7 @@
 </file>
 
 <file path=ppt/slides/slide36.xml><?xml version="1.0" encoding="utf-8"?>
-<p:sld xmlns:a="http://schemas.openxmlformats.org/drawingml/2006/main" xmlns:p="http://schemas.openxmlformats.org/presentationml/2006/main" xmlns:r="http://schemas.openxmlformats.org/officeDocument/2006/relationships">
+<p:sld xmlns:a="http://schemas.openxmlformats.org/drawingml/2006/main" xmlns:r="http://schemas.openxmlformats.org/officeDocument/2006/relationships" xmlns:p="http://schemas.openxmlformats.org/presentationml/2006/main">
   <p:cSld>
     <p:spTree>
       <p:nvGrpSpPr>
@@ -9152,6 +9189,11 @@
               </a:rPr>
               <a:t>Copyright © 2021 by Elephant Scale, All Rights Reserved</a:t>
             </a:r>
+            <a:endParaRPr sz="800">
+              <a:solidFill>
+                <a:srgbClr val="000000"/>
+              </a:solidFill>
+            </a:endParaRPr>
           </a:p>
         </p:txBody>
       </p:sp>
@@ -9164,7 +9206,7 @@
           <p:nvPr/>
         </p:nvPicPr>
         <p:blipFill>
-          <a:blip r:embed="rId2"/>
+          <a:blip r:embed="rId1"/>
           <a:stretch>
             <a:fillRect/>
           </a:stretch>
@@ -9188,7 +9230,7 @@
 </file>
 
 <file path=ppt/slides/slide37.xml><?xml version="1.0" encoding="utf-8"?>
-<p:sld xmlns:a="http://schemas.openxmlformats.org/drawingml/2006/main" xmlns:p="http://schemas.openxmlformats.org/presentationml/2006/main" xmlns:r="http://schemas.openxmlformats.org/officeDocument/2006/relationships">
+<p:sld xmlns:a="http://schemas.openxmlformats.org/drawingml/2006/main" xmlns:r="http://schemas.openxmlformats.org/officeDocument/2006/relationships" xmlns:p="http://schemas.openxmlformats.org/presentationml/2006/main">
   <p:cSld>
     <p:spTree>
       <p:nvGrpSpPr>
@@ -9273,6 +9315,11 @@
               </a:rPr>
               <a:t>Copyright © 2021 by Elephant Scale, All Rights Reserved</a:t>
             </a:r>
+            <a:endParaRPr sz="800">
+              <a:solidFill>
+                <a:srgbClr val="000000"/>
+              </a:solidFill>
+            </a:endParaRPr>
           </a:p>
         </p:txBody>
       </p:sp>
@@ -9285,7 +9332,7 @@
           <p:nvPr/>
         </p:nvPicPr>
         <p:blipFill>
-          <a:blip r:embed="rId2"/>
+          <a:blip r:embed="rId1"/>
           <a:stretch>
             <a:fillRect/>
           </a:stretch>
@@ -9293,7 +9340,7 @@
         <p:spPr>
           <a:xfrm>
             <a:off x="0" y="1792224"/>
-            <a:ext cx="8496300" cy="520700"/>
+            <a:ext cx="8483600" cy="520700"/>
           </a:xfrm>
           <a:prstGeom prst="rect">
             <a:avLst/>
@@ -9309,7 +9356,7 @@
           <p:nvPr/>
         </p:nvPicPr>
         <p:blipFill>
-          <a:blip r:embed="rId3"/>
+          <a:blip r:embed="rId2"/>
           <a:stretch>
             <a:fillRect/>
           </a:stretch>
@@ -9333,7 +9380,7 @@
 </file>
 
 <file path=ppt/slides/slide38.xml><?xml version="1.0" encoding="utf-8"?>
-<p:sld xmlns:a="http://schemas.openxmlformats.org/drawingml/2006/main" xmlns:p="http://schemas.openxmlformats.org/presentationml/2006/main" xmlns:r="http://schemas.openxmlformats.org/officeDocument/2006/relationships">
+<p:sld xmlns:a="http://schemas.openxmlformats.org/drawingml/2006/main" xmlns:r="http://schemas.openxmlformats.org/officeDocument/2006/relationships" xmlns:p="http://schemas.openxmlformats.org/presentationml/2006/main">
   <p:cSld>
     <p:spTree>
       <p:nvGrpSpPr>
@@ -9420,6 +9467,11 @@
               </a:rPr>
               <a:t>Copyright © 2021 by Elephant Scale, All Rights Reserved</a:t>
             </a:r>
+            <a:endParaRPr sz="800">
+              <a:solidFill>
+                <a:srgbClr val="000000"/>
+              </a:solidFill>
+            </a:endParaRPr>
           </a:p>
         </p:txBody>
       </p:sp>
@@ -9432,7 +9484,7 @@
           <p:nvPr/>
         </p:nvPicPr>
         <p:blipFill>
-          <a:blip r:embed="rId2"/>
+          <a:blip r:embed="rId1"/>
           <a:stretch>
             <a:fillRect/>
           </a:stretch>
@@ -9456,7 +9508,7 @@
 </file>
 
 <file path=ppt/slides/slide39.xml><?xml version="1.0" encoding="utf-8"?>
-<p:sld xmlns:a="http://schemas.openxmlformats.org/drawingml/2006/main" xmlns:p="http://schemas.openxmlformats.org/presentationml/2006/main" xmlns:r="http://schemas.openxmlformats.org/officeDocument/2006/relationships">
+<p:sld xmlns:a="http://schemas.openxmlformats.org/drawingml/2006/main" xmlns:r="http://schemas.openxmlformats.org/officeDocument/2006/relationships" xmlns:p="http://schemas.openxmlformats.org/presentationml/2006/main">
   <p:cSld>
     <p:spTree>
       <p:nvGrpSpPr>
@@ -9543,6 +9595,11 @@
               </a:rPr>
               <a:t>Copyright © 2021 by Elephant Scale, All Rights Reserved</a:t>
             </a:r>
+            <a:endParaRPr sz="800">
+              <a:solidFill>
+                <a:srgbClr val="000000"/>
+              </a:solidFill>
+            </a:endParaRPr>
           </a:p>
         </p:txBody>
       </p:sp>
@@ -9555,7 +9612,7 @@
           <p:nvPr/>
         </p:nvPicPr>
         <p:blipFill>
-          <a:blip r:embed="rId2"/>
+          <a:blip r:embed="rId1"/>
           <a:stretch>
             <a:fillRect/>
           </a:stretch>
@@ -9579,7 +9636,7 @@
 </file>
 
 <file path=ppt/slides/slide4.xml><?xml version="1.0" encoding="utf-8"?>
-<p:sld xmlns:a="http://schemas.openxmlformats.org/drawingml/2006/main" xmlns:p="http://schemas.openxmlformats.org/presentationml/2006/main" xmlns:r="http://schemas.openxmlformats.org/officeDocument/2006/relationships">
+<p:sld xmlns:a="http://schemas.openxmlformats.org/drawingml/2006/main" xmlns:r="http://schemas.openxmlformats.org/officeDocument/2006/relationships" xmlns:p="http://schemas.openxmlformats.org/presentationml/2006/main">
   <p:cSld>
     <p:spTree>
       <p:nvGrpSpPr>
@@ -9694,6 +9751,11 @@
               </a:rPr>
               <a:t>Copyright © 2021 by Elephant Scale, All Rights Reserved</a:t>
             </a:r>
+            <a:endParaRPr sz="800">
+              <a:solidFill>
+                <a:srgbClr val="000000"/>
+              </a:solidFill>
+            </a:endParaRPr>
           </a:p>
         </p:txBody>
       </p:sp>
@@ -9706,7 +9768,7 @@
 </file>
 
 <file path=ppt/slides/slide40.xml><?xml version="1.0" encoding="utf-8"?>
-<p:sld xmlns:a="http://schemas.openxmlformats.org/drawingml/2006/main" xmlns:p="http://schemas.openxmlformats.org/presentationml/2006/main" xmlns:r="http://schemas.openxmlformats.org/officeDocument/2006/relationships">
+<p:sld xmlns:a="http://schemas.openxmlformats.org/drawingml/2006/main" xmlns:r="http://schemas.openxmlformats.org/officeDocument/2006/relationships" xmlns:p="http://schemas.openxmlformats.org/presentationml/2006/main">
   <p:cSld>
     <p:spTree>
       <p:nvGrpSpPr>
@@ -9796,6 +9858,11 @@
               </a:rPr>
               <a:t>Copyright © 2021 by Elephant Scale, All Rights Reserved</a:t>
             </a:r>
+            <a:endParaRPr sz="800">
+              <a:solidFill>
+                <a:srgbClr val="000000"/>
+              </a:solidFill>
+            </a:endParaRPr>
           </a:p>
         </p:txBody>
       </p:sp>
@@ -9808,7 +9875,7 @@
           <p:nvPr/>
         </p:nvPicPr>
         <p:blipFill>
-          <a:blip r:embed="rId2"/>
+          <a:blip r:embed="rId1"/>
           <a:stretch>
             <a:fillRect/>
           </a:stretch>
@@ -9832,7 +9899,7 @@
           <p:nvPr/>
         </p:nvPicPr>
         <p:blipFill>
-          <a:blip r:embed="rId3"/>
+          <a:blip r:embed="rId2"/>
           <a:stretch>
             <a:fillRect/>
           </a:stretch>
@@ -9856,7 +9923,7 @@
 </file>
 
 <file path=ppt/slides/slide41.xml><?xml version="1.0" encoding="utf-8"?>
-<p:sld xmlns:a="http://schemas.openxmlformats.org/drawingml/2006/main" xmlns:p="http://schemas.openxmlformats.org/presentationml/2006/main" xmlns:r="http://schemas.openxmlformats.org/officeDocument/2006/relationships">
+<p:sld xmlns:a="http://schemas.openxmlformats.org/drawingml/2006/main" xmlns:r="http://schemas.openxmlformats.org/officeDocument/2006/relationships" xmlns:p="http://schemas.openxmlformats.org/presentationml/2006/main">
   <p:cSld>
     <p:spTree>
       <p:nvGrpSpPr>
@@ -9938,6 +10005,11 @@
               </a:rPr>
               <a:t>Copyright © 2021 by Elephant Scale, All Rights Reserved</a:t>
             </a:r>
+            <a:endParaRPr sz="800">
+              <a:solidFill>
+                <a:srgbClr val="000000"/>
+              </a:solidFill>
+            </a:endParaRPr>
           </a:p>
         </p:txBody>
       </p:sp>
@@ -9950,7 +10022,7 @@
           <p:nvPr/>
         </p:nvPicPr>
         <p:blipFill>
-          <a:blip r:embed="rId2"/>
+          <a:blip r:embed="rId1"/>
           <a:stretch>
             <a:fillRect/>
           </a:stretch>
@@ -9974,7 +10046,7 @@
 </file>
 
 <file path=ppt/slides/slide42.xml><?xml version="1.0" encoding="utf-8"?>
-<p:sld xmlns:a="http://schemas.openxmlformats.org/drawingml/2006/main" xmlns:p="http://schemas.openxmlformats.org/presentationml/2006/main" xmlns:r="http://schemas.openxmlformats.org/officeDocument/2006/relationships">
+<p:sld xmlns:a="http://schemas.openxmlformats.org/drawingml/2006/main" xmlns:r="http://schemas.openxmlformats.org/officeDocument/2006/relationships" xmlns:p="http://schemas.openxmlformats.org/presentationml/2006/main">
   <p:cSld>
     <p:spTree>
       <p:nvGrpSpPr>
@@ -10090,6 +10162,11 @@
               </a:rPr>
               <a:t>Copyright © 2021 by Elephant Scale, All Rights Reserved</a:t>
             </a:r>
+            <a:endParaRPr sz="800">
+              <a:solidFill>
+                <a:srgbClr val="000000"/>
+              </a:solidFill>
+            </a:endParaRPr>
           </a:p>
         </p:txBody>
       </p:sp>
@@ -10102,7 +10179,7 @@
 </file>
 
 <file path=ppt/slides/slide43.xml><?xml version="1.0" encoding="utf-8"?>
-<p:sld xmlns:a="http://schemas.openxmlformats.org/drawingml/2006/main" xmlns:p="http://schemas.openxmlformats.org/presentationml/2006/main" xmlns:r="http://schemas.openxmlformats.org/officeDocument/2006/relationships">
+<p:sld xmlns:a="http://schemas.openxmlformats.org/drawingml/2006/main" xmlns:r="http://schemas.openxmlformats.org/officeDocument/2006/relationships" xmlns:p="http://schemas.openxmlformats.org/presentationml/2006/main">
   <p:cSld>
     <p:spTree>
       <p:nvGrpSpPr>
@@ -10191,6 +10268,11 @@
               </a:rPr>
               <a:t>Copyright © 2021 by Elephant Scale, All Rights Reserved</a:t>
             </a:r>
+            <a:endParaRPr sz="800">
+              <a:solidFill>
+                <a:srgbClr val="000000"/>
+              </a:solidFill>
+            </a:endParaRPr>
           </a:p>
         </p:txBody>
       </p:sp>
@@ -10203,15 +10285,15 @@
           <p:nvPr/>
         </p:nvPicPr>
         <p:blipFill>
-          <a:blip r:embed="rId2"/>
+          <a:blip r:embed="rId1"/>
           <a:stretch>
             <a:fillRect/>
           </a:stretch>
         </p:blipFill>
         <p:spPr>
           <a:xfrm>
-            <a:off x="0" y="1792224"/>
-            <a:ext cx="6807200" cy="6388100"/>
+            <a:off x="419100" y="2015490"/>
+            <a:ext cx="6267450" cy="5881370"/>
           </a:xfrm>
           <a:prstGeom prst="rect">
             <a:avLst/>
@@ -10227,7 +10309,7 @@
 </file>
 
 <file path=ppt/slides/slide44.xml><?xml version="1.0" encoding="utf-8"?>
-<p:sld xmlns:a="http://schemas.openxmlformats.org/drawingml/2006/main" xmlns:p="http://schemas.openxmlformats.org/presentationml/2006/main" xmlns:r="http://schemas.openxmlformats.org/officeDocument/2006/relationships">
+<p:sld xmlns:a="http://schemas.openxmlformats.org/drawingml/2006/main" xmlns:r="http://schemas.openxmlformats.org/officeDocument/2006/relationships" xmlns:p="http://schemas.openxmlformats.org/presentationml/2006/main">
   <p:cSld>
     <p:spTree>
       <p:nvGrpSpPr>
@@ -10309,6 +10391,11 @@
               </a:rPr>
               <a:t>Copyright © 2021 by Elephant Scale, All Rights Reserved</a:t>
             </a:r>
+            <a:endParaRPr sz="800">
+              <a:solidFill>
+                <a:srgbClr val="000000"/>
+              </a:solidFill>
+            </a:endParaRPr>
           </a:p>
         </p:txBody>
       </p:sp>
@@ -10321,15 +10408,15 @@
           <p:nvPr/>
         </p:nvPicPr>
         <p:blipFill>
-          <a:blip r:embed="rId2"/>
+          <a:blip r:embed="rId1"/>
           <a:stretch>
             <a:fillRect/>
           </a:stretch>
         </p:blipFill>
         <p:spPr>
           <a:xfrm>
-            <a:off x="0" y="1792224"/>
-            <a:ext cx="11074400" cy="520700"/>
+            <a:off x="0" y="1880235"/>
+            <a:ext cx="9203690" cy="432435"/>
           </a:xfrm>
           <a:prstGeom prst="rect">
             <a:avLst/>
@@ -10345,7 +10432,7 @@
 </file>
 
 <file path=ppt/slides/slide45.xml><?xml version="1.0" encoding="utf-8"?>
-<p:sld xmlns:a="http://schemas.openxmlformats.org/drawingml/2006/main" xmlns:p="http://schemas.openxmlformats.org/presentationml/2006/main" xmlns:r="http://schemas.openxmlformats.org/officeDocument/2006/relationships">
+<p:sld xmlns:a="http://schemas.openxmlformats.org/drawingml/2006/main" xmlns:r="http://schemas.openxmlformats.org/officeDocument/2006/relationships" xmlns:p="http://schemas.openxmlformats.org/presentationml/2006/main">
   <p:cSld>
     <p:spTree>
       <p:nvGrpSpPr>
@@ -10429,6 +10516,11 @@
               </a:rPr>
               <a:t>Copyright © 2021 by Elephant Scale, All Rights Reserved</a:t>
             </a:r>
+            <a:endParaRPr sz="800">
+              <a:solidFill>
+                <a:srgbClr val="000000"/>
+              </a:solidFill>
+            </a:endParaRPr>
           </a:p>
         </p:txBody>
       </p:sp>
@@ -10441,7 +10533,7 @@
           <p:nvPr/>
         </p:nvPicPr>
         <p:blipFill>
-          <a:blip r:embed="rId2"/>
+          <a:blip r:embed="rId1"/>
           <a:stretch>
             <a:fillRect/>
           </a:stretch>
@@ -10465,7 +10557,7 @@
           <p:nvPr/>
         </p:nvPicPr>
         <p:blipFill>
-          <a:blip r:embed="rId3"/>
+          <a:blip r:embed="rId2"/>
           <a:stretch>
             <a:fillRect/>
           </a:stretch>
@@ -10489,7 +10581,7 @@
 </file>
 
 <file path=ppt/slides/slide46.xml><?xml version="1.0" encoding="utf-8"?>
-<p:sld xmlns:a="http://schemas.openxmlformats.org/drawingml/2006/main" xmlns:p="http://schemas.openxmlformats.org/presentationml/2006/main" xmlns:r="http://schemas.openxmlformats.org/officeDocument/2006/relationships">
+<p:sld xmlns:a="http://schemas.openxmlformats.org/drawingml/2006/main" xmlns:r="http://schemas.openxmlformats.org/officeDocument/2006/relationships" xmlns:p="http://schemas.openxmlformats.org/presentationml/2006/main">
   <p:cSld>
     <p:spTree>
       <p:nvGrpSpPr>
@@ -10571,6 +10663,11 @@
               </a:rPr>
               <a:t>Copyright © 2021 by Elephant Scale, All Rights Reserved</a:t>
             </a:r>
+            <a:endParaRPr sz="800">
+              <a:solidFill>
+                <a:srgbClr val="000000"/>
+              </a:solidFill>
+            </a:endParaRPr>
           </a:p>
         </p:txBody>
       </p:sp>
@@ -10583,7 +10680,7 @@
           <p:nvPr/>
         </p:nvPicPr>
         <p:blipFill>
-          <a:blip r:embed="rId2"/>
+          <a:blip r:embed="rId1"/>
           <a:stretch>
             <a:fillRect/>
           </a:stretch>
@@ -10607,7 +10704,7 @@
 </file>
 
 <file path=ppt/slides/slide47.xml><?xml version="1.0" encoding="utf-8"?>
-<p:sld xmlns:a="http://schemas.openxmlformats.org/drawingml/2006/main" xmlns:p="http://schemas.openxmlformats.org/presentationml/2006/main" xmlns:r="http://schemas.openxmlformats.org/officeDocument/2006/relationships">
+<p:sld xmlns:a="http://schemas.openxmlformats.org/drawingml/2006/main" xmlns:r="http://schemas.openxmlformats.org/officeDocument/2006/relationships" xmlns:p="http://schemas.openxmlformats.org/presentationml/2006/main">
   <p:cSld>
     <p:spTree>
       <p:nvGrpSpPr>
@@ -10698,6 +10795,11 @@
               </a:rPr>
               <a:t>Copyright © 2021 by Elephant Scale, All Rights Reserved</a:t>
             </a:r>
+            <a:endParaRPr sz="800">
+              <a:solidFill>
+                <a:srgbClr val="000000"/>
+              </a:solidFill>
+            </a:endParaRPr>
           </a:p>
         </p:txBody>
       </p:sp>
@@ -10710,7 +10812,7 @@
           <p:nvPr/>
         </p:nvPicPr>
         <p:blipFill>
-          <a:blip r:embed="rId2"/>
+          <a:blip r:embed="rId1"/>
           <a:stretch>
             <a:fillRect/>
           </a:stretch>
@@ -10734,7 +10836,7 @@
           <p:nvPr/>
         </p:nvPicPr>
         <p:blipFill>
-          <a:blip r:embed="rId3"/>
+          <a:blip r:embed="rId2"/>
           <a:stretch>
             <a:fillRect/>
           </a:stretch>
@@ -10758,7 +10860,7 @@
 </file>
 
 <file path=ppt/slides/slide48.xml><?xml version="1.0" encoding="utf-8"?>
-<p:sld xmlns:a="http://schemas.openxmlformats.org/drawingml/2006/main" xmlns:p="http://schemas.openxmlformats.org/presentationml/2006/main" xmlns:r="http://schemas.openxmlformats.org/officeDocument/2006/relationships">
+<p:sld xmlns:a="http://schemas.openxmlformats.org/drawingml/2006/main" xmlns:r="http://schemas.openxmlformats.org/officeDocument/2006/relationships" xmlns:p="http://schemas.openxmlformats.org/presentationml/2006/main">
   <p:cSld>
     <p:spTree>
       <p:nvGrpSpPr>
@@ -10854,6 +10956,11 @@
               </a:rPr>
               <a:t>Copyright © 2021 by Elephant Scale, All Rights Reserved</a:t>
             </a:r>
+            <a:endParaRPr sz="800">
+              <a:solidFill>
+                <a:srgbClr val="000000"/>
+              </a:solidFill>
+            </a:endParaRPr>
           </a:p>
         </p:txBody>
       </p:sp>
@@ -10866,7 +10973,7 @@
           <p:nvPr/>
         </p:nvPicPr>
         <p:blipFill>
-          <a:blip r:embed="rId2"/>
+          <a:blip r:embed="rId1"/>
           <a:stretch>
             <a:fillRect/>
           </a:stretch>
@@ -10890,7 +10997,7 @@
           <p:nvPr/>
         </p:nvPicPr>
         <p:blipFill>
-          <a:blip r:embed="rId3"/>
+          <a:blip r:embed="rId2"/>
           <a:stretch>
             <a:fillRect/>
           </a:stretch>
@@ -10914,7 +11021,7 @@
 </file>
 
 <file path=ppt/slides/slide49.xml><?xml version="1.0" encoding="utf-8"?>
-<p:sld xmlns:a="http://schemas.openxmlformats.org/drawingml/2006/main" xmlns:p="http://schemas.openxmlformats.org/presentationml/2006/main" xmlns:r="http://schemas.openxmlformats.org/officeDocument/2006/relationships">
+<p:sld xmlns:a="http://schemas.openxmlformats.org/drawingml/2006/main" xmlns:r="http://schemas.openxmlformats.org/officeDocument/2006/relationships" xmlns:p="http://schemas.openxmlformats.org/presentationml/2006/main">
   <p:cSld>
     <p:spTree>
       <p:nvGrpSpPr>
@@ -10996,6 +11103,11 @@
               </a:rPr>
               <a:t>Copyright © 2021 by Elephant Scale, All Rights Reserved</a:t>
             </a:r>
+            <a:endParaRPr sz="800">
+              <a:solidFill>
+                <a:srgbClr val="000000"/>
+              </a:solidFill>
+            </a:endParaRPr>
           </a:p>
         </p:txBody>
       </p:sp>
@@ -11008,15 +11120,15 @@
           <p:nvPr/>
         </p:nvPicPr>
         <p:blipFill>
-          <a:blip r:embed="rId2"/>
+          <a:blip r:embed="rId1"/>
           <a:stretch>
             <a:fillRect/>
           </a:stretch>
         </p:blipFill>
         <p:spPr>
           <a:xfrm>
-            <a:off x="0" y="1792224"/>
-            <a:ext cx="11379200" cy="787400"/>
+            <a:off x="0" y="1941830"/>
+            <a:ext cx="9211310" cy="637540"/>
           </a:xfrm>
           <a:prstGeom prst="rect">
             <a:avLst/>
@@ -11032,7 +11144,7 @@
 </file>
 
 <file path=ppt/slides/slide5.xml><?xml version="1.0" encoding="utf-8"?>
-<p:sld xmlns:a="http://schemas.openxmlformats.org/drawingml/2006/main" xmlns:p="http://schemas.openxmlformats.org/presentationml/2006/main" xmlns:r="http://schemas.openxmlformats.org/officeDocument/2006/relationships">
+<p:sld xmlns:a="http://schemas.openxmlformats.org/drawingml/2006/main" xmlns:r="http://schemas.openxmlformats.org/officeDocument/2006/relationships" xmlns:p="http://schemas.openxmlformats.org/presentationml/2006/main">
   <p:cSld>
     <p:spTree>
       <p:nvGrpSpPr>
@@ -11142,6 +11254,11 @@
               </a:rPr>
               <a:t>Copyright © 2021 by Elephant Scale, All Rights Reserved</a:t>
             </a:r>
+            <a:endParaRPr sz="800">
+              <a:solidFill>
+                <a:srgbClr val="000000"/>
+              </a:solidFill>
+            </a:endParaRPr>
           </a:p>
         </p:txBody>
       </p:sp>
@@ -11154,7 +11271,7 @@
 </file>
 
 <file path=ppt/slides/slide50.xml><?xml version="1.0" encoding="utf-8"?>
-<p:sld xmlns:a="http://schemas.openxmlformats.org/drawingml/2006/main" xmlns:p="http://schemas.openxmlformats.org/presentationml/2006/main" xmlns:r="http://schemas.openxmlformats.org/officeDocument/2006/relationships">
+<p:sld xmlns:a="http://schemas.openxmlformats.org/drawingml/2006/main" xmlns:r="http://schemas.openxmlformats.org/officeDocument/2006/relationships" xmlns:p="http://schemas.openxmlformats.org/presentationml/2006/main">
   <p:cSld>
     <p:spTree>
       <p:nvGrpSpPr>
@@ -11239,6 +11356,11 @@
               </a:rPr>
               <a:t>Copyright © 2021 by Elephant Scale, All Rights Reserved</a:t>
             </a:r>
+            <a:endParaRPr sz="800">
+              <a:solidFill>
+                <a:srgbClr val="000000"/>
+              </a:solidFill>
+            </a:endParaRPr>
           </a:p>
         </p:txBody>
       </p:sp>
@@ -11251,7 +11373,7 @@
           <p:nvPr/>
         </p:nvPicPr>
         <p:blipFill>
-          <a:blip r:embed="rId2"/>
+          <a:blip r:embed="rId1"/>
           <a:stretch>
             <a:fillRect/>
           </a:stretch>
@@ -11275,14 +11397,14 @@
           <p:nvPr/>
         </p:nvPicPr>
         <p:blipFill>
-          <a:blip r:embed="rId3"/>
+          <a:blip r:embed="rId2"/>
           <a:stretch>
             <a:fillRect/>
           </a:stretch>
         </p:blipFill>
         <p:spPr>
           <a:xfrm>
-            <a:off x="704088" y="1792224"/>
+            <a:off x="647573" y="2168144"/>
             <a:ext cx="7924800" cy="1663700"/>
           </a:xfrm>
           <a:prstGeom prst="rect">
@@ -11299,7 +11421,7 @@
 </file>
 
 <file path=ppt/slides/slide51.xml><?xml version="1.0" encoding="utf-8"?>
-<p:sld xmlns:a="http://schemas.openxmlformats.org/drawingml/2006/main" xmlns:p="http://schemas.openxmlformats.org/presentationml/2006/main" xmlns:r="http://schemas.openxmlformats.org/officeDocument/2006/relationships">
+<p:sld xmlns:a="http://schemas.openxmlformats.org/drawingml/2006/main" xmlns:r="http://schemas.openxmlformats.org/officeDocument/2006/relationships" xmlns:p="http://schemas.openxmlformats.org/presentationml/2006/main">
   <p:cSld>
     <p:spTree>
       <p:nvGrpSpPr>
@@ -11315,7 +11437,7 @@
             <a:spLocks noGrp="1"/>
           </p:cNvSpPr>
           <p:nvPr>
-            <p:ph type="subTitle" idx="1" sz="quarter"/>
+            <p:ph type="subTitle" sz="quarter" idx="1"/>
           </p:nvPr>
         </p:nvSpPr>
         <p:spPr/>
@@ -11343,6 +11465,7 @@
               <a:t>Secret management
 </a:t>
             </a:r>
+            <a:endParaRPr b="1"/>
           </a:p>
         </p:txBody>
       </p:sp>
@@ -11358,20 +11481,12 @@
         </p:nvSpPr>
         <p:spPr/>
         <p:txBody>
-          <a:bodyPr wrap="square">
-            <a:noAutofit/>
-          </a:bodyPr>
-          <a:lstStyle/>
-          <a:p>
-            <a:r>
-              <a:rPr sz="4200" b="1" i="0">
-                <a:latin typeface="Times New Roman"/>
-              </a:rPr>
+          <a:bodyPr/>
+          <a:lstStyle/>
+          <a:p>
+            <a:r>
               <a:t>Secret management</a:t>
             </a:r>
-            <a:endParaRPr sz="4200" b="1" i="0">
-              <a:latin typeface="Times New Roman"/>
-            </a:endParaRPr>
           </a:p>
         </p:txBody>
       </p:sp>
@@ -11405,6 +11520,11 @@
               </a:rPr>
               <a:t>Copyright © 2021 by Elephant Scale, All Rights Reserved</a:t>
             </a:r>
+            <a:endParaRPr sz="800">
+              <a:solidFill>
+                <a:srgbClr val="000000"/>
+              </a:solidFill>
+            </a:endParaRPr>
           </a:p>
         </p:txBody>
       </p:sp>
@@ -11417,7 +11537,7 @@
 </file>
 
 <file path=ppt/slides/slide52.xml><?xml version="1.0" encoding="utf-8"?>
-<p:sld xmlns:a="http://schemas.openxmlformats.org/drawingml/2006/main" xmlns:p="http://schemas.openxmlformats.org/presentationml/2006/main" xmlns:r="http://schemas.openxmlformats.org/officeDocument/2006/relationships">
+<p:sld xmlns:a="http://schemas.openxmlformats.org/drawingml/2006/main" xmlns:r="http://schemas.openxmlformats.org/officeDocument/2006/relationships" xmlns:p="http://schemas.openxmlformats.org/presentationml/2006/main">
   <p:cSld>
     <p:spTree>
       <p:nvGrpSpPr>
@@ -11523,6 +11643,11 @@
               </a:rPr>
               <a:t>Copyright © 2021 by Elephant Scale, All Rights Reserved</a:t>
             </a:r>
+            <a:endParaRPr sz="800">
+              <a:solidFill>
+                <a:srgbClr val="000000"/>
+              </a:solidFill>
+            </a:endParaRPr>
           </a:p>
         </p:txBody>
       </p:sp>
@@ -11535,7 +11660,7 @@
 </file>
 
 <file path=ppt/slides/slide53.xml><?xml version="1.0" encoding="utf-8"?>
-<p:sld xmlns:a="http://schemas.openxmlformats.org/drawingml/2006/main" xmlns:p="http://schemas.openxmlformats.org/presentationml/2006/main" xmlns:r="http://schemas.openxmlformats.org/officeDocument/2006/relationships">
+<p:sld xmlns:a="http://schemas.openxmlformats.org/drawingml/2006/main" xmlns:r="http://schemas.openxmlformats.org/officeDocument/2006/relationships" xmlns:p="http://schemas.openxmlformats.org/presentationml/2006/main">
   <p:cSld>
     <p:spTree>
       <p:nvGrpSpPr>
@@ -11641,6 +11766,11 @@
               </a:rPr>
               <a:t>Copyright © 2021 by Elephant Scale, All Rights Reserved</a:t>
             </a:r>
+            <a:endParaRPr sz="800">
+              <a:solidFill>
+                <a:srgbClr val="000000"/>
+              </a:solidFill>
+            </a:endParaRPr>
           </a:p>
         </p:txBody>
       </p:sp>
@@ -11653,7 +11783,7 @@
 </file>
 
 <file path=ppt/slides/slide54.xml><?xml version="1.0" encoding="utf-8"?>
-<p:sld xmlns:a="http://schemas.openxmlformats.org/drawingml/2006/main" xmlns:p="http://schemas.openxmlformats.org/presentationml/2006/main" xmlns:r="http://schemas.openxmlformats.org/officeDocument/2006/relationships">
+<p:sld xmlns:a="http://schemas.openxmlformats.org/drawingml/2006/main" xmlns:r="http://schemas.openxmlformats.org/officeDocument/2006/relationships" xmlns:p="http://schemas.openxmlformats.org/presentationml/2006/main">
   <p:cSld>
     <p:spTree>
       <p:nvGrpSpPr>
@@ -11744,6 +11874,11 @@
               </a:rPr>
               <a:t>Copyright © 2021 by Elephant Scale, All Rights Reserved</a:t>
             </a:r>
+            <a:endParaRPr sz="800">
+              <a:solidFill>
+                <a:srgbClr val="000000"/>
+              </a:solidFill>
+            </a:endParaRPr>
           </a:p>
         </p:txBody>
       </p:sp>
@@ -11756,7 +11891,7 @@
 </file>
 
 <file path=ppt/slides/slide55.xml><?xml version="1.0" encoding="utf-8"?>
-<p:sld xmlns:a="http://schemas.openxmlformats.org/drawingml/2006/main" xmlns:p="http://schemas.openxmlformats.org/presentationml/2006/main" xmlns:r="http://schemas.openxmlformats.org/officeDocument/2006/relationships">
+<p:sld xmlns:a="http://schemas.openxmlformats.org/drawingml/2006/main" xmlns:r="http://schemas.openxmlformats.org/officeDocument/2006/relationships" xmlns:p="http://schemas.openxmlformats.org/presentationml/2006/main">
   <p:cSld>
     <p:spTree>
       <p:nvGrpSpPr>
@@ -11854,6 +11989,11 @@
               </a:rPr>
               <a:t>Copyright © 2021 by Elephant Scale, All Rights Reserved</a:t>
             </a:r>
+            <a:endParaRPr sz="800">
+              <a:solidFill>
+                <a:srgbClr val="000000"/>
+              </a:solidFill>
+            </a:endParaRPr>
           </a:p>
         </p:txBody>
       </p:sp>
@@ -11866,7 +12006,7 @@
 </file>
 
 <file path=ppt/slides/slide56.xml><?xml version="1.0" encoding="utf-8"?>
-<p:sld xmlns:a="http://schemas.openxmlformats.org/drawingml/2006/main" xmlns:p="http://schemas.openxmlformats.org/presentationml/2006/main" xmlns:r="http://schemas.openxmlformats.org/officeDocument/2006/relationships">
+<p:sld xmlns:a="http://schemas.openxmlformats.org/drawingml/2006/main" xmlns:r="http://schemas.openxmlformats.org/officeDocument/2006/relationships" xmlns:p="http://schemas.openxmlformats.org/presentationml/2006/main">
   <p:cSld>
     <p:spTree>
       <p:nvGrpSpPr>
@@ -11949,6 +12089,11 @@
               </a:rPr>
               <a:t>Copyright © 2021 by Elephant Scale, All Rights Reserved</a:t>
             </a:r>
+            <a:endParaRPr sz="800">
+              <a:solidFill>
+                <a:srgbClr val="000000"/>
+              </a:solidFill>
+            </a:endParaRPr>
           </a:p>
         </p:txBody>
       </p:sp>
@@ -11961,15 +12106,15 @@
           <p:nvPr/>
         </p:nvPicPr>
         <p:blipFill>
-          <a:blip r:embed="rId2"/>
+          <a:blip r:embed="rId1"/>
           <a:stretch>
             <a:fillRect/>
           </a:stretch>
         </p:blipFill>
         <p:spPr>
           <a:xfrm>
-            <a:off x="704088" y="914400"/>
-            <a:ext cx="11442700" cy="3886200"/>
+            <a:off x="704215" y="1881505"/>
+            <a:ext cx="8594725" cy="2919095"/>
           </a:xfrm>
           <a:prstGeom prst="rect">
             <a:avLst/>
@@ -11985,7 +12130,7 @@
 </file>
 
 <file path=ppt/slides/slide57.xml><?xml version="1.0" encoding="utf-8"?>
-<p:sld xmlns:a="http://schemas.openxmlformats.org/drawingml/2006/main" xmlns:p="http://schemas.openxmlformats.org/presentationml/2006/main" xmlns:r="http://schemas.openxmlformats.org/officeDocument/2006/relationships">
+<p:sld xmlns:a="http://schemas.openxmlformats.org/drawingml/2006/main" xmlns:r="http://schemas.openxmlformats.org/officeDocument/2006/relationships" xmlns:p="http://schemas.openxmlformats.org/presentationml/2006/main">
   <p:cSld>
     <p:spTree>
       <p:nvGrpSpPr>
@@ -12084,6 +12229,11 @@
               </a:rPr>
               <a:t>Copyright © 2021 by Elephant Scale, All Rights Reserved</a:t>
             </a:r>
+            <a:endParaRPr sz="800">
+              <a:solidFill>
+                <a:srgbClr val="000000"/>
+              </a:solidFill>
+            </a:endParaRPr>
           </a:p>
         </p:txBody>
       </p:sp>
@@ -12096,7 +12246,7 @@
 </file>
 
 <file path=ppt/slides/slide58.xml><?xml version="1.0" encoding="utf-8"?>
-<p:sld xmlns:a="http://schemas.openxmlformats.org/drawingml/2006/main" xmlns:p="http://schemas.openxmlformats.org/presentationml/2006/main" xmlns:r="http://schemas.openxmlformats.org/officeDocument/2006/relationships">
+<p:sld xmlns:a="http://schemas.openxmlformats.org/drawingml/2006/main" xmlns:r="http://schemas.openxmlformats.org/officeDocument/2006/relationships" xmlns:p="http://schemas.openxmlformats.org/presentationml/2006/main">
   <p:cSld>
     <p:spTree>
       <p:nvGrpSpPr>
@@ -12195,6 +12345,11 @@
               </a:rPr>
               <a:t>Copyright © 2021 by Elephant Scale, All Rights Reserved</a:t>
             </a:r>
+            <a:endParaRPr sz="800">
+              <a:solidFill>
+                <a:srgbClr val="000000"/>
+              </a:solidFill>
+            </a:endParaRPr>
           </a:p>
         </p:txBody>
       </p:sp>
@@ -12207,7 +12362,7 @@
 </file>
 
 <file path=ppt/slides/slide59.xml><?xml version="1.0" encoding="utf-8"?>
-<p:sld xmlns:a="http://schemas.openxmlformats.org/drawingml/2006/main" xmlns:p="http://schemas.openxmlformats.org/presentationml/2006/main" xmlns:r="http://schemas.openxmlformats.org/officeDocument/2006/relationships">
+<p:sld xmlns:a="http://schemas.openxmlformats.org/drawingml/2006/main" xmlns:r="http://schemas.openxmlformats.org/officeDocument/2006/relationships" xmlns:p="http://schemas.openxmlformats.org/presentationml/2006/main">
   <p:cSld>
     <p:spTree>
       <p:nvGrpSpPr>
@@ -12323,6 +12478,11 @@
               </a:rPr>
               <a:t>Copyright © 2021 by Elephant Scale, All Rights Reserved</a:t>
             </a:r>
+            <a:endParaRPr sz="800">
+              <a:solidFill>
+                <a:srgbClr val="000000"/>
+              </a:solidFill>
+            </a:endParaRPr>
           </a:p>
         </p:txBody>
       </p:sp>
@@ -12335,7 +12495,7 @@
 </file>
 
 <file path=ppt/slides/slide6.xml><?xml version="1.0" encoding="utf-8"?>
-<p:sld xmlns:a="http://schemas.openxmlformats.org/drawingml/2006/main" xmlns:p="http://schemas.openxmlformats.org/presentationml/2006/main" xmlns:r="http://schemas.openxmlformats.org/officeDocument/2006/relationships">
+<p:sld xmlns:a="http://schemas.openxmlformats.org/drawingml/2006/main" xmlns:r="http://schemas.openxmlformats.org/officeDocument/2006/relationships" xmlns:p="http://schemas.openxmlformats.org/presentationml/2006/main">
   <p:cSld>
     <p:spTree>
       <p:nvGrpSpPr>
@@ -12433,6 +12593,11 @@
               </a:rPr>
               <a:t>Copyright © 2021 by Elephant Scale, All Rights Reserved</a:t>
             </a:r>
+            <a:endParaRPr sz="800">
+              <a:solidFill>
+                <a:srgbClr val="000000"/>
+              </a:solidFill>
+            </a:endParaRPr>
           </a:p>
         </p:txBody>
       </p:sp>
@@ -12445,7 +12610,7 @@
 </file>
 
 <file path=ppt/slides/slide60.xml><?xml version="1.0" encoding="utf-8"?>
-<p:sld xmlns:a="http://schemas.openxmlformats.org/drawingml/2006/main" xmlns:p="http://schemas.openxmlformats.org/presentationml/2006/main" xmlns:r="http://schemas.openxmlformats.org/officeDocument/2006/relationships">
+<p:sld xmlns:a="http://schemas.openxmlformats.org/drawingml/2006/main" xmlns:r="http://schemas.openxmlformats.org/officeDocument/2006/relationships" xmlns:p="http://schemas.openxmlformats.org/presentationml/2006/main">
   <p:cSld>
     <p:spTree>
       <p:nvGrpSpPr>
@@ -12529,6 +12694,11 @@
               </a:rPr>
               <a:t>Copyright © 2021 by Elephant Scale, All Rights Reserved</a:t>
             </a:r>
+            <a:endParaRPr sz="800">
+              <a:solidFill>
+                <a:srgbClr val="000000"/>
+              </a:solidFill>
+            </a:endParaRPr>
           </a:p>
         </p:txBody>
       </p:sp>
@@ -12541,15 +12711,15 @@
           <p:nvPr/>
         </p:nvPicPr>
         <p:blipFill>
-          <a:blip r:embed="rId2"/>
+          <a:blip r:embed="rId1"/>
           <a:stretch>
             <a:fillRect/>
           </a:stretch>
         </p:blipFill>
         <p:spPr>
           <a:xfrm>
-            <a:off x="704088" y="914400"/>
-            <a:ext cx="11480800" cy="4546600"/>
+            <a:off x="308610" y="1939290"/>
+            <a:ext cx="8829040" cy="3496310"/>
           </a:xfrm>
           <a:prstGeom prst="rect">
             <a:avLst/>
@@ -12565,7 +12735,7 @@
 </file>
 
 <file path=ppt/slides/slide61.xml><?xml version="1.0" encoding="utf-8"?>
-<p:sld xmlns:a="http://schemas.openxmlformats.org/drawingml/2006/main" xmlns:p="http://schemas.openxmlformats.org/presentationml/2006/main" xmlns:r="http://schemas.openxmlformats.org/officeDocument/2006/relationships">
+<p:sld xmlns:a="http://schemas.openxmlformats.org/drawingml/2006/main" xmlns:r="http://schemas.openxmlformats.org/officeDocument/2006/relationships" xmlns:p="http://schemas.openxmlformats.org/presentationml/2006/main">
   <p:cSld>
     <p:spTree>
       <p:nvGrpSpPr>
@@ -12661,6 +12831,11 @@
               </a:rPr>
               <a:t>Copyright © 2021 by Elephant Scale, All Rights Reserved</a:t>
             </a:r>
+            <a:endParaRPr sz="800">
+              <a:solidFill>
+                <a:srgbClr val="000000"/>
+              </a:solidFill>
+            </a:endParaRPr>
           </a:p>
         </p:txBody>
       </p:sp>
@@ -12673,7 +12848,7 @@
 </file>
 
 <file path=ppt/slides/slide62.xml><?xml version="1.0" encoding="utf-8"?>
-<p:sld xmlns:a="http://schemas.openxmlformats.org/drawingml/2006/main" xmlns:p="http://schemas.openxmlformats.org/presentationml/2006/main" xmlns:r="http://schemas.openxmlformats.org/officeDocument/2006/relationships">
+<p:sld xmlns:a="http://schemas.openxmlformats.org/drawingml/2006/main" xmlns:r="http://schemas.openxmlformats.org/officeDocument/2006/relationships" xmlns:p="http://schemas.openxmlformats.org/presentationml/2006/main">
   <p:cSld>
     <p:spTree>
       <p:nvGrpSpPr>
@@ -12759,6 +12934,11 @@
               </a:rPr>
               <a:t>Copyright © 2021 by Elephant Scale, All Rights Reserved</a:t>
             </a:r>
+            <a:endParaRPr sz="800">
+              <a:solidFill>
+                <a:srgbClr val="000000"/>
+              </a:solidFill>
+            </a:endParaRPr>
           </a:p>
         </p:txBody>
       </p:sp>
@@ -12771,7 +12951,7 @@
 </file>
 
 <file path=ppt/slides/slide63.xml><?xml version="1.0" encoding="utf-8"?>
-<p:sld xmlns:a="http://schemas.openxmlformats.org/drawingml/2006/main" xmlns:p="http://schemas.openxmlformats.org/presentationml/2006/main" xmlns:r="http://schemas.openxmlformats.org/officeDocument/2006/relationships">
+<p:sld xmlns:a="http://schemas.openxmlformats.org/drawingml/2006/main" xmlns:r="http://schemas.openxmlformats.org/officeDocument/2006/relationships" xmlns:p="http://schemas.openxmlformats.org/presentationml/2006/main">
   <p:cSld>
     <p:spTree>
       <p:nvGrpSpPr>
@@ -12857,6 +13037,11 @@
               </a:rPr>
               <a:t>Copyright © 2021 by Elephant Scale, All Rights Reserved</a:t>
             </a:r>
+            <a:endParaRPr sz="800">
+              <a:solidFill>
+                <a:srgbClr val="000000"/>
+              </a:solidFill>
+            </a:endParaRPr>
           </a:p>
         </p:txBody>
       </p:sp>
@@ -12869,7 +13054,7 @@
 </file>
 
 <file path=ppt/slides/slide64.xml><?xml version="1.0" encoding="utf-8"?>
-<p:sld xmlns:a="http://schemas.openxmlformats.org/drawingml/2006/main" xmlns:p="http://schemas.openxmlformats.org/presentationml/2006/main" xmlns:r="http://schemas.openxmlformats.org/officeDocument/2006/relationships">
+<p:sld xmlns:a="http://schemas.openxmlformats.org/drawingml/2006/main" xmlns:r="http://schemas.openxmlformats.org/officeDocument/2006/relationships" xmlns:p="http://schemas.openxmlformats.org/presentationml/2006/main">
   <p:cSld>
     <p:spTree>
       <p:nvGrpSpPr>
@@ -12955,6 +13140,11 @@
               </a:rPr>
               <a:t>Copyright © 2021 by Elephant Scale, All Rights Reserved</a:t>
             </a:r>
+            <a:endParaRPr sz="800">
+              <a:solidFill>
+                <a:srgbClr val="000000"/>
+              </a:solidFill>
+            </a:endParaRPr>
           </a:p>
         </p:txBody>
       </p:sp>
@@ -12967,7 +13157,7 @@
 </file>
 
 <file path=ppt/slides/slide65.xml><?xml version="1.0" encoding="utf-8"?>
-<p:sld xmlns:a="http://schemas.openxmlformats.org/drawingml/2006/main" xmlns:p="http://schemas.openxmlformats.org/presentationml/2006/main" xmlns:r="http://schemas.openxmlformats.org/officeDocument/2006/relationships">
+<p:sld xmlns:a="http://schemas.openxmlformats.org/drawingml/2006/main" xmlns:r="http://schemas.openxmlformats.org/officeDocument/2006/relationships" xmlns:p="http://schemas.openxmlformats.org/presentationml/2006/main">
   <p:cSld>
     <p:spTree>
       <p:nvGrpSpPr>
@@ -13064,6 +13254,11 @@
               </a:rPr>
               <a:t>Copyright © 2021 by Elephant Scale, All Rights Reserved</a:t>
             </a:r>
+            <a:endParaRPr sz="800">
+              <a:solidFill>
+                <a:srgbClr val="000000"/>
+              </a:solidFill>
+            </a:endParaRPr>
           </a:p>
         </p:txBody>
       </p:sp>
@@ -13076,7 +13271,7 @@
 </file>
 
 <file path=ppt/slides/slide66.xml><?xml version="1.0" encoding="utf-8"?>
-<p:sld xmlns:a="http://schemas.openxmlformats.org/drawingml/2006/main" xmlns:p="http://schemas.openxmlformats.org/presentationml/2006/main" xmlns:r="http://schemas.openxmlformats.org/officeDocument/2006/relationships">
+<p:sld xmlns:a="http://schemas.openxmlformats.org/drawingml/2006/main" xmlns:r="http://schemas.openxmlformats.org/officeDocument/2006/relationships" xmlns:p="http://schemas.openxmlformats.org/presentationml/2006/main">
   <p:cSld>
     <p:spTree>
       <p:nvGrpSpPr>
@@ -13162,6 +13357,11 @@
               </a:rPr>
               <a:t>Copyright © 2021 by Elephant Scale, All Rights Reserved</a:t>
             </a:r>
+            <a:endParaRPr sz="800">
+              <a:solidFill>
+                <a:srgbClr val="000000"/>
+              </a:solidFill>
+            </a:endParaRPr>
           </a:p>
         </p:txBody>
       </p:sp>
@@ -13174,7 +13374,7 @@
 </file>
 
 <file path=ppt/slides/slide67.xml><?xml version="1.0" encoding="utf-8"?>
-<p:sld xmlns:a="http://schemas.openxmlformats.org/drawingml/2006/main" xmlns:p="http://schemas.openxmlformats.org/presentationml/2006/main" xmlns:r="http://schemas.openxmlformats.org/officeDocument/2006/relationships">
+<p:sld xmlns:a="http://schemas.openxmlformats.org/drawingml/2006/main" xmlns:r="http://schemas.openxmlformats.org/officeDocument/2006/relationships" xmlns:p="http://schemas.openxmlformats.org/presentationml/2006/main">
   <p:cSld>
     <p:spTree>
       <p:nvGrpSpPr>
@@ -13266,6 +13466,11 @@
               </a:rPr>
               <a:t>Copyright © 2021 by Elephant Scale, All Rights Reserved</a:t>
             </a:r>
+            <a:endParaRPr sz="800">
+              <a:solidFill>
+                <a:srgbClr val="000000"/>
+              </a:solidFill>
+            </a:endParaRPr>
           </a:p>
         </p:txBody>
       </p:sp>
@@ -13278,7 +13483,7 @@
 </file>
 
 <file path=ppt/slides/slide68.xml><?xml version="1.0" encoding="utf-8"?>
-<p:sld xmlns:a="http://schemas.openxmlformats.org/drawingml/2006/main" xmlns:p="http://schemas.openxmlformats.org/presentationml/2006/main" xmlns:r="http://schemas.openxmlformats.org/officeDocument/2006/relationships">
+<p:sld xmlns:a="http://schemas.openxmlformats.org/drawingml/2006/main" xmlns:r="http://schemas.openxmlformats.org/officeDocument/2006/relationships" xmlns:p="http://schemas.openxmlformats.org/presentationml/2006/main">
   <p:cSld>
     <p:spTree>
       <p:nvGrpSpPr>
@@ -13362,6 +13567,11 @@
               </a:rPr>
               <a:t>Copyright © 2021 by Elephant Scale, All Rights Reserved</a:t>
             </a:r>
+            <a:endParaRPr sz="800">
+              <a:solidFill>
+                <a:srgbClr val="000000"/>
+              </a:solidFill>
+            </a:endParaRPr>
           </a:p>
         </p:txBody>
       </p:sp>
@@ -13374,15 +13584,15 @@
           <p:nvPr/>
         </p:nvPicPr>
         <p:blipFill>
-          <a:blip r:embed="rId2"/>
+          <a:blip r:embed="rId1"/>
           <a:stretch>
             <a:fillRect/>
           </a:stretch>
         </p:blipFill>
         <p:spPr>
           <a:xfrm>
-            <a:off x="704088" y="914400"/>
-            <a:ext cx="11264900" cy="4584700"/>
+            <a:off x="704215" y="2096770"/>
+            <a:ext cx="8359775" cy="3402330"/>
           </a:xfrm>
           <a:prstGeom prst="rect">
             <a:avLst/>
@@ -13398,7 +13608,7 @@
 </file>
 
 <file path=ppt/slides/slide69.xml><?xml version="1.0" encoding="utf-8"?>
-<p:sld xmlns:a="http://schemas.openxmlformats.org/drawingml/2006/main" xmlns:p="http://schemas.openxmlformats.org/presentationml/2006/main" xmlns:r="http://schemas.openxmlformats.org/officeDocument/2006/relationships">
+<p:sld xmlns:a="http://schemas.openxmlformats.org/drawingml/2006/main" xmlns:r="http://schemas.openxmlformats.org/officeDocument/2006/relationships" xmlns:p="http://schemas.openxmlformats.org/presentationml/2006/main">
   <p:cSld>
     <p:spTree>
       <p:nvGrpSpPr>
@@ -13448,7 +13658,7 @@
             </a:r>
             <a:r>
               <a:rPr>
-                <a:latin typeface="Courier New"/>
+                <a:latin typeface="Courier New" panose="02070309020205020404"/>
               </a:rPr>
               <a:t> /database/rotate-root/:name</a:t>
             </a:r>
@@ -13497,6 +13707,11 @@
               </a:rPr>
               <a:t>Copyright © 2021 by Elephant Scale, All Rights Reserved</a:t>
             </a:r>
+            <a:endParaRPr sz="800">
+              <a:solidFill>
+                <a:srgbClr val="000000"/>
+              </a:solidFill>
+            </a:endParaRPr>
           </a:p>
         </p:txBody>
       </p:sp>
@@ -13509,7 +13724,7 @@
 </file>
 
 <file path=ppt/slides/slide7.xml><?xml version="1.0" encoding="utf-8"?>
-<p:sld xmlns:a="http://schemas.openxmlformats.org/drawingml/2006/main" xmlns:p="http://schemas.openxmlformats.org/presentationml/2006/main" xmlns:r="http://schemas.openxmlformats.org/officeDocument/2006/relationships">
+<p:sld xmlns:a="http://schemas.openxmlformats.org/drawingml/2006/main" xmlns:r="http://schemas.openxmlformats.org/officeDocument/2006/relationships" xmlns:p="http://schemas.openxmlformats.org/presentationml/2006/main">
   <p:cSld>
     <p:spTree>
       <p:nvGrpSpPr>
@@ -13608,6 +13823,11 @@
               </a:rPr>
               <a:t>Copyright © 2021 by Elephant Scale, All Rights Reserved</a:t>
             </a:r>
+            <a:endParaRPr sz="800">
+              <a:solidFill>
+                <a:srgbClr val="000000"/>
+              </a:solidFill>
+            </a:endParaRPr>
           </a:p>
         </p:txBody>
       </p:sp>
@@ -13620,7 +13840,7 @@
 </file>
 
 <file path=ppt/slides/slide70.xml><?xml version="1.0" encoding="utf-8"?>
-<p:sld xmlns:a="http://schemas.openxmlformats.org/drawingml/2006/main" xmlns:p="http://schemas.openxmlformats.org/presentationml/2006/main" xmlns:r="http://schemas.openxmlformats.org/officeDocument/2006/relationships">
+<p:sld xmlns:a="http://schemas.openxmlformats.org/drawingml/2006/main" xmlns:r="http://schemas.openxmlformats.org/officeDocument/2006/relationships" xmlns:p="http://schemas.openxmlformats.org/presentationml/2006/main">
   <p:cSld>
     <p:spTree>
       <p:nvGrpSpPr>
@@ -13711,6 +13931,11 @@
               </a:rPr>
               <a:t>Copyright © 2021 by Elephant Scale, All Rights Reserved</a:t>
             </a:r>
+            <a:endParaRPr sz="800">
+              <a:solidFill>
+                <a:srgbClr val="000000"/>
+              </a:solidFill>
+            </a:endParaRPr>
           </a:p>
         </p:txBody>
       </p:sp>
@@ -13723,7 +13948,7 @@
 </file>
 
 <file path=ppt/slides/slide71.xml><?xml version="1.0" encoding="utf-8"?>
-<p:sld xmlns:a="http://schemas.openxmlformats.org/drawingml/2006/main" xmlns:p="http://schemas.openxmlformats.org/presentationml/2006/main" xmlns:r="http://schemas.openxmlformats.org/officeDocument/2006/relationships">
+<p:sld xmlns:a="http://schemas.openxmlformats.org/drawingml/2006/main" xmlns:r="http://schemas.openxmlformats.org/officeDocument/2006/relationships" xmlns:p="http://schemas.openxmlformats.org/presentationml/2006/main">
   <p:cSld>
     <p:spTree>
       <p:nvGrpSpPr>
@@ -13808,6 +14033,11 @@
               </a:rPr>
               <a:t>Copyright © 2021 by Elephant Scale, All Rights Reserved</a:t>
             </a:r>
+            <a:endParaRPr sz="800">
+              <a:solidFill>
+                <a:srgbClr val="000000"/>
+              </a:solidFill>
+            </a:endParaRPr>
           </a:p>
         </p:txBody>
       </p:sp>
@@ -13820,15 +14050,15 @@
           <p:nvPr/>
         </p:nvPicPr>
         <p:blipFill>
-          <a:blip r:embed="rId2"/>
+          <a:blip r:embed="rId1"/>
           <a:stretch>
             <a:fillRect/>
           </a:stretch>
         </p:blipFill>
         <p:spPr>
           <a:xfrm>
-            <a:off x="704088" y="914400"/>
-            <a:ext cx="11366500" cy="5156200"/>
+            <a:off x="704215" y="2211070"/>
+            <a:ext cx="8507730" cy="3859530"/>
           </a:xfrm>
           <a:prstGeom prst="rect">
             <a:avLst/>
@@ -13844,7 +14074,7 @@
 </file>
 
 <file path=ppt/slides/slide72.xml><?xml version="1.0" encoding="utf-8"?>
-<p:sld xmlns:a="http://schemas.openxmlformats.org/drawingml/2006/main" xmlns:p="http://schemas.openxmlformats.org/presentationml/2006/main" xmlns:r="http://schemas.openxmlformats.org/officeDocument/2006/relationships">
+<p:sld xmlns:a="http://schemas.openxmlformats.org/drawingml/2006/main" xmlns:r="http://schemas.openxmlformats.org/officeDocument/2006/relationships" xmlns:p="http://schemas.openxmlformats.org/presentationml/2006/main">
   <p:cSld>
     <p:spTree>
       <p:nvGrpSpPr>
@@ -13947,6 +14177,11 @@
               </a:rPr>
               <a:t>Copyright © 2021 by Elephant Scale, All Rights Reserved</a:t>
             </a:r>
+            <a:endParaRPr sz="800">
+              <a:solidFill>
+                <a:srgbClr val="000000"/>
+              </a:solidFill>
+            </a:endParaRPr>
           </a:p>
         </p:txBody>
       </p:sp>
@@ -13959,7 +14194,7 @@
 </file>
 
 <file path=ppt/slides/slide73.xml><?xml version="1.0" encoding="utf-8"?>
-<p:sld xmlns:a="http://schemas.openxmlformats.org/drawingml/2006/main" xmlns:p="http://schemas.openxmlformats.org/presentationml/2006/main" xmlns:r="http://schemas.openxmlformats.org/officeDocument/2006/relationships">
+<p:sld xmlns:a="http://schemas.openxmlformats.org/drawingml/2006/main" xmlns:r="http://schemas.openxmlformats.org/officeDocument/2006/relationships" xmlns:p="http://schemas.openxmlformats.org/presentationml/2006/main">
   <p:cSld>
     <p:spTree>
       <p:nvGrpSpPr>
@@ -14057,6 +14292,11 @@
               </a:rPr>
               <a:t>Copyright © 2021 by Elephant Scale, All Rights Reserved</a:t>
             </a:r>
+            <a:endParaRPr sz="800">
+              <a:solidFill>
+                <a:srgbClr val="000000"/>
+              </a:solidFill>
+            </a:endParaRPr>
           </a:p>
         </p:txBody>
       </p:sp>
@@ -14069,15 +14309,15 @@
           <p:nvPr/>
         </p:nvPicPr>
         <p:blipFill>
-          <a:blip r:embed="rId2"/>
+          <a:blip r:embed="rId1"/>
           <a:stretch>
             <a:fillRect/>
           </a:stretch>
         </p:blipFill>
         <p:spPr>
           <a:xfrm>
-            <a:off x="704088" y="2670048"/>
-            <a:ext cx="11811000" cy="3568700"/>
+            <a:off x="266700" y="3386455"/>
+            <a:ext cx="8378190" cy="2531745"/>
           </a:xfrm>
           <a:prstGeom prst="rect">
             <a:avLst/>
@@ -14093,7 +14333,7 @@
 </file>
 
 <file path=ppt/slides/slide8.xml><?xml version="1.0" encoding="utf-8"?>
-<p:sld xmlns:a="http://schemas.openxmlformats.org/drawingml/2006/main" xmlns:p="http://schemas.openxmlformats.org/presentationml/2006/main" xmlns:r="http://schemas.openxmlformats.org/officeDocument/2006/relationships">
+<p:sld xmlns:a="http://schemas.openxmlformats.org/drawingml/2006/main" xmlns:r="http://schemas.openxmlformats.org/officeDocument/2006/relationships" xmlns:p="http://schemas.openxmlformats.org/presentationml/2006/main">
   <p:cSld>
     <p:spTree>
       <p:nvGrpSpPr>
@@ -14186,6 +14426,11 @@
               </a:rPr>
               <a:t>Copyright © 2021 by Elephant Scale, All Rights Reserved</a:t>
             </a:r>
+            <a:endParaRPr sz="800">
+              <a:solidFill>
+                <a:srgbClr val="000000"/>
+              </a:solidFill>
+            </a:endParaRPr>
           </a:p>
         </p:txBody>
       </p:sp>
@@ -14198,7 +14443,7 @@
 </file>
 
 <file path=ppt/slides/slide9.xml><?xml version="1.0" encoding="utf-8"?>
-<p:sld xmlns:a="http://schemas.openxmlformats.org/drawingml/2006/main" xmlns:p="http://schemas.openxmlformats.org/presentationml/2006/main" xmlns:r="http://schemas.openxmlformats.org/officeDocument/2006/relationships">
+<p:sld xmlns:a="http://schemas.openxmlformats.org/drawingml/2006/main" xmlns:r="http://schemas.openxmlformats.org/officeDocument/2006/relationships" xmlns:p="http://schemas.openxmlformats.org/presentationml/2006/main">
   <p:cSld>
     <p:spTree>
       <p:nvGrpSpPr>
@@ -14297,6 +14542,11 @@
               </a:rPr>
               <a:t>Copyright © 2021 by Elephant Scale, All Rights Reserved</a:t>
             </a:r>
+            <a:endParaRPr sz="800">
+              <a:solidFill>
+                <a:srgbClr val="000000"/>
+              </a:solidFill>
+            </a:endParaRPr>
           </a:p>
         </p:txBody>
       </p:sp>
@@ -14551,13 +14801,8 @@
           <a:headEnd type="none" w="med" len="med"/>
           <a:tailEnd type="none" w="med" len="med"/>
         </a:ln>
-        <a:effectLst/>
       </a:spPr>
-      <a:bodyPr vert="horz" wrap="square" lIns="91440" tIns="45720" rIns="91440" bIns="45720" numCol="1" anchor="t" anchorCtr="0" compatLnSpc="1">
-        <a:prstTxWarp prst="textNoShape">
-          <a:avLst/>
-        </a:prstTxWarp>
-      </a:bodyPr>
+      <a:bodyPr vert="horz" wrap="square" lIns="91440" tIns="45720" rIns="91440" bIns="45720" numCol="1" anchor="t" anchorCtr="0" compatLnSpc="1"/>
       <a:lstStyle>
         <a:defPPr marL="0" marR="0" indent="0" algn="ctr" defTabSz="914400" rtl="0" eaLnBrk="1" fontAlgn="base" latinLnBrk="0" hangingPunct="1">
           <a:lnSpc>
@@ -14573,7 +14818,6 @@
           <a:buSzTx/>
           <a:buFontTx/>
           <a:buNone/>
-          <a:tabLst/>
           <a:defRPr kumimoji="0" lang="en-US" sz="1000" b="0" i="0" u="none" strike="noStrike" cap="none" normalizeH="0" baseline="0">
             <a:ln>
               <a:noFill/>
@@ -14582,7 +14826,7 @@
               <a:schemeClr val="tx1"/>
             </a:solidFill>
             <a:effectLst/>
-            <a:latin typeface="Garamond" pitchFamily="-110" charset="0"/>
+            <a:latin typeface="Garamond" pitchFamily="18" charset="0"/>
           </a:defRPr>
         </a:defPPr>
       </a:lstStyle>
@@ -14613,13 +14857,8 @@
           <a:headEnd type="none" w="med" len="med"/>
           <a:tailEnd type="none" w="med" len="med"/>
         </a:ln>
-        <a:effectLst/>
       </a:spPr>
-      <a:bodyPr vert="horz" wrap="square" lIns="91440" tIns="45720" rIns="91440" bIns="45720" numCol="1" anchor="t" anchorCtr="0" compatLnSpc="1">
-        <a:prstTxWarp prst="textNoShape">
-          <a:avLst/>
-        </a:prstTxWarp>
-      </a:bodyPr>
+      <a:bodyPr vert="horz" wrap="square" lIns="91440" tIns="45720" rIns="91440" bIns="45720" numCol="1" anchor="t" anchorCtr="0" compatLnSpc="1"/>
       <a:lstStyle>
         <a:defPPr marL="0" marR="0" indent="0" algn="ctr" defTabSz="914400" rtl="0" eaLnBrk="1" fontAlgn="base" latinLnBrk="0" hangingPunct="1">
           <a:lnSpc>
@@ -14635,7 +14874,6 @@
           <a:buSzTx/>
           <a:buFontTx/>
           <a:buNone/>
-          <a:tabLst/>
           <a:defRPr kumimoji="0" lang="en-US" sz="1000" b="0" i="0" u="none" strike="noStrike" cap="none" normalizeH="0" baseline="0">
             <a:ln>
               <a:noFill/>
@@ -14644,7 +14882,7 @@
               <a:schemeClr val="tx1"/>
             </a:solidFill>
             <a:effectLst/>
-            <a:latin typeface="Garamond" pitchFamily="-110" charset="0"/>
+            <a:latin typeface="Garamond" pitchFamily="18" charset="0"/>
           </a:defRPr>
         </a:defPPr>
       </a:lstStyle>
@@ -14939,6 +15177,11 @@
       <a:clrMap bg1="dk2" tx1="lt1" bg2="dk1" tx2="lt2" accent1="accent1" accent2="accent2" accent3="accent3" accent4="accent4" accent5="accent5" accent6="accent6" hlink="hlink" folHlink="folHlink"/>
     </a:extraClrScheme>
   </a:extraClrSchemeLst>
+  <a:extLst>
+    <a:ext uri="{05A4C25C-085E-4340-85A3-A5531E510DB2}">
+      <thm15:themeFamily xmlns:thm15="http://schemas.microsoft.com/office/thememl/2012/main" name="Office Theme" id="{62F939B6-93AF-4DB8-9C6B-D6C7DFDC589F}" vid="{4A3C46E8-61CC-4603-A589-7422A47A8E4A}"/>
+    </a:ext>
+  </a:extLst>
 </a:theme>
 </file>
 
@@ -15256,7 +15499,11 @@
       </a:style>
     </a:lnDef>
   </a:objectDefaults>
-  <a:extraClrSchemeLst/>
+  <a:extLst>
+    <a:ext uri="{05A4C25C-085E-4340-85A3-A5531E510DB2}">
+      <thm15:themeFamily xmlns:thm15="http://schemas.microsoft.com/office/thememl/2012/main" name="Office Theme" id="{62F939B6-93AF-4DB8-9C6B-D6C7DFDC589F}" vid="{4A3C46E8-61CC-4603-A589-7422A47A8E4A}"/>
+    </a:ext>
+  </a:extLst>
 </a:theme>
 </file>
 
@@ -15574,6 +15821,10 @@
       </a:style>
     </a:lnDef>
   </a:objectDefaults>
-  <a:extraClrSchemeLst/>
+  <a:extLst>
+    <a:ext uri="{05A4C25C-085E-4340-85A3-A5531E510DB2}">
+      <thm15:themeFamily xmlns:thm15="http://schemas.microsoft.com/office/thememl/2012/main" name="Office Theme" id="{62F939B6-93AF-4DB8-9C6B-D6C7DFDC589F}" vid="{4A3C46E8-61CC-4603-A589-7422A47A8E4A}"/>
+    </a:ext>
+  </a:extLst>
 </a:theme>
 </file>